--- a/프론트엔드기초(PPT)/JAVASCRIPT 2강_시작하기.pptx
+++ b/프론트엔드기초(PPT)/JAVASCRIPT 2강_시작하기.pptx
@@ -3118,14 +3118,7 @@
                 <a:latin typeface="배달의민족 주아" pitchFamily="18" charset="-127"/>
                 <a:ea typeface="배달의민족 주아" pitchFamily="18" charset="-127"/>
               </a:rPr>
-              <a:t>자바스크립트 </a:t>
-            </a:r>
-            <a:r>
-              <a:rPr lang="ko-KR" altLang="en-US" dirty="0" smtClean="0">
-                <a:latin typeface="배달의민족 주아" pitchFamily="18" charset="-127"/>
-                <a:ea typeface="배달의민족 주아" pitchFamily="18" charset="-127"/>
-              </a:rPr>
-              <a:t>시작하</a:t>
+              <a:t>자바스크립트 시작하</a:t>
             </a:r>
             <a:r>
               <a:rPr lang="ko-KR" altLang="en-US" dirty="0">
@@ -3134,10 +3127,6 @@
               </a:rPr>
               <a:t>기</a:t>
             </a:r>
-            <a:endParaRPr lang="ko-KR" altLang="en-US" dirty="0">
-              <a:latin typeface="배달의민족 주아" pitchFamily="18" charset="-127"/>
-              <a:ea typeface="배달의민족 주아" pitchFamily="18" charset="-127"/>
-            </a:endParaRPr>
           </a:p>
         </p:txBody>
       </p:sp>

--- a/프론트엔드기초(PPT)/JAVASCRIPT 2강_시작하기.pptx
+++ b/프론트엔드기초(PPT)/JAVASCRIPT 2강_시작하기.pptx
@@ -297,7 +297,7 @@
           <a:p>
             <a:fld id="{FB30EDBD-1C2D-4C1E-B459-B60219FAB484}" type="datetimeFigureOut">
               <a:rPr lang="ko-KR" altLang="en-US" smtClean="0"/>
-              <a:t>2020-09-12</a:t>
+              <a:t>2020-09-22</a:t>
             </a:fld>
             <a:endParaRPr lang="ko-KR" altLang="en-US"/>
           </a:p>
@@ -462,7 +462,7 @@
           <a:p>
             <a:fld id="{FB30EDBD-1C2D-4C1E-B459-B60219FAB484}" type="datetimeFigureOut">
               <a:rPr lang="ko-KR" altLang="en-US" smtClean="0"/>
-              <a:t>2020-09-12</a:t>
+              <a:t>2020-09-22</a:t>
             </a:fld>
             <a:endParaRPr lang="ko-KR" altLang="en-US"/>
           </a:p>
@@ -637,7 +637,7 @@
           <a:p>
             <a:fld id="{FB30EDBD-1C2D-4C1E-B459-B60219FAB484}" type="datetimeFigureOut">
               <a:rPr lang="ko-KR" altLang="en-US" smtClean="0"/>
-              <a:t>2020-09-12</a:t>
+              <a:t>2020-09-22</a:t>
             </a:fld>
             <a:endParaRPr lang="ko-KR" altLang="en-US"/>
           </a:p>
@@ -802,7 +802,7 @@
           <a:p>
             <a:fld id="{FB30EDBD-1C2D-4C1E-B459-B60219FAB484}" type="datetimeFigureOut">
               <a:rPr lang="ko-KR" altLang="en-US" smtClean="0"/>
-              <a:t>2020-09-12</a:t>
+              <a:t>2020-09-22</a:t>
             </a:fld>
             <a:endParaRPr lang="ko-KR" altLang="en-US"/>
           </a:p>
@@ -1043,7 +1043,7 @@
           <a:p>
             <a:fld id="{FB30EDBD-1C2D-4C1E-B459-B60219FAB484}" type="datetimeFigureOut">
               <a:rPr lang="ko-KR" altLang="en-US" smtClean="0"/>
-              <a:t>2020-09-12</a:t>
+              <a:t>2020-09-22</a:t>
             </a:fld>
             <a:endParaRPr lang="ko-KR" altLang="en-US"/>
           </a:p>
@@ -1326,7 +1326,7 @@
           <a:p>
             <a:fld id="{FB30EDBD-1C2D-4C1E-B459-B60219FAB484}" type="datetimeFigureOut">
               <a:rPr lang="ko-KR" altLang="en-US" smtClean="0"/>
-              <a:t>2020-09-12</a:t>
+              <a:t>2020-09-22</a:t>
             </a:fld>
             <a:endParaRPr lang="ko-KR" altLang="en-US"/>
           </a:p>
@@ -1743,7 +1743,7 @@
           <a:p>
             <a:fld id="{FB30EDBD-1C2D-4C1E-B459-B60219FAB484}" type="datetimeFigureOut">
               <a:rPr lang="ko-KR" altLang="en-US" smtClean="0"/>
-              <a:t>2020-09-12</a:t>
+              <a:t>2020-09-22</a:t>
             </a:fld>
             <a:endParaRPr lang="ko-KR" altLang="en-US"/>
           </a:p>
@@ -1856,7 +1856,7 @@
           <a:p>
             <a:fld id="{FB30EDBD-1C2D-4C1E-B459-B60219FAB484}" type="datetimeFigureOut">
               <a:rPr lang="ko-KR" altLang="en-US" smtClean="0"/>
-              <a:t>2020-09-12</a:t>
+              <a:t>2020-09-22</a:t>
             </a:fld>
             <a:endParaRPr lang="ko-KR" altLang="en-US"/>
           </a:p>
@@ -1946,7 +1946,7 @@
           <a:p>
             <a:fld id="{FB30EDBD-1C2D-4C1E-B459-B60219FAB484}" type="datetimeFigureOut">
               <a:rPr lang="ko-KR" altLang="en-US" smtClean="0"/>
-              <a:t>2020-09-12</a:t>
+              <a:t>2020-09-22</a:t>
             </a:fld>
             <a:endParaRPr lang="ko-KR" altLang="en-US"/>
           </a:p>
@@ -2218,7 +2218,7 @@
           <a:p>
             <a:fld id="{FB30EDBD-1C2D-4C1E-B459-B60219FAB484}" type="datetimeFigureOut">
               <a:rPr lang="ko-KR" altLang="en-US" smtClean="0"/>
-              <a:t>2020-09-12</a:t>
+              <a:t>2020-09-22</a:t>
             </a:fld>
             <a:endParaRPr lang="ko-KR" altLang="en-US"/>
           </a:p>
@@ -2466,7 +2466,7 @@
           <a:p>
             <a:fld id="{FB30EDBD-1C2D-4C1E-B459-B60219FAB484}" type="datetimeFigureOut">
               <a:rPr lang="ko-KR" altLang="en-US" smtClean="0"/>
-              <a:t>2020-09-12</a:t>
+              <a:t>2020-09-22</a:t>
             </a:fld>
             <a:endParaRPr lang="ko-KR" altLang="en-US"/>
           </a:p>
@@ -2674,7 +2674,7 @@
           <a:p>
             <a:fld id="{FB30EDBD-1C2D-4C1E-B459-B60219FAB484}" type="datetimeFigureOut">
               <a:rPr lang="ko-KR" altLang="en-US" smtClean="0"/>
-              <a:t>2020-09-12</a:t>
+              <a:t>2020-09-22</a:t>
             </a:fld>
             <a:endParaRPr lang="ko-KR" altLang="en-US"/>
           </a:p>

--- a/프론트엔드기초(PPT)/JAVASCRIPT 2강_시작하기.pptx
+++ b/프론트엔드기초(PPT)/JAVASCRIPT 2강_시작하기.pptx
@@ -8,13 +8,11 @@
     <p:sldId id="256" r:id="rId2"/>
     <p:sldId id="264" r:id="rId3"/>
     <p:sldId id="266" r:id="rId4"/>
-    <p:sldId id="271" r:id="rId5"/>
-    <p:sldId id="272" r:id="rId6"/>
-    <p:sldId id="273" r:id="rId7"/>
-    <p:sldId id="274" r:id="rId8"/>
-    <p:sldId id="267" r:id="rId9"/>
-    <p:sldId id="268" r:id="rId10"/>
-    <p:sldId id="263" r:id="rId11"/>
+    <p:sldId id="272" r:id="rId5"/>
+    <p:sldId id="273" r:id="rId6"/>
+    <p:sldId id="274" r:id="rId7"/>
+    <p:sldId id="267" r:id="rId8"/>
+    <p:sldId id="263" r:id="rId9"/>
   </p:sldIdLst>
   <p:sldSz cx="9144000" cy="6858000" type="screen4x3"/>
   <p:notesSz cx="6858000" cy="9144000"/>
@@ -297,7 +295,7 @@
           <a:p>
             <a:fld id="{FB30EDBD-1C2D-4C1E-B459-B60219FAB484}" type="datetimeFigureOut">
               <a:rPr lang="ko-KR" altLang="en-US" smtClean="0"/>
-              <a:t>2020-09-22</a:t>
+              <a:t>2020-09-26</a:t>
             </a:fld>
             <a:endParaRPr lang="ko-KR" altLang="en-US"/>
           </a:p>
@@ -462,7 +460,7 @@
           <a:p>
             <a:fld id="{FB30EDBD-1C2D-4C1E-B459-B60219FAB484}" type="datetimeFigureOut">
               <a:rPr lang="ko-KR" altLang="en-US" smtClean="0"/>
-              <a:t>2020-09-22</a:t>
+              <a:t>2020-09-26</a:t>
             </a:fld>
             <a:endParaRPr lang="ko-KR" altLang="en-US"/>
           </a:p>
@@ -637,7 +635,7 @@
           <a:p>
             <a:fld id="{FB30EDBD-1C2D-4C1E-B459-B60219FAB484}" type="datetimeFigureOut">
               <a:rPr lang="ko-KR" altLang="en-US" smtClean="0"/>
-              <a:t>2020-09-22</a:t>
+              <a:t>2020-09-26</a:t>
             </a:fld>
             <a:endParaRPr lang="ko-KR" altLang="en-US"/>
           </a:p>
@@ -802,7 +800,7 @@
           <a:p>
             <a:fld id="{FB30EDBD-1C2D-4C1E-B459-B60219FAB484}" type="datetimeFigureOut">
               <a:rPr lang="ko-KR" altLang="en-US" smtClean="0"/>
-              <a:t>2020-09-22</a:t>
+              <a:t>2020-09-26</a:t>
             </a:fld>
             <a:endParaRPr lang="ko-KR" altLang="en-US"/>
           </a:p>
@@ -1043,7 +1041,7 @@
           <a:p>
             <a:fld id="{FB30EDBD-1C2D-4C1E-B459-B60219FAB484}" type="datetimeFigureOut">
               <a:rPr lang="ko-KR" altLang="en-US" smtClean="0"/>
-              <a:t>2020-09-22</a:t>
+              <a:t>2020-09-26</a:t>
             </a:fld>
             <a:endParaRPr lang="ko-KR" altLang="en-US"/>
           </a:p>
@@ -1326,7 +1324,7 @@
           <a:p>
             <a:fld id="{FB30EDBD-1C2D-4C1E-B459-B60219FAB484}" type="datetimeFigureOut">
               <a:rPr lang="ko-KR" altLang="en-US" smtClean="0"/>
-              <a:t>2020-09-22</a:t>
+              <a:t>2020-09-26</a:t>
             </a:fld>
             <a:endParaRPr lang="ko-KR" altLang="en-US"/>
           </a:p>
@@ -1743,7 +1741,7 @@
           <a:p>
             <a:fld id="{FB30EDBD-1C2D-4C1E-B459-B60219FAB484}" type="datetimeFigureOut">
               <a:rPr lang="ko-KR" altLang="en-US" smtClean="0"/>
-              <a:t>2020-09-22</a:t>
+              <a:t>2020-09-26</a:t>
             </a:fld>
             <a:endParaRPr lang="ko-KR" altLang="en-US"/>
           </a:p>
@@ -1856,7 +1854,7 @@
           <a:p>
             <a:fld id="{FB30EDBD-1C2D-4C1E-B459-B60219FAB484}" type="datetimeFigureOut">
               <a:rPr lang="ko-KR" altLang="en-US" smtClean="0"/>
-              <a:t>2020-09-22</a:t>
+              <a:t>2020-09-26</a:t>
             </a:fld>
             <a:endParaRPr lang="ko-KR" altLang="en-US"/>
           </a:p>
@@ -1946,7 +1944,7 @@
           <a:p>
             <a:fld id="{FB30EDBD-1C2D-4C1E-B459-B60219FAB484}" type="datetimeFigureOut">
               <a:rPr lang="ko-KR" altLang="en-US" smtClean="0"/>
-              <a:t>2020-09-22</a:t>
+              <a:t>2020-09-26</a:t>
             </a:fld>
             <a:endParaRPr lang="ko-KR" altLang="en-US"/>
           </a:p>
@@ -2218,7 +2216,7 @@
           <a:p>
             <a:fld id="{FB30EDBD-1C2D-4C1E-B459-B60219FAB484}" type="datetimeFigureOut">
               <a:rPr lang="ko-KR" altLang="en-US" smtClean="0"/>
-              <a:t>2020-09-22</a:t>
+              <a:t>2020-09-26</a:t>
             </a:fld>
             <a:endParaRPr lang="ko-KR" altLang="en-US"/>
           </a:p>
@@ -2466,7 +2464,7 @@
           <a:p>
             <a:fld id="{FB30EDBD-1C2D-4C1E-B459-B60219FAB484}" type="datetimeFigureOut">
               <a:rPr lang="ko-KR" altLang="en-US" smtClean="0"/>
-              <a:t>2020-09-22</a:t>
+              <a:t>2020-09-26</a:t>
             </a:fld>
             <a:endParaRPr lang="ko-KR" altLang="en-US"/>
           </a:p>
@@ -2674,7 +2672,7 @@
           <a:p>
             <a:fld id="{FB30EDBD-1C2D-4C1E-B459-B60219FAB484}" type="datetimeFigureOut">
               <a:rPr lang="ko-KR" altLang="en-US" smtClean="0"/>
-              <a:t>2020-09-22</a:t>
+              <a:t>2020-09-26</a:t>
             </a:fld>
             <a:endParaRPr lang="ko-KR" altLang="en-US"/>
           </a:p>
@@ -3030,6 +3028,14 @@
 <file path=ppt/slides/slide1.xml><?xml version="1.0" encoding="utf-8"?>
 <p:sld xmlns:a="http://schemas.openxmlformats.org/drawingml/2006/main" xmlns:r="http://schemas.openxmlformats.org/officeDocument/2006/relationships" xmlns:p="http://schemas.openxmlformats.org/presentationml/2006/main">
   <p:cSld>
+    <p:bg>
+      <p:bgPr>
+        <a:solidFill>
+          <a:schemeClr val="accent4"/>
+        </a:solidFill>
+        <a:effectLst/>
+      </p:bgPr>
+    </p:bg>
     <p:spTree>
       <p:nvGrpSpPr>
         <p:cNvPr id="1" name=""/>
@@ -3064,7 +3070,7 @@
             <a:r>
               <a:rPr lang="en-US" altLang="ko-KR" sz="2800" dirty="0" smtClean="0">
                 <a:solidFill>
-                  <a:schemeClr val="accent5"/>
+                  <a:schemeClr val="bg1"/>
                 </a:solidFill>
                 <a:latin typeface="배달의민족 주아" pitchFamily="18" charset="-127"/>
                 <a:ea typeface="배달의민족 주아" pitchFamily="18" charset="-127"/>
@@ -3074,7 +3080,7 @@
             <a:r>
               <a:rPr lang="ko-KR" altLang="en-US" sz="2800" dirty="0" smtClean="0">
                 <a:solidFill>
-                  <a:schemeClr val="accent5"/>
+                  <a:schemeClr val="bg1"/>
                 </a:solidFill>
                 <a:latin typeface="배달의민족 주아" pitchFamily="18" charset="-127"/>
                 <a:ea typeface="배달의민족 주아" pitchFamily="18" charset="-127"/>
@@ -3084,7 +3090,7 @@
             <a:r>
               <a:rPr lang="en-US" altLang="ko-KR" sz="2800" dirty="0" smtClean="0">
                 <a:solidFill>
-                  <a:schemeClr val="accent5"/>
+                  <a:schemeClr val="bg1"/>
                 </a:solidFill>
                 <a:latin typeface="배달의민족 주아" pitchFamily="18" charset="-127"/>
                 <a:ea typeface="배달의민족 주아" pitchFamily="18" charset="-127"/>
@@ -3094,7 +3100,7 @@
             <a:br>
               <a:rPr lang="en-US" altLang="ko-KR" sz="2800" dirty="0" smtClean="0">
                 <a:solidFill>
-                  <a:schemeClr val="accent5"/>
+                  <a:schemeClr val="bg1"/>
                 </a:solidFill>
                 <a:latin typeface="배달의민족 주아" pitchFamily="18" charset="-127"/>
                 <a:ea typeface="배달의민족 주아" pitchFamily="18" charset="-127"/>
@@ -3102,6 +3108,9 @@
             </a:br>
             <a:r>
               <a:rPr lang="en-US" altLang="ko-KR" dirty="0" smtClean="0">
+                <a:solidFill>
+                  <a:schemeClr val="bg1"/>
+                </a:solidFill>
                 <a:latin typeface="배달의민족 주아" pitchFamily="18" charset="-127"/>
                 <a:ea typeface="배달의민족 주아" pitchFamily="18" charset="-127"/>
               </a:rPr>
@@ -3109,12 +3118,18 @@
             </a:r>
             <a:br>
               <a:rPr lang="en-US" altLang="ko-KR" dirty="0" smtClean="0">
+                <a:solidFill>
+                  <a:schemeClr val="bg1"/>
+                </a:solidFill>
                 <a:latin typeface="배달의민족 주아" pitchFamily="18" charset="-127"/>
                 <a:ea typeface="배달의민족 주아" pitchFamily="18" charset="-127"/>
               </a:rPr>
             </a:br>
             <a:r>
               <a:rPr lang="ko-KR" altLang="en-US" dirty="0" smtClean="0">
+                <a:solidFill>
+                  <a:schemeClr val="bg1"/>
+                </a:solidFill>
                 <a:latin typeface="배달의민족 주아" pitchFamily="18" charset="-127"/>
                 <a:ea typeface="배달의민족 주아" pitchFamily="18" charset="-127"/>
               </a:rPr>
@@ -3122,6 +3137,9 @@
             </a:r>
             <a:r>
               <a:rPr lang="ko-KR" altLang="en-US" dirty="0">
+                <a:solidFill>
+                  <a:schemeClr val="bg1"/>
+                </a:solidFill>
                 <a:latin typeface="배달의민족 주아" pitchFamily="18" charset="-127"/>
                 <a:ea typeface="배달의민족 주아" pitchFamily="18" charset="-127"/>
               </a:rPr>
@@ -3155,7 +3173,7 @@
             <a:r>
               <a:rPr lang="en-US" altLang="ko-KR" dirty="0" smtClean="0">
                 <a:solidFill>
-                  <a:schemeClr val="accent5"/>
+                  <a:schemeClr val="bg1"/>
                 </a:solidFill>
                 <a:latin typeface="배달의민족 도현" pitchFamily="50" charset="-127"/>
                 <a:ea typeface="배달의민족 도현" pitchFamily="50" charset="-127"/>
@@ -3172,7 +3190,7 @@
             <a:r>
               <a:rPr lang="en-US" altLang="ko-KR" dirty="0" smtClean="0">
                 <a:solidFill>
-                  <a:schemeClr val="accent5"/>
+                  <a:schemeClr val="bg1"/>
                 </a:solidFill>
                 <a:latin typeface="배달의민족 도현" pitchFamily="50" charset="-127"/>
                 <a:ea typeface="배달의민족 도현" pitchFamily="50" charset="-127"/>
@@ -3197,158 +3215,6 @@
     <p:extLst>
       <p:ext uri="{BB962C8B-B14F-4D97-AF65-F5344CB8AC3E}">
         <p14:creationId xmlns:p14="http://schemas.microsoft.com/office/powerpoint/2010/main" val="4108424399"/>
-      </p:ext>
-    </p:extLst>
-  </p:cSld>
-  <p:clrMapOvr>
-    <a:masterClrMapping/>
-  </p:clrMapOvr>
-  <p:timing>
-    <p:tnLst>
-      <p:par>
-        <p:cTn id="1" dur="indefinite" restart="never" nodeType="tmRoot"/>
-      </p:par>
-    </p:tnLst>
-  </p:timing>
-</p:sld>
-</file>
-
-<file path=ppt/slides/slide10.xml><?xml version="1.0" encoding="utf-8"?>
-<p:sld xmlns:a="http://schemas.openxmlformats.org/drawingml/2006/main" xmlns:r="http://schemas.openxmlformats.org/officeDocument/2006/relationships" xmlns:p="http://schemas.openxmlformats.org/presentationml/2006/main">
-  <p:cSld>
-    <p:spTree>
-      <p:nvGrpSpPr>
-        <p:cNvPr id="1" name=""/>
-        <p:cNvGrpSpPr/>
-        <p:nvPr/>
-      </p:nvGrpSpPr>
-      <p:grpSpPr>
-        <a:xfrm>
-          <a:off x="0" y="0"/>
-          <a:ext cx="0" cy="0"/>
-          <a:chOff x="0" y="0"/>
-          <a:chExt cx="0" cy="0"/>
-        </a:xfrm>
-      </p:grpSpPr>
-      <p:sp>
-        <p:nvSpPr>
-          <p:cNvPr id="5" name="제목 1"/>
-          <p:cNvSpPr txBox="1">
-            <a:spLocks/>
-          </p:cNvSpPr>
-          <p:nvPr/>
-        </p:nvSpPr>
-        <p:spPr>
-          <a:xfrm>
-            <a:off x="827584" y="2204864"/>
-            <a:ext cx="7772400" cy="1470025"/>
-          </a:xfrm>
-          <a:prstGeom prst="rect">
-            <a:avLst/>
-          </a:prstGeom>
-        </p:spPr>
-        <p:txBody>
-          <a:bodyPr vert="horz" lIns="91440" tIns="45720" rIns="91440" bIns="45720" rtlCol="0" anchor="ctr">
-            <a:normAutofit/>
-          </a:bodyPr>
-          <a:lstStyle>
-            <a:lvl1pPr algn="ctr" defTabSz="914400" rtl="0" eaLnBrk="1" latinLnBrk="1" hangingPunct="1">
-              <a:spcBef>
-                <a:spcPct val="0"/>
-              </a:spcBef>
-              <a:buNone/>
-              <a:defRPr sz="4400" kern="1200">
-                <a:solidFill>
-                  <a:schemeClr val="tx1"/>
-                </a:solidFill>
-                <a:latin typeface="+mj-lt"/>
-                <a:ea typeface="+mj-ea"/>
-                <a:cs typeface="+mj-cs"/>
-              </a:defRPr>
-            </a:lvl1pPr>
-          </a:lstStyle>
-          <a:p>
-            <a:r>
-              <a:rPr lang="ko-KR" altLang="en-US" dirty="0" smtClean="0">
-                <a:latin typeface="배달의민족 주아" pitchFamily="18" charset="-127"/>
-                <a:ea typeface="배달의민족 주아" pitchFamily="18" charset="-127"/>
-              </a:rPr>
-              <a:t>감사합니다</a:t>
-            </a:r>
-            <a:endParaRPr lang="ko-KR" altLang="en-US" dirty="0">
-              <a:latin typeface="배달의민족 주아" pitchFamily="18" charset="-127"/>
-              <a:ea typeface="배달의민족 주아" pitchFamily="18" charset="-127"/>
-            </a:endParaRPr>
-          </a:p>
-        </p:txBody>
-      </p:sp>
-      <p:sp>
-        <p:nvSpPr>
-          <p:cNvPr id="3" name="TextBox 2"/>
-          <p:cNvSpPr txBox="1"/>
-          <p:nvPr/>
-        </p:nvSpPr>
-        <p:spPr>
-          <a:xfrm>
-            <a:off x="6588224" y="6165304"/>
-            <a:ext cx="1838965" cy="369332"/>
-          </a:xfrm>
-          <a:prstGeom prst="rect">
-            <a:avLst/>
-          </a:prstGeom>
-          <a:noFill/>
-        </p:spPr>
-        <p:txBody>
-          <a:bodyPr wrap="none" rtlCol="0">
-            <a:spAutoFit/>
-          </a:bodyPr>
-          <a:lstStyle/>
-          <a:p>
-            <a:r>
-              <a:rPr lang="en-US" altLang="ko-KR" dirty="0" smtClean="0">
-                <a:solidFill>
-                  <a:schemeClr val="accent5"/>
-                </a:solidFill>
-                <a:latin typeface="배달의민족 도현" pitchFamily="50" charset="-127"/>
-                <a:ea typeface="배달의민족 도현" pitchFamily="50" charset="-127"/>
-              </a:rPr>
-              <a:t>S</a:t>
-            </a:r>
-            <a:r>
-              <a:rPr lang="en-US" altLang="ko-KR" dirty="0" smtClean="0">
-                <a:latin typeface="배달의민족 도현" pitchFamily="50" charset="-127"/>
-                <a:ea typeface="배달의민족 도현" pitchFamily="50" charset="-127"/>
-              </a:rPr>
-              <a:t>TART</a:t>
-            </a:r>
-            <a:r>
-              <a:rPr lang="en-US" altLang="ko-KR" dirty="0" smtClean="0">
-                <a:solidFill>
-                  <a:schemeClr val="accent5"/>
-                </a:solidFill>
-                <a:latin typeface="배달의민족 도현" pitchFamily="50" charset="-127"/>
-                <a:ea typeface="배달의민족 도현" pitchFamily="50" charset="-127"/>
-              </a:rPr>
-              <a:t>C</a:t>
-            </a:r>
-            <a:r>
-              <a:rPr lang="en-US" altLang="ko-KR" dirty="0" smtClean="0">
-                <a:latin typeface="배달의민족 도현" pitchFamily="50" charset="-127"/>
-                <a:ea typeface="배달의민족 도현" pitchFamily="50" charset="-127"/>
-              </a:rPr>
-              <a:t>ODING</a:t>
-            </a:r>
-            <a:endParaRPr lang="ko-KR" altLang="en-US" dirty="0">
-              <a:latin typeface="배달의민족 도현" pitchFamily="50" charset="-127"/>
-              <a:ea typeface="배달의민족 도현" pitchFamily="50" charset="-127"/>
-            </a:endParaRPr>
-          </a:p>
-        </p:txBody>
-      </p:sp>
-    </p:spTree>
-    <p:extLst>
-      <p:ext uri="{BB962C8B-B14F-4D97-AF65-F5344CB8AC3E}">
-        <p14:creationId xmlns:p14="http://schemas.microsoft.com/office/powerpoint/2010/main" val="984902709"/>
       </p:ext>
     </p:extLst>
   </p:cSld>
@@ -3655,7 +3521,7 @@
         <p:spPr>
           <a:xfrm>
             <a:off x="755576" y="1268760"/>
-            <a:ext cx="7772400" cy="2376264"/>
+            <a:ext cx="7772400" cy="1944216"/>
           </a:xfrm>
           <a:prstGeom prst="rect">
             <a:avLst/>
@@ -3693,17 +3559,24 @@
                 <a:latin typeface="배달의민족 주아" pitchFamily="18" charset="-127"/>
                 <a:ea typeface="배달의민족 주아" pitchFamily="18" charset="-127"/>
               </a:rPr>
-              <a:t>…..</a:t>
+              <a:t>&lt;body&gt;</a:t>
             </a:r>
           </a:p>
           <a:p>
             <a:pPr algn="l"/>
             <a:r>
-              <a:rPr lang="en-US" altLang="ko-KR" dirty="0" smtClean="0">
-                <a:latin typeface="배달의민족 주아" pitchFamily="18" charset="-127"/>
-                <a:ea typeface="배달의민족 주아" pitchFamily="18" charset="-127"/>
-              </a:rPr>
-              <a:t>&lt;body&gt;</a:t>
+              <a:rPr lang="en-US" altLang="ko-KR" dirty="0">
+                <a:latin typeface="배달의민족 주아" pitchFamily="18" charset="-127"/>
+                <a:ea typeface="배달의민족 주아" pitchFamily="18" charset="-127"/>
+              </a:rPr>
+              <a:t>	</a:t>
+            </a:r>
+            <a:r>
+              <a:rPr lang="en-US" altLang="ko-KR" dirty="0" smtClean="0">
+                <a:latin typeface="배달의민족 주아" pitchFamily="18" charset="-127"/>
+                <a:ea typeface="배달의민족 주아" pitchFamily="18" charset="-127"/>
+              </a:rPr>
+              <a:t>&lt;h1&gt;JavaScript&lt;h1&gt;</a:t>
             </a:r>
           </a:p>
           <a:p>
@@ -3717,10 +3590,13 @@
             </a:r>
             <a:r>
               <a:rPr lang="en-US" altLang="ko-KR" dirty="0" smtClean="0">
-                <a:latin typeface="배달의민족 주아" pitchFamily="18" charset="-127"/>
-                <a:ea typeface="배달의민족 주아" pitchFamily="18" charset="-127"/>
-              </a:rPr>
-              <a:t>&lt;h1&gt;JavaScript&lt;h1&gt;</a:t>
+                <a:solidFill>
+                  <a:schemeClr val="accent5"/>
+                </a:solidFill>
+                <a:latin typeface="배달의민족 주아" pitchFamily="18" charset="-127"/>
+                <a:ea typeface="배달의민족 주아" pitchFamily="18" charset="-127"/>
+              </a:rPr>
+              <a:t>&lt;script&gt;</a:t>
             </a:r>
           </a:p>
           <a:p>
@@ -3734,103 +3610,69 @@
             </a:r>
             <a:r>
               <a:rPr lang="en-US" altLang="ko-KR" dirty="0" smtClean="0">
+                <a:latin typeface="배달의민족 주아" pitchFamily="18" charset="-127"/>
+                <a:ea typeface="배달의민족 주아" pitchFamily="18" charset="-127"/>
+              </a:rPr>
+              <a:t>	</a:t>
+            </a:r>
+            <a:r>
+              <a:rPr lang="en-US" altLang="ko-KR" dirty="0" err="1" smtClean="0">
+                <a:latin typeface="배달의민족 주아" pitchFamily="18" charset="-127"/>
+                <a:ea typeface="배달의민족 주아" pitchFamily="18" charset="-127"/>
+              </a:rPr>
+              <a:t>document.write</a:t>
+            </a:r>
+            <a:r>
+              <a:rPr lang="en-US" altLang="ko-KR" dirty="0" smtClean="0">
+                <a:latin typeface="배달의민족 주아" pitchFamily="18" charset="-127"/>
+                <a:ea typeface="배달의민족 주아" pitchFamily="18" charset="-127"/>
+              </a:rPr>
+              <a:t>(“</a:t>
+            </a:r>
+            <a:r>
+              <a:rPr lang="ko-KR" altLang="en-US" dirty="0" smtClean="0">
+                <a:latin typeface="배달의민족 주아" pitchFamily="18" charset="-127"/>
+                <a:ea typeface="배달의민족 주아" pitchFamily="18" charset="-127"/>
+              </a:rPr>
+              <a:t>안녕하세요 자바스크립트입니다</a:t>
+            </a:r>
+            <a:r>
+              <a:rPr lang="en-US" altLang="ko-KR" dirty="0" smtClean="0">
+                <a:latin typeface="배달의민족 주아" pitchFamily="18" charset="-127"/>
+                <a:ea typeface="배달의민족 주아" pitchFamily="18" charset="-127"/>
+              </a:rPr>
+              <a:t>.”);</a:t>
+            </a:r>
+          </a:p>
+          <a:p>
+            <a:pPr algn="l"/>
+            <a:r>
+              <a:rPr lang="en-US" altLang="ko-KR" dirty="0">
+                <a:latin typeface="배달의민족 주아" pitchFamily="18" charset="-127"/>
+                <a:ea typeface="배달의민족 주아" pitchFamily="18" charset="-127"/>
+              </a:rPr>
+              <a:t>	</a:t>
+            </a:r>
+            <a:r>
+              <a:rPr lang="en-US" altLang="ko-KR" dirty="0" smtClean="0">
                 <a:solidFill>
                   <a:schemeClr val="accent5"/>
                 </a:solidFill>
                 <a:latin typeface="배달의민족 주아" pitchFamily="18" charset="-127"/>
                 <a:ea typeface="배달의민족 주아" pitchFamily="18" charset="-127"/>
               </a:rPr>
-              <a:t>&lt;script&gt;</a:t>
+              <a:t>&lt;/script&gt;</a:t>
             </a:r>
           </a:p>
           <a:p>
             <a:pPr algn="l"/>
             <a:r>
-              <a:rPr lang="en-US" altLang="ko-KR" dirty="0">
-                <a:latin typeface="배달의민족 주아" pitchFamily="18" charset="-127"/>
-                <a:ea typeface="배달의민족 주아" pitchFamily="18" charset="-127"/>
-              </a:rPr>
-              <a:t>	</a:t>
-            </a:r>
-            <a:r>
-              <a:rPr lang="en-US" altLang="ko-KR" dirty="0" smtClean="0">
-                <a:latin typeface="배달의민족 주아" pitchFamily="18" charset="-127"/>
-                <a:ea typeface="배달의민족 주아" pitchFamily="18" charset="-127"/>
-              </a:rPr>
-              <a:t>	</a:t>
-            </a:r>
-            <a:r>
-              <a:rPr lang="en-US" altLang="ko-KR" dirty="0" err="1" smtClean="0">
-                <a:latin typeface="배달의민족 주아" pitchFamily="18" charset="-127"/>
-                <a:ea typeface="배달의민족 주아" pitchFamily="18" charset="-127"/>
-              </a:rPr>
-              <a:t>document.write</a:t>
-            </a:r>
-            <a:r>
-              <a:rPr lang="en-US" altLang="ko-KR" dirty="0" smtClean="0">
-                <a:latin typeface="배달의민족 주아" pitchFamily="18" charset="-127"/>
-                <a:ea typeface="배달의민족 주아" pitchFamily="18" charset="-127"/>
-              </a:rPr>
-              <a:t>(“</a:t>
-            </a:r>
-            <a:r>
-              <a:rPr lang="ko-KR" altLang="en-US" dirty="0" smtClean="0">
-                <a:latin typeface="배달의민족 주아" pitchFamily="18" charset="-127"/>
-                <a:ea typeface="배달의민족 주아" pitchFamily="18" charset="-127"/>
-              </a:rPr>
-              <a:t>안녕하세요 자바스크립트입니다</a:t>
-            </a:r>
-            <a:r>
-              <a:rPr lang="en-US" altLang="ko-KR" dirty="0" smtClean="0">
-                <a:latin typeface="배달의민족 주아" pitchFamily="18" charset="-127"/>
-                <a:ea typeface="배달의민족 주아" pitchFamily="18" charset="-127"/>
-              </a:rPr>
-              <a:t>.”);</a:t>
-            </a:r>
-          </a:p>
-          <a:p>
-            <a:pPr algn="l"/>
-            <a:r>
-              <a:rPr lang="en-US" altLang="ko-KR" dirty="0">
-                <a:latin typeface="배달의민족 주아" pitchFamily="18" charset="-127"/>
-                <a:ea typeface="배달의민족 주아" pitchFamily="18" charset="-127"/>
-              </a:rPr>
-              <a:t>	</a:t>
-            </a:r>
-            <a:r>
-              <a:rPr lang="en-US" altLang="ko-KR" dirty="0" smtClean="0">
-                <a:solidFill>
-                  <a:schemeClr val="accent5"/>
-                </a:solidFill>
-                <a:latin typeface="배달의민족 주아" pitchFamily="18" charset="-127"/>
-                <a:ea typeface="배달의민족 주아" pitchFamily="18" charset="-127"/>
-              </a:rPr>
-              <a:t>&lt;/script&gt;</a:t>
-            </a:r>
-          </a:p>
-          <a:p>
-            <a:pPr algn="l"/>
-            <a:r>
               <a:rPr lang="en-US" altLang="ko-KR" dirty="0" smtClean="0">
                 <a:latin typeface="배달의민족 주아" pitchFamily="18" charset="-127"/>
                 <a:ea typeface="배달의민족 주아" pitchFamily="18" charset="-127"/>
               </a:rPr>
               <a:t>&lt;/body&gt;</a:t>
             </a:r>
-          </a:p>
-          <a:p>
-            <a:pPr algn="l"/>
-            <a:r>
-              <a:rPr lang="en-US" altLang="ko-KR" dirty="0" smtClean="0">
-                <a:latin typeface="배달의민족 주아" pitchFamily="18" charset="-127"/>
-                <a:ea typeface="배달의민족 주아" pitchFamily="18" charset="-127"/>
-              </a:rPr>
-              <a:t>…..</a:t>
-            </a:r>
-            <a:endParaRPr lang="ko-KR" altLang="en-US" dirty="0">
-              <a:latin typeface="배달의민족 주아" pitchFamily="18" charset="-127"/>
-              <a:ea typeface="배달의민족 주아" pitchFamily="18" charset="-127"/>
-            </a:endParaRPr>
           </a:p>
         </p:txBody>
       </p:sp>
@@ -3952,389 +3794,6 @@
       </p:grpSpPr>
       <p:sp>
         <p:nvSpPr>
-          <p:cNvPr id="3" name="TextBox 2"/>
-          <p:cNvSpPr txBox="1"/>
-          <p:nvPr/>
-        </p:nvSpPr>
-        <p:spPr>
-          <a:xfrm>
-            <a:off x="6588224" y="6165304"/>
-            <a:ext cx="1838965" cy="369332"/>
-          </a:xfrm>
-          <a:prstGeom prst="rect">
-            <a:avLst/>
-          </a:prstGeom>
-          <a:noFill/>
-        </p:spPr>
-        <p:txBody>
-          <a:bodyPr wrap="none" rtlCol="0">
-            <a:spAutoFit/>
-          </a:bodyPr>
-          <a:lstStyle/>
-          <a:p>
-            <a:r>
-              <a:rPr lang="en-US" altLang="ko-KR" dirty="0" smtClean="0">
-                <a:solidFill>
-                  <a:schemeClr val="accent5"/>
-                </a:solidFill>
-                <a:latin typeface="배달의민족 도현" pitchFamily="50" charset="-127"/>
-                <a:ea typeface="배달의민족 도현" pitchFamily="50" charset="-127"/>
-              </a:rPr>
-              <a:t>S</a:t>
-            </a:r>
-            <a:r>
-              <a:rPr lang="en-US" altLang="ko-KR" dirty="0" smtClean="0">
-                <a:latin typeface="배달의민족 도현" pitchFamily="50" charset="-127"/>
-                <a:ea typeface="배달의민족 도현" pitchFamily="50" charset="-127"/>
-              </a:rPr>
-              <a:t>TART</a:t>
-            </a:r>
-            <a:r>
-              <a:rPr lang="en-US" altLang="ko-KR" dirty="0" smtClean="0">
-                <a:solidFill>
-                  <a:schemeClr val="accent5"/>
-                </a:solidFill>
-                <a:latin typeface="배달의민족 도현" pitchFamily="50" charset="-127"/>
-                <a:ea typeface="배달의민족 도현" pitchFamily="50" charset="-127"/>
-              </a:rPr>
-              <a:t>C</a:t>
-            </a:r>
-            <a:r>
-              <a:rPr lang="en-US" altLang="ko-KR" dirty="0" smtClean="0">
-                <a:latin typeface="배달의민족 도현" pitchFamily="50" charset="-127"/>
-                <a:ea typeface="배달의민족 도현" pitchFamily="50" charset="-127"/>
-              </a:rPr>
-              <a:t>ODING</a:t>
-            </a:r>
-            <a:endParaRPr lang="ko-KR" altLang="en-US" dirty="0">
-              <a:latin typeface="배달의민족 도현" pitchFamily="50" charset="-127"/>
-              <a:ea typeface="배달의민족 도현" pitchFamily="50" charset="-127"/>
-            </a:endParaRPr>
-          </a:p>
-        </p:txBody>
-      </p:sp>
-      <p:sp>
-        <p:nvSpPr>
-          <p:cNvPr id="4" name="제목 1"/>
-          <p:cNvSpPr txBox="1">
-            <a:spLocks/>
-          </p:cNvSpPr>
-          <p:nvPr/>
-        </p:nvSpPr>
-        <p:spPr>
-          <a:xfrm>
-            <a:off x="755576" y="980728"/>
-            <a:ext cx="7772400" cy="3384376"/>
-          </a:xfrm>
-          <a:prstGeom prst="rect">
-            <a:avLst/>
-          </a:prstGeom>
-          <a:ln>
-            <a:solidFill>
-              <a:schemeClr val="accent5"/>
-            </a:solidFill>
-          </a:ln>
-        </p:spPr>
-        <p:txBody>
-          <a:bodyPr vert="horz" lIns="91440" tIns="45720" rIns="91440" bIns="45720" rtlCol="0" anchor="ctr">
-            <a:normAutofit fontScale="55000" lnSpcReduction="20000"/>
-          </a:bodyPr>
-          <a:lstStyle>
-            <a:lvl1pPr algn="ctr" defTabSz="914400" rtl="0" eaLnBrk="1" latinLnBrk="1" hangingPunct="1">
-              <a:spcBef>
-                <a:spcPct val="0"/>
-              </a:spcBef>
-              <a:buNone/>
-              <a:defRPr sz="4400" kern="1200">
-                <a:solidFill>
-                  <a:schemeClr val="tx1"/>
-                </a:solidFill>
-                <a:latin typeface="+mj-lt"/>
-                <a:ea typeface="+mj-ea"/>
-                <a:cs typeface="+mj-cs"/>
-              </a:defRPr>
-            </a:lvl1pPr>
-          </a:lstStyle>
-          <a:p>
-            <a:pPr algn="l"/>
-            <a:r>
-              <a:rPr lang="en-US" altLang="ko-KR" dirty="0" smtClean="0">
-                <a:latin typeface="배달의민족 주아" pitchFamily="18" charset="-127"/>
-                <a:ea typeface="배달의민족 주아" pitchFamily="18" charset="-127"/>
-              </a:rPr>
-              <a:t>…..</a:t>
-            </a:r>
-          </a:p>
-          <a:p>
-            <a:pPr algn="l"/>
-            <a:r>
-              <a:rPr lang="en-US" altLang="ko-KR" dirty="0" smtClean="0">
-                <a:latin typeface="배달의민족 주아" pitchFamily="18" charset="-127"/>
-                <a:ea typeface="배달의민족 주아" pitchFamily="18" charset="-127"/>
-              </a:rPr>
-              <a:t>&lt;body&gt;</a:t>
-            </a:r>
-          </a:p>
-          <a:p>
-            <a:pPr algn="l"/>
-            <a:r>
-              <a:rPr lang="en-US" altLang="ko-KR" dirty="0" smtClean="0">
-                <a:latin typeface="배달의민족 주아" pitchFamily="18" charset="-127"/>
-                <a:ea typeface="배달의민족 주아" pitchFamily="18" charset="-127"/>
-              </a:rPr>
-              <a:t>	</a:t>
-            </a:r>
-            <a:r>
-              <a:rPr lang="en-US" altLang="ko-KR" dirty="0">
-                <a:latin typeface="배달의민족 주아" pitchFamily="18" charset="-127"/>
-                <a:ea typeface="배달의민족 주아" pitchFamily="18" charset="-127"/>
-              </a:rPr>
-              <a:t>&lt;h1&gt;html&lt;/h1&gt;</a:t>
-            </a:r>
-          </a:p>
-          <a:p>
-            <a:pPr algn="l"/>
-            <a:r>
-              <a:rPr lang="en-US" altLang="ko-KR" dirty="0">
-                <a:latin typeface="배달의민족 주아" pitchFamily="18" charset="-127"/>
-                <a:ea typeface="배달의민족 주아" pitchFamily="18" charset="-127"/>
-              </a:rPr>
-              <a:t>	</a:t>
-            </a:r>
-            <a:r>
-              <a:rPr lang="en-US" altLang="ko-KR" dirty="0" smtClean="0">
-                <a:latin typeface="배달의민족 주아" pitchFamily="18" charset="-127"/>
-                <a:ea typeface="배달의민족 주아" pitchFamily="18" charset="-127"/>
-              </a:rPr>
-              <a:t>1+1</a:t>
-            </a:r>
-          </a:p>
-          <a:p>
-            <a:pPr algn="l"/>
-            <a:r>
-              <a:rPr lang="en-US" altLang="ko-KR" dirty="0">
-                <a:latin typeface="배달의민족 주아" pitchFamily="18" charset="-127"/>
-                <a:ea typeface="배달의민족 주아" pitchFamily="18" charset="-127"/>
-              </a:rPr>
-              <a:t>	</a:t>
-            </a:r>
-            <a:r>
-              <a:rPr lang="en-US" altLang="ko-KR" dirty="0" smtClean="0">
-                <a:latin typeface="배달의민족 주아" pitchFamily="18" charset="-127"/>
-                <a:ea typeface="배달의민족 주아" pitchFamily="18" charset="-127"/>
-              </a:rPr>
-              <a:t>&lt;h1&gt;JavaScript&lt;h1&gt;</a:t>
-            </a:r>
-          </a:p>
-          <a:p>
-            <a:pPr algn="l"/>
-            <a:r>
-              <a:rPr lang="en-US" altLang="ko-KR" dirty="0">
-                <a:latin typeface="배달의민족 주아" pitchFamily="18" charset="-127"/>
-                <a:ea typeface="배달의민족 주아" pitchFamily="18" charset="-127"/>
-              </a:rPr>
-              <a:t>	</a:t>
-            </a:r>
-            <a:r>
-              <a:rPr lang="en-US" altLang="ko-KR" dirty="0" smtClean="0">
-                <a:latin typeface="배달의민족 주아" pitchFamily="18" charset="-127"/>
-                <a:ea typeface="배달의민족 주아" pitchFamily="18" charset="-127"/>
-              </a:rPr>
-              <a:t>&lt;script&gt;</a:t>
-            </a:r>
-          </a:p>
-          <a:p>
-            <a:pPr algn="l"/>
-            <a:r>
-              <a:rPr lang="en-US" altLang="ko-KR" dirty="0">
-                <a:latin typeface="배달의민족 주아" pitchFamily="18" charset="-127"/>
-                <a:ea typeface="배달의민족 주아" pitchFamily="18" charset="-127"/>
-              </a:rPr>
-              <a:t>	</a:t>
-            </a:r>
-            <a:r>
-              <a:rPr lang="en-US" altLang="ko-KR" dirty="0" smtClean="0">
-                <a:latin typeface="배달의민족 주아" pitchFamily="18" charset="-127"/>
-                <a:ea typeface="배달의민족 주아" pitchFamily="18" charset="-127"/>
-              </a:rPr>
-              <a:t>	</a:t>
-            </a:r>
-            <a:r>
-              <a:rPr lang="en-US" altLang="ko-KR" dirty="0" err="1" smtClean="0">
-                <a:latin typeface="배달의민족 주아" pitchFamily="18" charset="-127"/>
-                <a:ea typeface="배달의민족 주아" pitchFamily="18" charset="-127"/>
-              </a:rPr>
-              <a:t>document.write</a:t>
-            </a:r>
-            <a:r>
-              <a:rPr lang="en-US" altLang="ko-KR" dirty="0" smtClean="0">
-                <a:latin typeface="배달의민족 주아" pitchFamily="18" charset="-127"/>
-                <a:ea typeface="배달의민족 주아" pitchFamily="18" charset="-127"/>
-              </a:rPr>
-              <a:t>(1+1);</a:t>
-            </a:r>
-          </a:p>
-          <a:p>
-            <a:pPr algn="l"/>
-            <a:r>
-              <a:rPr lang="en-US" altLang="ko-KR" dirty="0">
-                <a:latin typeface="배달의민족 주아" pitchFamily="18" charset="-127"/>
-                <a:ea typeface="배달의민족 주아" pitchFamily="18" charset="-127"/>
-              </a:rPr>
-              <a:t>	</a:t>
-            </a:r>
-            <a:r>
-              <a:rPr lang="en-US" altLang="ko-KR" dirty="0" smtClean="0">
-                <a:latin typeface="배달의민족 주아" pitchFamily="18" charset="-127"/>
-                <a:ea typeface="배달의민족 주아" pitchFamily="18" charset="-127"/>
-              </a:rPr>
-              <a:t>&lt;/script&gt;</a:t>
-            </a:r>
-          </a:p>
-          <a:p>
-            <a:pPr algn="l"/>
-            <a:r>
-              <a:rPr lang="en-US" altLang="ko-KR" dirty="0" smtClean="0">
-                <a:latin typeface="배달의민족 주아" pitchFamily="18" charset="-127"/>
-                <a:ea typeface="배달의민족 주아" pitchFamily="18" charset="-127"/>
-              </a:rPr>
-              <a:t>&lt;/body&gt;</a:t>
-            </a:r>
-          </a:p>
-          <a:p>
-            <a:pPr algn="l"/>
-            <a:r>
-              <a:rPr lang="en-US" altLang="ko-KR" dirty="0" smtClean="0">
-                <a:latin typeface="배달의민족 주아" pitchFamily="18" charset="-127"/>
-                <a:ea typeface="배달의민족 주아" pitchFamily="18" charset="-127"/>
-              </a:rPr>
-              <a:t>…..</a:t>
-            </a:r>
-            <a:endParaRPr lang="ko-KR" altLang="en-US" dirty="0">
-              <a:latin typeface="배달의민족 주아" pitchFamily="18" charset="-127"/>
-              <a:ea typeface="배달의민족 주아" pitchFamily="18" charset="-127"/>
-            </a:endParaRPr>
-          </a:p>
-        </p:txBody>
-      </p:sp>
-    </p:spTree>
-    <p:extLst>
-      <p:ext uri="{BB962C8B-B14F-4D97-AF65-F5344CB8AC3E}">
-        <p14:creationId xmlns:p14="http://schemas.microsoft.com/office/powerpoint/2010/main" val="1127254963"/>
-      </p:ext>
-    </p:extLst>
-  </p:cSld>
-  <p:clrMapOvr>
-    <a:masterClrMapping/>
-  </p:clrMapOvr>
-  <p:timing>
-    <p:tnLst>
-      <p:par>
-        <p:cTn id="1" dur="indefinite" restart="never" nodeType="tmRoot">
-          <p:childTnLst>
-            <p:seq concurrent="1" nextAc="seek">
-              <p:cTn id="2" dur="indefinite" nodeType="mainSeq">
-                <p:childTnLst>
-                  <p:par>
-                    <p:cTn id="3" fill="hold">
-                      <p:stCondLst>
-                        <p:cond delay="indefinite"/>
-                      </p:stCondLst>
-                      <p:childTnLst>
-                        <p:par>
-                          <p:cTn id="4" fill="hold">
-                            <p:stCondLst>
-                              <p:cond delay="0"/>
-                            </p:stCondLst>
-                            <p:childTnLst>
-                              <p:par>
-                                <p:cTn id="5" presetID="10" presetClass="entr" presetSubtype="0" fill="hold" grpId="0" nodeType="clickEffect">
-                                  <p:stCondLst>
-                                    <p:cond delay="0"/>
-                                  </p:stCondLst>
-                                  <p:childTnLst>
-                                    <p:set>
-                                      <p:cBhvr>
-                                        <p:cTn id="6" dur="1" fill="hold">
-                                          <p:stCondLst>
-                                            <p:cond delay="0"/>
-                                          </p:stCondLst>
-                                        </p:cTn>
-                                        <p:tgtEl>
-                                          <p:spTgt spid="4"/>
-                                        </p:tgtEl>
-                                        <p:attrNameLst>
-                                          <p:attrName>style.visibility</p:attrName>
-                                        </p:attrNameLst>
-                                      </p:cBhvr>
-                                      <p:to>
-                                        <p:strVal val="visible"/>
-                                      </p:to>
-                                    </p:set>
-                                    <p:animEffect transition="in" filter="fade">
-                                      <p:cBhvr>
-                                        <p:cTn id="7" dur="500"/>
-                                        <p:tgtEl>
-                                          <p:spTgt spid="4"/>
-                                        </p:tgtEl>
-                                      </p:cBhvr>
-                                    </p:animEffect>
-                                  </p:childTnLst>
-                                </p:cTn>
-                              </p:par>
-                            </p:childTnLst>
-                          </p:cTn>
-                        </p:par>
-                      </p:childTnLst>
-                    </p:cTn>
-                  </p:par>
-                </p:childTnLst>
-              </p:cTn>
-              <p:prevCondLst>
-                <p:cond evt="onPrev" delay="0">
-                  <p:tgtEl>
-                    <p:sldTgt/>
-                  </p:tgtEl>
-                </p:cond>
-              </p:prevCondLst>
-              <p:nextCondLst>
-                <p:cond evt="onNext" delay="0">
-                  <p:tgtEl>
-                    <p:sldTgt/>
-                  </p:tgtEl>
-                </p:cond>
-              </p:nextCondLst>
-            </p:seq>
-          </p:childTnLst>
-        </p:cTn>
-      </p:par>
-    </p:tnLst>
-    <p:bldLst>
-      <p:bldP spid="4" grpId="0" animBg="1"/>
-    </p:bldLst>
-  </p:timing>
-</p:sld>
-</file>
-
-<file path=ppt/slides/slide5.xml><?xml version="1.0" encoding="utf-8"?>
-<p:sld xmlns:a="http://schemas.openxmlformats.org/drawingml/2006/main" xmlns:r="http://schemas.openxmlformats.org/officeDocument/2006/relationships" xmlns:p="http://schemas.openxmlformats.org/presentationml/2006/main">
-  <p:cSld>
-    <p:spTree>
-      <p:nvGrpSpPr>
-        <p:cNvPr id="1" name=""/>
-        <p:cNvGrpSpPr/>
-        <p:nvPr/>
-      </p:nvGrpSpPr>
-      <p:grpSpPr>
-        <a:xfrm>
-          <a:off x="0" y="0"/>
-          <a:ext cx="0" cy="0"/>
-          <a:chOff x="0" y="0"/>
-          <a:chExt cx="0" cy="0"/>
-        </a:xfrm>
-      </p:grpSpPr>
-      <p:sp>
-        <p:nvSpPr>
           <p:cNvPr id="2" name="제목 1"/>
           <p:cNvSpPr>
             <a:spLocks noGrp="1"/>
@@ -4498,7 +3957,7 @@
 </p:sld>
 </file>
 
-<file path=ppt/slides/slide6.xml><?xml version="1.0" encoding="utf-8"?>
+<file path=ppt/slides/slide5.xml><?xml version="1.0" encoding="utf-8"?>
 <p:sld xmlns:a="http://schemas.openxmlformats.org/drawingml/2006/main" xmlns:r="http://schemas.openxmlformats.org/officeDocument/2006/relationships" xmlns:p="http://schemas.openxmlformats.org/presentationml/2006/main">
   <p:cSld>
     <p:spTree>
@@ -4934,7 +4393,7 @@
 </p:sld>
 </file>
 
-<file path=ppt/slides/slide7.xml><?xml version="1.0" encoding="utf-8"?>
+<file path=ppt/slides/slide6.xml><?xml version="1.0" encoding="utf-8"?>
 <p:sld xmlns:a="http://schemas.openxmlformats.org/drawingml/2006/main" xmlns:r="http://schemas.openxmlformats.org/officeDocument/2006/relationships" xmlns:p="http://schemas.openxmlformats.org/presentationml/2006/main">
   <p:cSld>
     <p:spTree>
@@ -5123,7 +4582,7 @@
 </p:sld>
 </file>
 
-<file path=ppt/slides/slide8.xml><?xml version="1.0" encoding="utf-8"?>
+<file path=ppt/slides/slide7.xml><?xml version="1.0" encoding="utf-8"?>
 <p:sld xmlns:a="http://schemas.openxmlformats.org/drawingml/2006/main" xmlns:r="http://schemas.openxmlformats.org/officeDocument/2006/relationships" xmlns:p="http://schemas.openxmlformats.org/presentationml/2006/main">
   <p:cSld>
     <p:spTree>
@@ -5267,6 +4726,82 @@
           </a:extLst>
         </p:spPr>
       </p:pic>
+      <p:sp>
+        <p:nvSpPr>
+          <p:cNvPr id="4" name="제목 1"/>
+          <p:cNvSpPr>
+            <a:spLocks noGrp="1"/>
+          </p:cNvSpPr>
+          <p:nvPr>
+            <p:ph type="ctrTitle"/>
+          </p:nvPr>
+        </p:nvSpPr>
+        <p:spPr>
+          <a:xfrm>
+            <a:off x="3275856" y="2996952"/>
+            <a:ext cx="5542384" cy="1181993"/>
+          </a:xfrm>
+        </p:spPr>
+        <p:txBody>
+          <a:bodyPr>
+            <a:normAutofit fontScale="90000"/>
+          </a:bodyPr>
+          <a:lstStyle/>
+          <a:p>
+            <a:r>
+              <a:rPr lang="en-US" altLang="ko-KR" dirty="0" smtClean="0">
+                <a:latin typeface="배달의민족 주아" pitchFamily="18" charset="-127"/>
+                <a:ea typeface="배달의민족 주아" pitchFamily="18" charset="-127"/>
+              </a:rPr>
+              <a:t>&gt; alert(3+5)</a:t>
+            </a:r>
+            <a:br>
+              <a:rPr lang="en-US" altLang="ko-KR" dirty="0" smtClean="0">
+                <a:latin typeface="배달의민족 주아" pitchFamily="18" charset="-127"/>
+                <a:ea typeface="배달의민족 주아" pitchFamily="18" charset="-127"/>
+              </a:rPr>
+            </a:br>
+            <a:r>
+              <a:rPr lang="en-US" altLang="ko-KR" dirty="0" smtClean="0">
+                <a:latin typeface="배달의민족 주아" pitchFamily="18" charset="-127"/>
+                <a:ea typeface="배달의민족 주아" pitchFamily="18" charset="-127"/>
+              </a:rPr>
+              <a:t>&gt; alert(“</a:t>
+            </a:r>
+            <a:r>
+              <a:rPr lang="en-US" altLang="ko-KR" smtClean="0">
+                <a:latin typeface="배달의민족 주아" pitchFamily="18" charset="-127"/>
+                <a:ea typeface="배달의민족 주아" pitchFamily="18" charset="-127"/>
+              </a:rPr>
+              <a:t>Hi</a:t>
+            </a:r>
+            <a:r>
+              <a:rPr lang="en-US" altLang="ko-KR" smtClean="0">
+                <a:latin typeface="배달의민족 주아" pitchFamily="18" charset="-127"/>
+                <a:ea typeface="배달의민족 주아" pitchFamily="18" charset="-127"/>
+              </a:rPr>
+              <a:t>”)</a:t>
+            </a:r>
+            <a:br>
+              <a:rPr lang="en-US" altLang="ko-KR" smtClean="0">
+                <a:latin typeface="배달의민족 주아" pitchFamily="18" charset="-127"/>
+                <a:ea typeface="배달의민족 주아" pitchFamily="18" charset="-127"/>
+              </a:rPr>
+            </a:br>
+            <a:r>
+              <a:rPr lang="ko-KR" altLang="en-US" dirty="0" smtClean="0">
+                <a:latin typeface="배달의민족 주아" pitchFamily="18" charset="-127"/>
+                <a:ea typeface="배달의민족 주아" pitchFamily="18" charset="-127"/>
+              </a:rPr>
+              <a:t>입력해보기</a:t>
+            </a:r>
+            <a:endParaRPr lang="ko-KR" altLang="en-US" dirty="0">
+              <a:latin typeface="배달의민족 주아" pitchFamily="18" charset="-127"/>
+              <a:ea typeface="배달의민족 주아" pitchFamily="18" charset="-127"/>
+            </a:endParaRPr>
+          </a:p>
+        </p:txBody>
+      </p:sp>
     </p:spTree>
     <p:extLst>
       <p:ext uri="{BB962C8B-B14F-4D97-AF65-F5344CB8AC3E}">
@@ -5287,7 +4822,7 @@
 </p:sld>
 </file>
 
-<file path=ppt/slides/slide9.xml><?xml version="1.0" encoding="utf-8"?>
+<file path=ppt/slides/slide8.xml><?xml version="1.0" encoding="utf-8"?>
 <p:sld xmlns:a="http://schemas.openxmlformats.org/drawingml/2006/main" xmlns:r="http://schemas.openxmlformats.org/officeDocument/2006/relationships" xmlns:p="http://schemas.openxmlformats.org/presentationml/2006/main">
   <p:cSld>
     <p:spTree>
@@ -5306,43 +4841,48 @@
       </p:grpSpPr>
       <p:sp>
         <p:nvSpPr>
-          <p:cNvPr id="2" name="제목 1"/>
-          <p:cNvSpPr>
-            <a:spLocks noGrp="1"/>
-          </p:cNvSpPr>
-          <p:nvPr>
-            <p:ph type="ctrTitle"/>
-          </p:nvPr>
+          <p:cNvPr id="5" name="제목 1"/>
+          <p:cNvSpPr txBox="1">
+            <a:spLocks/>
+          </p:cNvSpPr>
+          <p:nvPr/>
         </p:nvSpPr>
         <p:spPr>
           <a:xfrm>
-            <a:off x="685800" y="1628800"/>
+            <a:off x="827584" y="2204864"/>
             <a:ext cx="7772400" cy="1470025"/>
           </a:xfrm>
+          <a:prstGeom prst="rect">
+            <a:avLst/>
+          </a:prstGeom>
         </p:spPr>
         <p:txBody>
-          <a:bodyPr/>
-          <a:lstStyle/>
-          <a:p>
-            <a:r>
-              <a:rPr lang="en-US" altLang="ko-KR" dirty="0" smtClean="0">
-                <a:latin typeface="배달의민족 주아" pitchFamily="18" charset="-127"/>
-                <a:ea typeface="배달의민족 주아" pitchFamily="18" charset="-127"/>
-              </a:rPr>
-              <a:t>&gt; alert(3+5)</a:t>
-            </a:r>
-            <a:br>
-              <a:rPr lang="en-US" altLang="ko-KR" dirty="0" smtClean="0">
-                <a:latin typeface="배달의민족 주아" pitchFamily="18" charset="-127"/>
-                <a:ea typeface="배달의민족 주아" pitchFamily="18" charset="-127"/>
-              </a:rPr>
-            </a:br>
-            <a:r>
-              <a:rPr lang="en-US" altLang="ko-KR" dirty="0" smtClean="0">
-                <a:latin typeface="배달의민족 주아" pitchFamily="18" charset="-127"/>
-                <a:ea typeface="배달의민족 주아" pitchFamily="18" charset="-127"/>
-              </a:rPr>
-              <a:t>&gt; alert(“Hi”)</a:t>
+          <a:bodyPr vert="horz" lIns="91440" tIns="45720" rIns="91440" bIns="45720" rtlCol="0" anchor="ctr">
+            <a:normAutofit/>
+          </a:bodyPr>
+          <a:lstStyle>
+            <a:lvl1pPr algn="ctr" defTabSz="914400" rtl="0" eaLnBrk="1" latinLnBrk="1" hangingPunct="1">
+              <a:spcBef>
+                <a:spcPct val="0"/>
+              </a:spcBef>
+              <a:buNone/>
+              <a:defRPr sz="4400" kern="1200">
+                <a:solidFill>
+                  <a:schemeClr val="tx1"/>
+                </a:solidFill>
+                <a:latin typeface="+mj-lt"/>
+                <a:ea typeface="+mj-ea"/>
+                <a:cs typeface="+mj-cs"/>
+              </a:defRPr>
+            </a:lvl1pPr>
+          </a:lstStyle>
+          <a:p>
+            <a:r>
+              <a:rPr lang="ko-KR" altLang="en-US" dirty="0" smtClean="0">
+                <a:latin typeface="배달의민족 주아" pitchFamily="18" charset="-127"/>
+                <a:ea typeface="배달의민족 주아" pitchFamily="18" charset="-127"/>
+              </a:rPr>
+              <a:t>감사합니다</a:t>
             </a:r>
             <a:endParaRPr lang="ko-KR" altLang="en-US" dirty="0">
               <a:latin typeface="배달의민족 주아" pitchFamily="18" charset="-127"/>
@@ -5417,7 +4957,7 @@
     </p:spTree>
     <p:extLst>
       <p:ext uri="{BB962C8B-B14F-4D97-AF65-F5344CB8AC3E}">
-        <p14:creationId xmlns:p14="http://schemas.microsoft.com/office/powerpoint/2010/main" val="359513552"/>
+        <p14:creationId xmlns:p14="http://schemas.microsoft.com/office/powerpoint/2010/main" val="984902709"/>
       </p:ext>
     </p:extLst>
   </p:cSld>

--- a/프론트엔드기초(PPT)/JAVASCRIPT 2강_시작하기.pptx
+++ b/프론트엔드기초(PPT)/JAVASCRIPT 2강_시작하기.pptx
@@ -5,12 +5,12 @@
     <p:sldMasterId id="2147483648" r:id="rId1"/>
   </p:sldMasterIdLst>
   <p:sldIdLst>
-    <p:sldId id="256" r:id="rId2"/>
-    <p:sldId id="264" r:id="rId3"/>
+    <p:sldId id="275" r:id="rId2"/>
+    <p:sldId id="276" r:id="rId3"/>
     <p:sldId id="266" r:id="rId4"/>
-    <p:sldId id="272" r:id="rId5"/>
-    <p:sldId id="273" r:id="rId6"/>
-    <p:sldId id="274" r:id="rId7"/>
+    <p:sldId id="280" r:id="rId5"/>
+    <p:sldId id="278" r:id="rId6"/>
+    <p:sldId id="279" r:id="rId7"/>
     <p:sldId id="267" r:id="rId8"/>
     <p:sldId id="263" r:id="rId9"/>
   </p:sldIdLst>
@@ -295,7 +295,7 @@
           <a:p>
             <a:fld id="{FB30EDBD-1C2D-4C1E-B459-B60219FAB484}" type="datetimeFigureOut">
               <a:rPr lang="ko-KR" altLang="en-US" smtClean="0"/>
-              <a:t>2020-09-26</a:t>
+              <a:t>2020-10-19</a:t>
             </a:fld>
             <a:endParaRPr lang="ko-KR" altLang="en-US"/>
           </a:p>
@@ -460,7 +460,7 @@
           <a:p>
             <a:fld id="{FB30EDBD-1C2D-4C1E-B459-B60219FAB484}" type="datetimeFigureOut">
               <a:rPr lang="ko-KR" altLang="en-US" smtClean="0"/>
-              <a:t>2020-09-26</a:t>
+              <a:t>2020-10-19</a:t>
             </a:fld>
             <a:endParaRPr lang="ko-KR" altLang="en-US"/>
           </a:p>
@@ -635,7 +635,7 @@
           <a:p>
             <a:fld id="{FB30EDBD-1C2D-4C1E-B459-B60219FAB484}" type="datetimeFigureOut">
               <a:rPr lang="ko-KR" altLang="en-US" smtClean="0"/>
-              <a:t>2020-09-26</a:t>
+              <a:t>2020-10-19</a:t>
             </a:fld>
             <a:endParaRPr lang="ko-KR" altLang="en-US"/>
           </a:p>
@@ -800,7 +800,7 @@
           <a:p>
             <a:fld id="{FB30EDBD-1C2D-4C1E-B459-B60219FAB484}" type="datetimeFigureOut">
               <a:rPr lang="ko-KR" altLang="en-US" smtClean="0"/>
-              <a:t>2020-09-26</a:t>
+              <a:t>2020-10-19</a:t>
             </a:fld>
             <a:endParaRPr lang="ko-KR" altLang="en-US"/>
           </a:p>
@@ -1041,7 +1041,7 @@
           <a:p>
             <a:fld id="{FB30EDBD-1C2D-4C1E-B459-B60219FAB484}" type="datetimeFigureOut">
               <a:rPr lang="ko-KR" altLang="en-US" smtClean="0"/>
-              <a:t>2020-09-26</a:t>
+              <a:t>2020-10-19</a:t>
             </a:fld>
             <a:endParaRPr lang="ko-KR" altLang="en-US"/>
           </a:p>
@@ -1324,7 +1324,7 @@
           <a:p>
             <a:fld id="{FB30EDBD-1C2D-4C1E-B459-B60219FAB484}" type="datetimeFigureOut">
               <a:rPr lang="ko-KR" altLang="en-US" smtClean="0"/>
-              <a:t>2020-09-26</a:t>
+              <a:t>2020-10-19</a:t>
             </a:fld>
             <a:endParaRPr lang="ko-KR" altLang="en-US"/>
           </a:p>
@@ -1741,7 +1741,7 @@
           <a:p>
             <a:fld id="{FB30EDBD-1C2D-4C1E-B459-B60219FAB484}" type="datetimeFigureOut">
               <a:rPr lang="ko-KR" altLang="en-US" smtClean="0"/>
-              <a:t>2020-09-26</a:t>
+              <a:t>2020-10-19</a:t>
             </a:fld>
             <a:endParaRPr lang="ko-KR" altLang="en-US"/>
           </a:p>
@@ -1854,7 +1854,7 @@
           <a:p>
             <a:fld id="{FB30EDBD-1C2D-4C1E-B459-B60219FAB484}" type="datetimeFigureOut">
               <a:rPr lang="ko-KR" altLang="en-US" smtClean="0"/>
-              <a:t>2020-09-26</a:t>
+              <a:t>2020-10-19</a:t>
             </a:fld>
             <a:endParaRPr lang="ko-KR" altLang="en-US"/>
           </a:p>
@@ -1944,7 +1944,7 @@
           <a:p>
             <a:fld id="{FB30EDBD-1C2D-4C1E-B459-B60219FAB484}" type="datetimeFigureOut">
               <a:rPr lang="ko-KR" altLang="en-US" smtClean="0"/>
-              <a:t>2020-09-26</a:t>
+              <a:t>2020-10-19</a:t>
             </a:fld>
             <a:endParaRPr lang="ko-KR" altLang="en-US"/>
           </a:p>
@@ -2216,7 +2216,7 @@
           <a:p>
             <a:fld id="{FB30EDBD-1C2D-4C1E-B459-B60219FAB484}" type="datetimeFigureOut">
               <a:rPr lang="ko-KR" altLang="en-US" smtClean="0"/>
-              <a:t>2020-09-26</a:t>
+              <a:t>2020-10-19</a:t>
             </a:fld>
             <a:endParaRPr lang="ko-KR" altLang="en-US"/>
           </a:p>
@@ -2464,7 +2464,7 @@
           <a:p>
             <a:fld id="{FB30EDBD-1C2D-4C1E-B459-B60219FAB484}" type="datetimeFigureOut">
               <a:rPr lang="ko-KR" altLang="en-US" smtClean="0"/>
-              <a:t>2020-09-26</a:t>
+              <a:t>2020-10-19</a:t>
             </a:fld>
             <a:endParaRPr lang="ko-KR" altLang="en-US"/>
           </a:p>
@@ -2672,7 +2672,7 @@
           <a:p>
             <a:fld id="{FB30EDBD-1C2D-4C1E-B459-B60219FAB484}" type="datetimeFigureOut">
               <a:rPr lang="ko-KR" altLang="en-US" smtClean="0"/>
-              <a:t>2020-09-26</a:t>
+              <a:t>2020-10-19</a:t>
             </a:fld>
             <a:endParaRPr lang="ko-KR" altLang="en-US"/>
           </a:p>
@@ -3075,17 +3075,17 @@
                 <a:latin typeface="배달의민족 주아" pitchFamily="18" charset="-127"/>
                 <a:ea typeface="배달의민족 주아" pitchFamily="18" charset="-127"/>
               </a:rPr>
-              <a:t>JavaScript  2</a:t>
-            </a:r>
-            <a:r>
-              <a:rPr lang="ko-KR" altLang="en-US" sz="2800" dirty="0" smtClean="0">
+              <a:t>JavaScript  Language basic </a:t>
+            </a:r>
+            <a:r>
+              <a:rPr lang="en-US" altLang="ko-KR" sz="2800" dirty="0" err="1" smtClean="0">
                 <a:solidFill>
                   <a:schemeClr val="bg1"/>
                 </a:solidFill>
                 <a:latin typeface="배달의민족 주아" pitchFamily="18" charset="-127"/>
                 <a:ea typeface="배달의민족 주아" pitchFamily="18" charset="-127"/>
               </a:rPr>
-              <a:t>강</a:t>
+              <a:t>cource</a:t>
             </a:r>
             <a:r>
               <a:rPr lang="en-US" altLang="ko-KR" sz="2800" dirty="0" smtClean="0">
@@ -3126,6 +3126,26 @@
               </a:rPr>
             </a:br>
             <a:r>
+              <a:rPr lang="en-US" altLang="ko-KR" dirty="0" smtClean="0">
+                <a:solidFill>
+                  <a:schemeClr val="bg1"/>
+                </a:solidFill>
+                <a:latin typeface="배달의민족 주아" pitchFamily="18" charset="-127"/>
+                <a:ea typeface="배달의민족 주아" pitchFamily="18" charset="-127"/>
+              </a:rPr>
+              <a:t>    </a:t>
+            </a:r>
+            <a:r>
+              <a:rPr lang="ko-KR" altLang="en-US" dirty="0" err="1" smtClean="0">
+                <a:solidFill>
+                  <a:schemeClr val="bg1"/>
+                </a:solidFill>
+                <a:latin typeface="배달의민족 주아" pitchFamily="18" charset="-127"/>
+                <a:ea typeface="배달의민족 주아" pitchFamily="18" charset="-127"/>
+              </a:rPr>
+              <a:t>스타트코딩</a:t>
+            </a:r>
+            <a:r>
               <a:rPr lang="ko-KR" altLang="en-US" dirty="0" smtClean="0">
                 <a:solidFill>
                   <a:schemeClr val="bg1"/>
@@ -3133,18 +3153,64 @@
                 <a:latin typeface="배달의민족 주아" pitchFamily="18" charset="-127"/>
                 <a:ea typeface="배달의민족 주아" pitchFamily="18" charset="-127"/>
               </a:rPr>
-              <a:t>자바스크립트 시작하</a:t>
-            </a:r>
-            <a:r>
-              <a:rPr lang="ko-KR" altLang="en-US" dirty="0">
+              <a:t> 자바스크립트 입문 </a:t>
+            </a:r>
+            <a:r>
+              <a:rPr lang="en-US" altLang="ko-KR" dirty="0" smtClean="0">
                 <a:solidFill>
                   <a:schemeClr val="bg1"/>
                 </a:solidFill>
                 <a:latin typeface="배달의민족 주아" pitchFamily="18" charset="-127"/>
                 <a:ea typeface="배달의민족 주아" pitchFamily="18" charset="-127"/>
               </a:rPr>
-              <a:t>기</a:t>
-            </a:r>
+              <a:t>2</a:t>
+            </a:r>
+            <a:r>
+              <a:rPr lang="ko-KR" altLang="en-US" dirty="0" smtClean="0">
+                <a:solidFill>
+                  <a:schemeClr val="bg1"/>
+                </a:solidFill>
+                <a:latin typeface="배달의민족 주아" pitchFamily="18" charset="-127"/>
+                <a:ea typeface="배달의민족 주아" pitchFamily="18" charset="-127"/>
+              </a:rPr>
+              <a:t>강</a:t>
+            </a:r>
+            <a:r>
+              <a:rPr lang="en-US" altLang="ko-KR" dirty="0" smtClean="0">
+                <a:solidFill>
+                  <a:schemeClr val="bg1"/>
+                </a:solidFill>
+                <a:latin typeface="배달의민족 주아" pitchFamily="18" charset="-127"/>
+                <a:ea typeface="배달의민족 주아" pitchFamily="18" charset="-127"/>
+              </a:rPr>
+              <a:t/>
+            </a:r>
+            <a:br>
+              <a:rPr lang="en-US" altLang="ko-KR" dirty="0" smtClean="0">
+                <a:solidFill>
+                  <a:schemeClr val="bg1"/>
+                </a:solidFill>
+                <a:latin typeface="배달의민족 주아" pitchFamily="18" charset="-127"/>
+                <a:ea typeface="배달의민족 주아" pitchFamily="18" charset="-127"/>
+              </a:rPr>
+            </a:br>
+            <a:r>
+              <a:rPr lang="ko-KR" altLang="en-US" dirty="0" smtClean="0">
+                <a:solidFill>
+                  <a:srgbClr val="FFCC00"/>
+                </a:solidFill>
+                <a:latin typeface="배달의민족 주아" pitchFamily="18" charset="-127"/>
+                <a:ea typeface="배달의민족 주아" pitchFamily="18" charset="-127"/>
+              </a:rPr>
+              <a:t>시작하기</a:t>
+            </a:r>
+            <a:endParaRPr lang="ko-KR" altLang="en-US" dirty="0">
+              <a:solidFill>
+                <a:srgbClr val="FFCC00"/>
+              </a:solidFill>
+              <a:latin typeface="배달의민족 주아" pitchFamily="18" charset="-127"/>
+              <a:ea typeface="배달의민족 주아" pitchFamily="18" charset="-127"/>
+            </a:endParaRPr>
           </a:p>
         </p:txBody>
       </p:sp>
@@ -3211,10 +3277,51 @@
           </a:p>
         </p:txBody>
       </p:sp>
+      <p:pic>
+        <p:nvPicPr>
+          <p:cNvPr id="4" name="Picture 4" descr="C:\Users\Administrator\Desktop\기준\프로그래밍\교육자료정리\홍보자료\javascript_icon_130900.png"/>
+          <p:cNvPicPr>
+            <a:picLocks noChangeAspect="1" noChangeArrowheads="1"/>
+          </p:cNvPicPr>
+          <p:nvPr/>
+        </p:nvPicPr>
+        <p:blipFill>
+          <a:blip r:embed="rId2" cstate="print">
+            <a:extLst>
+              <a:ext uri="{28A0092B-C50C-407E-A947-70E740481C1C}">
+                <a14:useLocalDpi xmlns:a14="http://schemas.microsoft.com/office/drawing/2010/main" val="0"/>
+              </a:ext>
+            </a:extLst>
+          </a:blip>
+          <a:srcRect/>
+          <a:stretch>
+            <a:fillRect/>
+          </a:stretch>
+        </p:blipFill>
+        <p:spPr bwMode="auto">
+          <a:xfrm>
+            <a:off x="971600" y="2708920"/>
+            <a:ext cx="576064" cy="576064"/>
+          </a:xfrm>
+          <a:prstGeom prst="rect">
+            <a:avLst/>
+          </a:prstGeom>
+          <a:noFill/>
+          <a:extLst>
+            <a:ext uri="{909E8E84-426E-40DD-AFC4-6F175D3DCCD1}">
+              <a14:hiddenFill xmlns:a14="http://schemas.microsoft.com/office/drawing/2010/main">
+                <a:solidFill>
+                  <a:srgbClr val="FFFFFF"/>
+                </a:solidFill>
+              </a14:hiddenFill>
+            </a:ext>
+          </a:extLst>
+        </p:spPr>
+      </p:pic>
     </p:spTree>
     <p:extLst>
       <p:ext uri="{BB962C8B-B14F-4D97-AF65-F5344CB8AC3E}">
-        <p14:creationId xmlns:p14="http://schemas.microsoft.com/office/powerpoint/2010/main" val="4108424399"/>
+        <p14:creationId xmlns:p14="http://schemas.microsoft.com/office/powerpoint/2010/main" val="1002942242"/>
       </p:ext>
     </p:extLst>
   </p:cSld>
@@ -3234,6 +3341,14 @@
 <file path=ppt/slides/slide2.xml><?xml version="1.0" encoding="utf-8"?>
 <p:sld xmlns:a="http://schemas.openxmlformats.org/drawingml/2006/main" xmlns:r="http://schemas.openxmlformats.org/officeDocument/2006/relationships" xmlns:p="http://schemas.openxmlformats.org/presentationml/2006/main">
   <p:cSld>
+    <p:bg>
+      <p:bgPr>
+        <a:solidFill>
+          <a:schemeClr val="accent4"/>
+        </a:solidFill>
+        <a:effectLst/>
+      </p:bgPr>
+    </p:bg>
     <p:spTree>
       <p:nvGrpSpPr>
         <p:cNvPr id="1" name=""/>
@@ -3260,87 +3375,325 @@
         </p:nvSpPr>
         <p:spPr>
           <a:xfrm>
-            <a:off x="685800" y="2319015"/>
+            <a:off x="2195736" y="2130425"/>
             <a:ext cx="7772400" cy="1470025"/>
           </a:xfrm>
         </p:spPr>
         <p:txBody>
-          <a:bodyPr/>
+          <a:bodyPr>
+            <a:noAutofit/>
+          </a:bodyPr>
           <a:lstStyle/>
           <a:p>
-            <a:r>
-              <a:rPr lang="en-US" altLang="ko-KR" dirty="0" smtClean="0">
-                <a:latin typeface="배달의민족 주아" pitchFamily="18" charset="-127"/>
-                <a:ea typeface="배달의민족 주아" pitchFamily="18" charset="-127"/>
-              </a:rPr>
-              <a:t>HTML</a:t>
-            </a:r>
-            <a:r>
-              <a:rPr lang="ko-KR" altLang="en-US" dirty="0" smtClean="0">
-                <a:latin typeface="배달의민족 주아" pitchFamily="18" charset="-127"/>
-                <a:ea typeface="배달의민족 주아" pitchFamily="18" charset="-127"/>
-              </a:rPr>
-              <a:t>과 </a:t>
-            </a:r>
-            <a:r>
-              <a:rPr lang="en-US" altLang="ko-KR" dirty="0" smtClean="0">
-                <a:latin typeface="배달의민족 주아" pitchFamily="18" charset="-127"/>
-                <a:ea typeface="배달의민족 주아" pitchFamily="18" charset="-127"/>
-              </a:rPr>
-              <a:t>JavaScript </a:t>
-            </a:r>
-            <a:r>
-              <a:rPr lang="ko-KR" altLang="en-US" dirty="0" smtClean="0">
-                <a:latin typeface="배달의민족 주아" pitchFamily="18" charset="-127"/>
-                <a:ea typeface="배달의민족 주아" pitchFamily="18" charset="-127"/>
-              </a:rPr>
-              <a:t>만남</a:t>
-            </a:r>
-            <a:r>
-              <a:rPr lang="en-US" altLang="ko-KR" dirty="0" smtClean="0">
+            <a:pPr algn="l"/>
+            <a:r>
+              <a:rPr lang="ko-KR" altLang="en-US" sz="2400" dirty="0">
+                <a:solidFill>
+                  <a:srgbClr val="FDE035"/>
+                </a:solidFill>
+                <a:latin typeface="배달의민족 주아" pitchFamily="18" charset="-127"/>
+                <a:ea typeface="배달의민족 주아" pitchFamily="18" charset="-127"/>
+              </a:rPr>
+              <a:t>목차</a:t>
+            </a:r>
+            <a:r>
+              <a:rPr lang="en-US" altLang="ko-KR" sz="2400" dirty="0">
+                <a:solidFill>
+                  <a:schemeClr val="accent5"/>
+                </a:solidFill>
                 <a:latin typeface="배달의민족 주아" pitchFamily="18" charset="-127"/>
                 <a:ea typeface="배달의민족 주아" pitchFamily="18" charset="-127"/>
               </a:rPr>
               <a:t/>
             </a:r>
             <a:br>
-              <a:rPr lang="en-US" altLang="ko-KR" dirty="0" smtClean="0">
+              <a:rPr lang="en-US" altLang="ko-KR" sz="2400" dirty="0">
+                <a:solidFill>
+                  <a:schemeClr val="accent5"/>
+                </a:solidFill>
                 <a:latin typeface="배달의민족 주아" pitchFamily="18" charset="-127"/>
                 <a:ea typeface="배달의민족 주아" pitchFamily="18" charset="-127"/>
               </a:rPr>
             </a:br>
             <a:r>
-              <a:rPr lang="en-US" altLang="ko-KR" dirty="0" smtClean="0">
-                <a:latin typeface="배달의민족 주아" pitchFamily="18" charset="-127"/>
-                <a:ea typeface="배달의민족 주아" pitchFamily="18" charset="-127"/>
-              </a:rPr>
-              <a:t>1. &lt;</a:t>
-            </a:r>
-            <a:r>
-              <a:rPr lang="en-US" altLang="ko-KR" dirty="0" smtClean="0">
-                <a:solidFill>
-                  <a:schemeClr val="accent5"/>
-                </a:solidFill>
-                <a:latin typeface="배달의민족 주아" pitchFamily="18" charset="-127"/>
-                <a:ea typeface="배달의민족 주아" pitchFamily="18" charset="-127"/>
-              </a:rPr>
-              <a:t>script</a:t>
-            </a:r>
-            <a:r>
-              <a:rPr lang="en-US" altLang="ko-KR" dirty="0" smtClean="0">
-                <a:latin typeface="배달의민족 주아" pitchFamily="18" charset="-127"/>
-                <a:ea typeface="배달의민족 주아" pitchFamily="18" charset="-127"/>
-              </a:rPr>
-              <a:t>&gt; </a:t>
-            </a:r>
-            <a:r>
-              <a:rPr lang="ko-KR" altLang="en-US" dirty="0" smtClean="0">
+              <a:rPr lang="en-US" altLang="ko-KR" sz="3200" dirty="0">
+                <a:solidFill>
+                  <a:schemeClr val="bg1"/>
+                </a:solidFill>
+                <a:latin typeface="배달의민족 주아" pitchFamily="18" charset="-127"/>
+                <a:ea typeface="배달의민족 주아" pitchFamily="18" charset="-127"/>
+              </a:rPr>
+              <a:t/>
+            </a:r>
+            <a:br>
+              <a:rPr lang="en-US" altLang="ko-KR" sz="3200" dirty="0">
+                <a:solidFill>
+                  <a:schemeClr val="bg1"/>
+                </a:solidFill>
+                <a:latin typeface="배달의민족 주아" pitchFamily="18" charset="-127"/>
+                <a:ea typeface="배달의민족 주아" pitchFamily="18" charset="-127"/>
+              </a:rPr>
+            </a:br>
+            <a:r>
+              <a:rPr lang="en-US" altLang="ko-KR" sz="3200" dirty="0">
+                <a:solidFill>
+                  <a:schemeClr val="bg1"/>
+                </a:solidFill>
+                <a:latin typeface="배달의민족 주아" pitchFamily="18" charset="-127"/>
+                <a:ea typeface="배달의민족 주아" pitchFamily="18" charset="-127"/>
+              </a:rPr>
+              <a:t>1. </a:t>
+            </a:r>
+            <a:r>
+              <a:rPr lang="ko-KR" altLang="en-US" sz="3200" dirty="0" smtClean="0">
+                <a:solidFill>
+                  <a:schemeClr val="bg1"/>
+                </a:solidFill>
+                <a:latin typeface="배달의민족 주아" pitchFamily="18" charset="-127"/>
+                <a:ea typeface="배달의민족 주아" pitchFamily="18" charset="-127"/>
+              </a:rPr>
+              <a:t>자바스크립트와 </a:t>
+            </a:r>
+            <a:r>
+              <a:rPr lang="en-US" altLang="ko-KR" sz="3200" dirty="0" smtClean="0">
+                <a:solidFill>
+                  <a:schemeClr val="bg1"/>
+                </a:solidFill>
+                <a:latin typeface="배달의민족 주아" pitchFamily="18" charset="-127"/>
+                <a:ea typeface="배달의민족 주아" pitchFamily="18" charset="-127"/>
+              </a:rPr>
+              <a:t>HTML </a:t>
+            </a:r>
+            <a:r>
+              <a:rPr lang="ko-KR" altLang="en-US" sz="3200" dirty="0" smtClean="0">
+                <a:solidFill>
+                  <a:schemeClr val="bg1"/>
+                </a:solidFill>
+                <a:latin typeface="배달의민족 주아" pitchFamily="18" charset="-127"/>
+                <a:ea typeface="배달의민족 주아" pitchFamily="18" charset="-127"/>
+              </a:rPr>
+              <a:t>연동</a:t>
+            </a:r>
+            <a:r>
+              <a:rPr lang="en-US" altLang="ko-KR" sz="3200" dirty="0">
+                <a:solidFill>
+                  <a:schemeClr val="bg1"/>
+                </a:solidFill>
+                <a:latin typeface="배달의민족 주아" pitchFamily="18" charset="-127"/>
+                <a:ea typeface="배달의민족 주아" pitchFamily="18" charset="-127"/>
+              </a:rPr>
+              <a:t/>
+            </a:r>
+            <a:br>
+              <a:rPr lang="en-US" altLang="ko-KR" sz="3200" dirty="0">
+                <a:solidFill>
+                  <a:schemeClr val="bg1"/>
+                </a:solidFill>
+                <a:latin typeface="배달의민족 주아" pitchFamily="18" charset="-127"/>
+                <a:ea typeface="배달의민족 주아" pitchFamily="18" charset="-127"/>
+              </a:rPr>
+            </a:br>
+            <a:r>
+              <a:rPr lang="en-US" altLang="ko-KR" sz="3200" dirty="0">
+                <a:solidFill>
+                  <a:schemeClr val="bg1"/>
+                </a:solidFill>
+                <a:latin typeface="배달의민족 주아" pitchFamily="18" charset="-127"/>
+                <a:ea typeface="배달의민족 주아" pitchFamily="18" charset="-127"/>
+              </a:rPr>
+              <a:t>	</a:t>
+            </a:r>
+            <a:r>
+              <a:rPr lang="en-US" altLang="ko-KR" sz="3200" dirty="0" smtClean="0">
+                <a:solidFill>
+                  <a:schemeClr val="bg1"/>
+                </a:solidFill>
+                <a:latin typeface="배달의민족 주아" pitchFamily="18" charset="-127"/>
+                <a:ea typeface="배달의민족 주아" pitchFamily="18" charset="-127"/>
+              </a:rPr>
+              <a:t>1.1 Script </a:t>
+            </a:r>
+            <a:r>
+              <a:rPr lang="ko-KR" altLang="en-US" sz="3200" dirty="0" smtClean="0">
+                <a:solidFill>
+                  <a:schemeClr val="bg1"/>
+                </a:solidFill>
                 <a:latin typeface="배달의민족 주아" pitchFamily="18" charset="-127"/>
                 <a:ea typeface="배달의민족 주아" pitchFamily="18" charset="-127"/>
               </a:rPr>
               <a:t>태그</a:t>
             </a:r>
-            <a:endParaRPr lang="ko-KR" altLang="en-US" dirty="0">
+            <a:r>
+              <a:rPr lang="en-US" altLang="ko-KR" sz="3200" dirty="0">
+                <a:solidFill>
+                  <a:schemeClr val="bg1"/>
+                </a:solidFill>
+                <a:latin typeface="배달의민족 주아" pitchFamily="18" charset="-127"/>
+                <a:ea typeface="배달의민족 주아" pitchFamily="18" charset="-127"/>
+              </a:rPr>
+              <a:t/>
+            </a:r>
+            <a:br>
+              <a:rPr lang="en-US" altLang="ko-KR" sz="3200" dirty="0">
+                <a:solidFill>
+                  <a:schemeClr val="bg1"/>
+                </a:solidFill>
+                <a:latin typeface="배달의민족 주아" pitchFamily="18" charset="-127"/>
+                <a:ea typeface="배달의민족 주아" pitchFamily="18" charset="-127"/>
+              </a:rPr>
+            </a:br>
+            <a:r>
+              <a:rPr lang="en-US" altLang="ko-KR" sz="3200" dirty="0">
+                <a:solidFill>
+                  <a:schemeClr val="bg1"/>
+                </a:solidFill>
+                <a:latin typeface="배달의민족 주아" pitchFamily="18" charset="-127"/>
+                <a:ea typeface="배달의민족 주아" pitchFamily="18" charset="-127"/>
+              </a:rPr>
+              <a:t>	</a:t>
+            </a:r>
+            <a:r>
+              <a:rPr lang="en-US" altLang="ko-KR" sz="3200" dirty="0" smtClean="0">
+                <a:solidFill>
+                  <a:schemeClr val="bg1"/>
+                </a:solidFill>
+                <a:latin typeface="배달의민족 주아" pitchFamily="18" charset="-127"/>
+                <a:ea typeface="배달의민족 주아" pitchFamily="18" charset="-127"/>
+              </a:rPr>
+              <a:t>1.2 </a:t>
+            </a:r>
+            <a:r>
+              <a:rPr lang="ko-KR" altLang="en-US" sz="3200" dirty="0" smtClean="0">
+                <a:solidFill>
+                  <a:schemeClr val="bg1"/>
+                </a:solidFill>
+                <a:latin typeface="배달의민족 주아" pitchFamily="18" charset="-127"/>
+                <a:ea typeface="배달의민족 주아" pitchFamily="18" charset="-127"/>
+              </a:rPr>
+              <a:t>외부 자바스크립트 파일</a:t>
+            </a:r>
+            <a:r>
+              <a:rPr lang="en-US" altLang="ko-KR" sz="3200" dirty="0" smtClean="0">
+                <a:solidFill>
+                  <a:schemeClr val="bg1"/>
+                </a:solidFill>
+                <a:latin typeface="배달의민족 주아" pitchFamily="18" charset="-127"/>
+                <a:ea typeface="배달의민족 주아" pitchFamily="18" charset="-127"/>
+              </a:rPr>
+              <a:t/>
+            </a:r>
+            <a:br>
+              <a:rPr lang="en-US" altLang="ko-KR" sz="3200" dirty="0" smtClean="0">
+                <a:solidFill>
+                  <a:schemeClr val="bg1"/>
+                </a:solidFill>
+                <a:latin typeface="배달의민족 주아" pitchFamily="18" charset="-127"/>
+                <a:ea typeface="배달의민족 주아" pitchFamily="18" charset="-127"/>
+              </a:rPr>
+            </a:br>
+            <a:r>
+              <a:rPr lang="en-US" altLang="ko-KR" sz="3200" dirty="0">
+                <a:solidFill>
+                  <a:schemeClr val="bg1"/>
+                </a:solidFill>
+                <a:latin typeface="배달의민족 주아" pitchFamily="18" charset="-127"/>
+                <a:ea typeface="배달의민족 주아" pitchFamily="18" charset="-127"/>
+              </a:rPr>
+              <a:t>	</a:t>
+            </a:r>
+            <a:r>
+              <a:rPr lang="en-US" altLang="ko-KR" sz="3200" dirty="0" smtClean="0">
+                <a:solidFill>
+                  <a:schemeClr val="bg1"/>
+                </a:solidFill>
+                <a:latin typeface="배달의민족 주아" pitchFamily="18" charset="-127"/>
+                <a:ea typeface="배달의민족 주아" pitchFamily="18" charset="-127"/>
+              </a:rPr>
+              <a:t>1.3 </a:t>
+            </a:r>
+            <a:r>
+              <a:rPr lang="ko-KR" altLang="en-US" sz="3200" dirty="0" smtClean="0">
+                <a:solidFill>
+                  <a:schemeClr val="bg1"/>
+                </a:solidFill>
+                <a:latin typeface="배달의민족 주아" pitchFamily="18" charset="-127"/>
+                <a:ea typeface="배달의민족 주아" pitchFamily="18" charset="-127"/>
+              </a:rPr>
+              <a:t>이벤트 </a:t>
+            </a:r>
+            <a:r>
+              <a:rPr lang="ko-KR" altLang="en-US" sz="3200" dirty="0" smtClean="0">
+                <a:solidFill>
+                  <a:schemeClr val="bg1"/>
+                </a:solidFill>
+                <a:latin typeface="배달의민족 주아" pitchFamily="18" charset="-127"/>
+                <a:ea typeface="배달의민족 주아" pitchFamily="18" charset="-127"/>
+              </a:rPr>
+              <a:t>속성</a:t>
+            </a:r>
+            <a:r>
+              <a:rPr lang="en-US" altLang="ko-KR" sz="3200" dirty="0">
+                <a:solidFill>
+                  <a:schemeClr val="bg1"/>
+                </a:solidFill>
+                <a:latin typeface="배달의민족 주아" pitchFamily="18" charset="-127"/>
+                <a:ea typeface="배달의민족 주아" pitchFamily="18" charset="-127"/>
+              </a:rPr>
+              <a:t/>
+            </a:r>
+            <a:br>
+              <a:rPr lang="en-US" altLang="ko-KR" sz="3200" dirty="0">
+                <a:solidFill>
+                  <a:schemeClr val="bg1"/>
+                </a:solidFill>
+                <a:latin typeface="배달의민족 주아" pitchFamily="18" charset="-127"/>
+                <a:ea typeface="배달의민족 주아" pitchFamily="18" charset="-127"/>
+              </a:rPr>
+            </a:br>
+            <a:r>
+              <a:rPr lang="en-US" altLang="ko-KR" sz="3200" dirty="0" smtClean="0">
+                <a:solidFill>
+                  <a:schemeClr val="bg1"/>
+                </a:solidFill>
+                <a:latin typeface="배달의민족 주아" pitchFamily="18" charset="-127"/>
+                <a:ea typeface="배달의민족 주아" pitchFamily="18" charset="-127"/>
+              </a:rPr>
+              <a:t>2. </a:t>
+            </a:r>
+            <a:r>
+              <a:rPr lang="ko-KR" altLang="en-US" sz="3200" dirty="0" err="1" smtClean="0">
+                <a:solidFill>
+                  <a:schemeClr val="bg1"/>
+                </a:solidFill>
+                <a:latin typeface="배달의민족 주아" pitchFamily="18" charset="-127"/>
+                <a:ea typeface="배달의민족 주아" pitchFamily="18" charset="-127"/>
+              </a:rPr>
+              <a:t>구글</a:t>
+            </a:r>
+            <a:r>
+              <a:rPr lang="ko-KR" altLang="en-US" sz="3200" dirty="0" smtClean="0">
+                <a:solidFill>
+                  <a:schemeClr val="bg1"/>
+                </a:solidFill>
+                <a:latin typeface="배달의민족 주아" pitchFamily="18" charset="-127"/>
+                <a:ea typeface="배달의민족 주아" pitchFamily="18" charset="-127"/>
+              </a:rPr>
+              <a:t> 개발자 도구 </a:t>
+            </a:r>
+            <a:r>
+              <a:rPr lang="en-US" altLang="ko-KR" sz="3200" dirty="0" smtClean="0">
+                <a:solidFill>
+                  <a:schemeClr val="bg1"/>
+                </a:solidFill>
+                <a:latin typeface="배달의민족 주아" pitchFamily="18" charset="-127"/>
+                <a:ea typeface="배달의민족 주아" pitchFamily="18" charset="-127"/>
+              </a:rPr>
+              <a:t>- console</a:t>
+            </a:r>
+            <a:endParaRPr lang="ko-KR" altLang="en-US" sz="3200" dirty="0">
+              <a:solidFill>
+                <a:srgbClr val="FFCC00"/>
+              </a:solidFill>
               <a:latin typeface="배달의민족 주아" pitchFamily="18" charset="-127"/>
               <a:ea typeface="배달의민족 주아" pitchFamily="18" charset="-127"/>
             </a:endParaRPr>
@@ -3372,7 +3725,7 @@
             <a:r>
               <a:rPr lang="en-US" altLang="ko-KR" dirty="0" smtClean="0">
                 <a:solidFill>
-                  <a:schemeClr val="accent5"/>
+                  <a:schemeClr val="bg1"/>
                 </a:solidFill>
                 <a:latin typeface="배달의민족 도현" pitchFamily="50" charset="-127"/>
                 <a:ea typeface="배달의민족 도현" pitchFamily="50" charset="-127"/>
@@ -3389,7 +3742,7 @@
             <a:r>
               <a:rPr lang="en-US" altLang="ko-KR" dirty="0" smtClean="0">
                 <a:solidFill>
-                  <a:schemeClr val="accent5"/>
+                  <a:schemeClr val="bg1"/>
                 </a:solidFill>
                 <a:latin typeface="배달의민족 도현" pitchFamily="50" charset="-127"/>
                 <a:ea typeface="배달의민족 도현" pitchFamily="50" charset="-127"/>
@@ -3413,7 +3766,7 @@
     </p:spTree>
     <p:extLst>
       <p:ext uri="{BB962C8B-B14F-4D97-AF65-F5344CB8AC3E}">
-        <p14:creationId xmlns:p14="http://schemas.microsoft.com/office/powerpoint/2010/main" val="3916529140"/>
+        <p14:creationId xmlns:p14="http://schemas.microsoft.com/office/powerpoint/2010/main" val="3380904174"/>
       </p:ext>
     </p:extLst>
   </p:cSld>
@@ -3512,7 +3865,127 @@
       </p:sp>
       <p:sp>
         <p:nvSpPr>
-          <p:cNvPr id="4" name="제목 1"/>
+          <p:cNvPr id="5" name="직사각형 4"/>
+          <p:cNvSpPr/>
+          <p:nvPr/>
+        </p:nvSpPr>
+        <p:spPr>
+          <a:xfrm>
+            <a:off x="107504" y="116632"/>
+            <a:ext cx="2808312" cy="369332"/>
+          </a:xfrm>
+          <a:prstGeom prst="rect">
+            <a:avLst/>
+          </a:prstGeom>
+        </p:spPr>
+        <p:txBody>
+          <a:bodyPr wrap="square">
+            <a:spAutoFit/>
+          </a:bodyPr>
+          <a:lstStyle/>
+          <a:p>
+            <a:r>
+              <a:rPr lang="en-US" altLang="ko-KR" dirty="0">
+                <a:latin typeface="배달의민족 주아" pitchFamily="18" charset="-127"/>
+                <a:ea typeface="배달의민족 주아" pitchFamily="18" charset="-127"/>
+              </a:rPr>
+              <a:t>1. </a:t>
+            </a:r>
+            <a:r>
+              <a:rPr lang="ko-KR" altLang="en-US" dirty="0" smtClean="0">
+                <a:latin typeface="배달의민족 주아" pitchFamily="18" charset="-127"/>
+                <a:ea typeface="배달의민족 주아" pitchFamily="18" charset="-127"/>
+              </a:rPr>
+              <a:t>자바스크립트와 </a:t>
+            </a:r>
+            <a:r>
+              <a:rPr lang="en-US" altLang="ko-KR" dirty="0" smtClean="0">
+                <a:latin typeface="배달의민족 주아" pitchFamily="18" charset="-127"/>
+                <a:ea typeface="배달의민족 주아" pitchFamily="18" charset="-127"/>
+              </a:rPr>
+              <a:t>HTML </a:t>
+            </a:r>
+            <a:r>
+              <a:rPr lang="ko-KR" altLang="en-US" dirty="0" smtClean="0">
+                <a:latin typeface="배달의민족 주아" pitchFamily="18" charset="-127"/>
+                <a:ea typeface="배달의민족 주아" pitchFamily="18" charset="-127"/>
+              </a:rPr>
+              <a:t>연동</a:t>
+            </a:r>
+            <a:endParaRPr lang="ko-KR" altLang="en-US" dirty="0"/>
+          </a:p>
+        </p:txBody>
+      </p:sp>
+      <p:sp>
+        <p:nvSpPr>
+          <p:cNvPr id="6" name="제목 1"/>
+          <p:cNvSpPr>
+            <a:spLocks noGrp="1"/>
+          </p:cNvSpPr>
+          <p:nvPr>
+            <p:ph type="ctrTitle"/>
+          </p:nvPr>
+        </p:nvSpPr>
+        <p:spPr>
+          <a:xfrm>
+            <a:off x="685800" y="404664"/>
+            <a:ext cx="7772400" cy="1470025"/>
+          </a:xfrm>
+        </p:spPr>
+        <p:txBody>
+          <a:bodyPr>
+            <a:normAutofit/>
+          </a:bodyPr>
+          <a:lstStyle/>
+          <a:p>
+            <a:r>
+              <a:rPr lang="en-US" altLang="ko-KR" sz="3600" dirty="0" smtClean="0">
+                <a:latin typeface="배달의민족 주아" pitchFamily="18" charset="-127"/>
+                <a:ea typeface="배달의민족 주아" pitchFamily="18" charset="-127"/>
+              </a:rPr>
+              <a:t>1.1 </a:t>
+            </a:r>
+            <a:r>
+              <a:rPr lang="en-US" altLang="ko-KR" sz="3600" dirty="0" smtClean="0">
+                <a:latin typeface="배달의민족 주아" pitchFamily="18" charset="-127"/>
+                <a:ea typeface="배달의민족 주아" pitchFamily="18" charset="-127"/>
+              </a:rPr>
+              <a:t>&lt;</a:t>
+            </a:r>
+            <a:r>
+              <a:rPr lang="en-US" altLang="ko-KR" sz="3600" dirty="0" smtClean="0">
+                <a:solidFill>
+                  <a:schemeClr val="accent5"/>
+                </a:solidFill>
+                <a:latin typeface="배달의민족 주아" pitchFamily="18" charset="-127"/>
+                <a:ea typeface="배달의민족 주아" pitchFamily="18" charset="-127"/>
+              </a:rPr>
+              <a:t>script</a:t>
+            </a:r>
+            <a:r>
+              <a:rPr lang="en-US" altLang="ko-KR" sz="3600" dirty="0" smtClean="0">
+                <a:latin typeface="배달의민족 주아" pitchFamily="18" charset="-127"/>
+                <a:ea typeface="배달의민족 주아" pitchFamily="18" charset="-127"/>
+              </a:rPr>
+              <a:t>&gt; </a:t>
+            </a:r>
+            <a:r>
+              <a:rPr lang="ko-KR" altLang="en-US" sz="3600" dirty="0" smtClean="0">
+                <a:latin typeface="배달의민족 주아" pitchFamily="18" charset="-127"/>
+                <a:ea typeface="배달의민족 주아" pitchFamily="18" charset="-127"/>
+              </a:rPr>
+              <a:t>태그 </a:t>
+            </a:r>
+            <a:endParaRPr lang="ko-KR" altLang="en-US" sz="3600" dirty="0">
+              <a:latin typeface="배달의민족 주아" pitchFamily="18" charset="-127"/>
+              <a:ea typeface="배달의민족 주아" pitchFamily="18" charset="-127"/>
+            </a:endParaRPr>
+          </a:p>
+        </p:txBody>
+      </p:sp>
+      <p:sp>
+        <p:nvSpPr>
+          <p:cNvPr id="7" name="제목 1"/>
           <p:cNvSpPr txBox="1">
             <a:spLocks/>
           </p:cNvSpPr>
@@ -3520,21 +3993,16 @@
         </p:nvSpPr>
         <p:spPr>
           <a:xfrm>
-            <a:off x="755576" y="1268760"/>
-            <a:ext cx="7772400" cy="1944216"/>
+            <a:off x="688032" y="4551263"/>
+            <a:ext cx="7772400" cy="1470025"/>
           </a:xfrm>
           <a:prstGeom prst="rect">
             <a:avLst/>
           </a:prstGeom>
-          <a:ln>
-            <a:solidFill>
-              <a:schemeClr val="accent5"/>
-            </a:solidFill>
-          </a:ln>
         </p:spPr>
         <p:txBody>
           <a:bodyPr vert="horz" lIns="91440" tIns="45720" rIns="91440" bIns="45720" rtlCol="0" anchor="ctr">
-            <a:normAutofit fontScale="47500" lnSpcReduction="20000"/>
+            <a:normAutofit/>
           </a:bodyPr>
           <a:lstStyle>
             <a:lvl1pPr algn="ctr" defTabSz="914400" rtl="0" eaLnBrk="1" latinLnBrk="1" hangingPunct="1">
@@ -3553,126 +4021,676 @@
             </a:lvl1pPr>
           </a:lstStyle>
           <a:p>
-            <a:pPr algn="l"/>
-            <a:r>
-              <a:rPr lang="en-US" altLang="ko-KR" dirty="0" smtClean="0">
-                <a:latin typeface="배달의민족 주아" pitchFamily="18" charset="-127"/>
-                <a:ea typeface="배달의민족 주아" pitchFamily="18" charset="-127"/>
-              </a:rPr>
-              <a:t>&lt;body&gt;</a:t>
-            </a:r>
-          </a:p>
-          <a:p>
-            <a:pPr algn="l"/>
-            <a:r>
-              <a:rPr lang="en-US" altLang="ko-KR" dirty="0">
-                <a:latin typeface="배달의민족 주아" pitchFamily="18" charset="-127"/>
-                <a:ea typeface="배달의민족 주아" pitchFamily="18" charset="-127"/>
-              </a:rPr>
-              <a:t>	</a:t>
-            </a:r>
-            <a:r>
-              <a:rPr lang="en-US" altLang="ko-KR" dirty="0" smtClean="0">
-                <a:latin typeface="배달의민족 주아" pitchFamily="18" charset="-127"/>
-                <a:ea typeface="배달의민족 주아" pitchFamily="18" charset="-127"/>
-              </a:rPr>
-              <a:t>&lt;h1&gt;JavaScript&lt;h1&gt;</a:t>
-            </a:r>
-          </a:p>
-          <a:p>
-            <a:pPr algn="l"/>
-            <a:r>
-              <a:rPr lang="en-US" altLang="ko-KR" dirty="0">
-                <a:latin typeface="배달의민족 주아" pitchFamily="18" charset="-127"/>
-                <a:ea typeface="배달의민족 주아" pitchFamily="18" charset="-127"/>
-              </a:rPr>
-              <a:t>	</a:t>
-            </a:r>
-            <a:r>
-              <a:rPr lang="en-US" altLang="ko-KR" dirty="0" smtClean="0">
-                <a:solidFill>
-                  <a:schemeClr val="accent5"/>
-                </a:solidFill>
-                <a:latin typeface="배달의민족 주아" pitchFamily="18" charset="-127"/>
-                <a:ea typeface="배달의민족 주아" pitchFamily="18" charset="-127"/>
-              </a:rPr>
-              <a:t>&lt;script&gt;</a:t>
-            </a:r>
-          </a:p>
-          <a:p>
-            <a:pPr algn="l"/>
-            <a:r>
-              <a:rPr lang="en-US" altLang="ko-KR" dirty="0">
-                <a:latin typeface="배달의민족 주아" pitchFamily="18" charset="-127"/>
-                <a:ea typeface="배달의민족 주아" pitchFamily="18" charset="-127"/>
-              </a:rPr>
-              <a:t>	</a:t>
-            </a:r>
-            <a:r>
-              <a:rPr lang="en-US" altLang="ko-KR" dirty="0" smtClean="0">
-                <a:latin typeface="배달의민족 주아" pitchFamily="18" charset="-127"/>
-                <a:ea typeface="배달의민족 주아" pitchFamily="18" charset="-127"/>
-              </a:rPr>
-              <a:t>	</a:t>
-            </a:r>
-            <a:r>
-              <a:rPr lang="en-US" altLang="ko-KR" dirty="0" err="1" smtClean="0">
-                <a:latin typeface="배달의민족 주아" pitchFamily="18" charset="-127"/>
-                <a:ea typeface="배달의민족 주아" pitchFamily="18" charset="-127"/>
-              </a:rPr>
-              <a:t>document.write</a:t>
-            </a:r>
-            <a:r>
-              <a:rPr lang="en-US" altLang="ko-KR" dirty="0" smtClean="0">
-                <a:latin typeface="배달의민족 주아" pitchFamily="18" charset="-127"/>
-                <a:ea typeface="배달의민족 주아" pitchFamily="18" charset="-127"/>
-              </a:rPr>
-              <a:t>(“</a:t>
-            </a:r>
-            <a:r>
-              <a:rPr lang="ko-KR" altLang="en-US" dirty="0" smtClean="0">
-                <a:latin typeface="배달의민족 주아" pitchFamily="18" charset="-127"/>
-                <a:ea typeface="배달의민족 주아" pitchFamily="18" charset="-127"/>
-              </a:rPr>
-              <a:t>안녕하세요 자바스크립트입니다</a:t>
-            </a:r>
-            <a:r>
-              <a:rPr lang="en-US" altLang="ko-KR" dirty="0" smtClean="0">
-                <a:latin typeface="배달의민족 주아" pitchFamily="18" charset="-127"/>
-                <a:ea typeface="배달의민족 주아" pitchFamily="18" charset="-127"/>
-              </a:rPr>
-              <a:t>.”);</a:t>
-            </a:r>
-          </a:p>
-          <a:p>
-            <a:pPr algn="l"/>
-            <a:r>
-              <a:rPr lang="en-US" altLang="ko-KR" dirty="0">
-                <a:latin typeface="배달의민족 주아" pitchFamily="18" charset="-127"/>
-                <a:ea typeface="배달의민족 주아" pitchFamily="18" charset="-127"/>
-              </a:rPr>
-              <a:t>	</a:t>
-            </a:r>
-            <a:r>
-              <a:rPr lang="en-US" altLang="ko-KR" dirty="0" smtClean="0">
-                <a:solidFill>
-                  <a:schemeClr val="accent5"/>
-                </a:solidFill>
-                <a:latin typeface="배달의민족 주아" pitchFamily="18" charset="-127"/>
-                <a:ea typeface="배달의민족 주아" pitchFamily="18" charset="-127"/>
-              </a:rPr>
-              <a:t>&lt;/script&gt;</a:t>
-            </a:r>
-          </a:p>
-          <a:p>
-            <a:pPr algn="l"/>
-            <a:r>
-              <a:rPr lang="en-US" altLang="ko-KR" dirty="0" smtClean="0">
-                <a:latin typeface="배달의민족 주아" pitchFamily="18" charset="-127"/>
-                <a:ea typeface="배달의민족 주아" pitchFamily="18" charset="-127"/>
-              </a:rPr>
-              <a:t>&lt;/body&gt;</a:t>
-            </a:r>
+            <a:r>
+              <a:rPr lang="en-US" altLang="ko-KR" sz="3200" dirty="0" smtClean="0">
+                <a:solidFill>
+                  <a:schemeClr val="accent4"/>
+                </a:solidFill>
+                <a:latin typeface="배달의민족 주아" pitchFamily="18" charset="-127"/>
+                <a:ea typeface="배달의민족 주아" pitchFamily="18" charset="-127"/>
+              </a:rPr>
+              <a:t>body </a:t>
+            </a:r>
+            <a:r>
+              <a:rPr lang="ko-KR" altLang="en-US" sz="3200" dirty="0" smtClean="0">
+                <a:solidFill>
+                  <a:schemeClr val="accent4"/>
+                </a:solidFill>
+                <a:latin typeface="배달의민족 주아" pitchFamily="18" charset="-127"/>
+                <a:ea typeface="배달의민족 주아" pitchFamily="18" charset="-127"/>
+              </a:rPr>
+              <a:t>태그 </a:t>
+            </a:r>
+            <a:r>
+              <a:rPr lang="ko-KR" altLang="en-US" sz="3200" dirty="0" err="1" smtClean="0">
+                <a:solidFill>
+                  <a:schemeClr val="accent4"/>
+                </a:solidFill>
+                <a:latin typeface="배달의민족 주아" pitchFamily="18" charset="-127"/>
+                <a:ea typeface="배달의민족 주아" pitchFamily="18" charset="-127"/>
+              </a:rPr>
+              <a:t>최하단</a:t>
+            </a:r>
+            <a:r>
+              <a:rPr lang="ko-KR" altLang="en-US" sz="3200" dirty="0" smtClean="0">
+                <a:solidFill>
+                  <a:schemeClr val="accent4"/>
+                </a:solidFill>
+                <a:latin typeface="배달의민족 주아" pitchFamily="18" charset="-127"/>
+                <a:ea typeface="배달의민족 주아" pitchFamily="18" charset="-127"/>
+              </a:rPr>
+              <a:t> 위치</a:t>
+            </a:r>
+            <a:endParaRPr lang="ko-KR" altLang="en-US" sz="3200" dirty="0">
+              <a:solidFill>
+                <a:schemeClr val="accent4"/>
+              </a:solidFill>
+              <a:latin typeface="배달의민족 주아" pitchFamily="18" charset="-127"/>
+              <a:ea typeface="배달의민족 주아" pitchFamily="18" charset="-127"/>
+            </a:endParaRPr>
+          </a:p>
+        </p:txBody>
+      </p:sp>
+      <p:sp>
+        <p:nvSpPr>
+          <p:cNvPr id="10" name="직사각형 9"/>
+          <p:cNvSpPr/>
+          <p:nvPr/>
+        </p:nvSpPr>
+        <p:spPr>
+          <a:xfrm>
+            <a:off x="1187624" y="1443841"/>
+            <a:ext cx="6768752" cy="3416320"/>
+          </a:xfrm>
+          <a:prstGeom prst="rect">
+            <a:avLst/>
+          </a:prstGeom>
+          <a:solidFill>
+            <a:schemeClr val="tx1"/>
+          </a:solidFill>
+          <a:effectLst>
+            <a:softEdge rad="31750"/>
+          </a:effectLst>
+        </p:spPr>
+        <p:txBody>
+          <a:bodyPr wrap="square">
+            <a:spAutoFit/>
+          </a:bodyPr>
+          <a:lstStyle/>
+          <a:p>
+            <a:r>
+              <a:rPr lang="en-US" altLang="ko-KR" dirty="0">
+                <a:solidFill>
+                  <a:srgbClr val="808080"/>
+                </a:solidFill>
+                <a:latin typeface="Consolas"/>
+              </a:rPr>
+              <a:t>&lt;!</a:t>
+            </a:r>
+            <a:r>
+              <a:rPr lang="en-US" altLang="ko-KR" dirty="0">
+                <a:solidFill>
+                  <a:srgbClr val="569CD6"/>
+                </a:solidFill>
+                <a:latin typeface="Consolas"/>
+              </a:rPr>
+              <a:t>DOCTYPE</a:t>
+            </a:r>
+            <a:r>
+              <a:rPr lang="en-US" altLang="ko-KR" dirty="0">
+                <a:solidFill>
+                  <a:srgbClr val="D4D4D4"/>
+                </a:solidFill>
+                <a:latin typeface="Consolas"/>
+              </a:rPr>
+              <a:t> </a:t>
+            </a:r>
+            <a:r>
+              <a:rPr lang="en-US" altLang="ko-KR" dirty="0">
+                <a:solidFill>
+                  <a:srgbClr val="9CDCFE"/>
+                </a:solidFill>
+                <a:latin typeface="Consolas"/>
+              </a:rPr>
+              <a:t>html</a:t>
+            </a:r>
+            <a:r>
+              <a:rPr lang="en-US" altLang="ko-KR" dirty="0">
+                <a:solidFill>
+                  <a:srgbClr val="808080"/>
+                </a:solidFill>
+                <a:latin typeface="Consolas"/>
+              </a:rPr>
+              <a:t>&gt;</a:t>
+            </a:r>
+            <a:endParaRPr lang="en-US" altLang="ko-KR" dirty="0">
+              <a:solidFill>
+                <a:srgbClr val="D4D4D4"/>
+              </a:solidFill>
+              <a:latin typeface="Consolas"/>
+            </a:endParaRPr>
+          </a:p>
+          <a:p>
+            <a:r>
+              <a:rPr lang="en-US" altLang="ko-KR" dirty="0">
+                <a:solidFill>
+                  <a:srgbClr val="808080"/>
+                </a:solidFill>
+                <a:latin typeface="Consolas"/>
+              </a:rPr>
+              <a:t>&lt;</a:t>
+            </a:r>
+            <a:r>
+              <a:rPr lang="en-US" altLang="ko-KR" dirty="0">
+                <a:solidFill>
+                  <a:srgbClr val="569CD6"/>
+                </a:solidFill>
+                <a:latin typeface="Consolas"/>
+              </a:rPr>
+              <a:t>html</a:t>
+            </a:r>
+            <a:r>
+              <a:rPr lang="en-US" altLang="ko-KR" dirty="0">
+                <a:solidFill>
+                  <a:srgbClr val="808080"/>
+                </a:solidFill>
+                <a:latin typeface="Consolas"/>
+              </a:rPr>
+              <a:t>&gt;</a:t>
+            </a:r>
+            <a:endParaRPr lang="en-US" altLang="ko-KR" dirty="0">
+              <a:solidFill>
+                <a:srgbClr val="D4D4D4"/>
+              </a:solidFill>
+              <a:latin typeface="Consolas"/>
+            </a:endParaRPr>
+          </a:p>
+          <a:p>
+            <a:r>
+              <a:rPr lang="en-US" altLang="ko-KR" dirty="0">
+                <a:solidFill>
+                  <a:srgbClr val="808080"/>
+                </a:solidFill>
+                <a:latin typeface="Consolas"/>
+              </a:rPr>
+              <a:t>&lt;</a:t>
+            </a:r>
+            <a:r>
+              <a:rPr lang="en-US" altLang="ko-KR" dirty="0">
+                <a:solidFill>
+                  <a:srgbClr val="569CD6"/>
+                </a:solidFill>
+                <a:latin typeface="Consolas"/>
+              </a:rPr>
+              <a:t>head</a:t>
+            </a:r>
+            <a:r>
+              <a:rPr lang="en-US" altLang="ko-KR" dirty="0">
+                <a:solidFill>
+                  <a:srgbClr val="808080"/>
+                </a:solidFill>
+                <a:latin typeface="Consolas"/>
+              </a:rPr>
+              <a:t>&gt;</a:t>
+            </a:r>
+            <a:endParaRPr lang="en-US" altLang="ko-KR" dirty="0">
+              <a:solidFill>
+                <a:srgbClr val="D4D4D4"/>
+              </a:solidFill>
+              <a:latin typeface="Consolas"/>
+            </a:endParaRPr>
+          </a:p>
+          <a:p>
+            <a:r>
+              <a:rPr lang="en-US" altLang="ko-KR" dirty="0">
+                <a:solidFill>
+                  <a:srgbClr val="D4D4D4"/>
+                </a:solidFill>
+                <a:latin typeface="Consolas"/>
+              </a:rPr>
+              <a:t>    </a:t>
+            </a:r>
+            <a:r>
+              <a:rPr lang="en-US" altLang="ko-KR" dirty="0">
+                <a:solidFill>
+                  <a:srgbClr val="808080"/>
+                </a:solidFill>
+                <a:latin typeface="Consolas"/>
+              </a:rPr>
+              <a:t>&lt;</a:t>
+            </a:r>
+            <a:r>
+              <a:rPr lang="en-US" altLang="ko-KR" dirty="0">
+                <a:solidFill>
+                  <a:srgbClr val="569CD6"/>
+                </a:solidFill>
+                <a:latin typeface="Consolas"/>
+              </a:rPr>
+              <a:t>title</a:t>
+            </a:r>
+            <a:r>
+              <a:rPr lang="en-US" altLang="ko-KR" dirty="0">
+                <a:solidFill>
+                  <a:srgbClr val="808080"/>
+                </a:solidFill>
+                <a:latin typeface="Consolas"/>
+              </a:rPr>
+              <a:t>&gt;</a:t>
+            </a:r>
+            <a:r>
+              <a:rPr lang="ko-KR" altLang="en-US" dirty="0">
+                <a:solidFill>
+                  <a:srgbClr val="D4D4D4"/>
+                </a:solidFill>
+                <a:latin typeface="Consolas"/>
+              </a:rPr>
+              <a:t>자바스크립트 연동방법</a:t>
+            </a:r>
+            <a:r>
+              <a:rPr lang="en-US" altLang="ko-KR" dirty="0">
+                <a:solidFill>
+                  <a:srgbClr val="808080"/>
+                </a:solidFill>
+                <a:latin typeface="Consolas"/>
+              </a:rPr>
+              <a:t>&lt;/</a:t>
+            </a:r>
+            <a:r>
+              <a:rPr lang="en-US" altLang="ko-KR" dirty="0">
+                <a:solidFill>
+                  <a:srgbClr val="569CD6"/>
+                </a:solidFill>
+                <a:latin typeface="Consolas"/>
+              </a:rPr>
+              <a:t>title</a:t>
+            </a:r>
+            <a:r>
+              <a:rPr lang="en-US" altLang="ko-KR" dirty="0">
+                <a:solidFill>
+                  <a:srgbClr val="808080"/>
+                </a:solidFill>
+                <a:latin typeface="Consolas"/>
+              </a:rPr>
+              <a:t>&gt;</a:t>
+            </a:r>
+            <a:endParaRPr lang="en-US" altLang="ko-KR" dirty="0">
+              <a:solidFill>
+                <a:srgbClr val="D4D4D4"/>
+              </a:solidFill>
+              <a:latin typeface="Consolas"/>
+            </a:endParaRPr>
+          </a:p>
+          <a:p>
+            <a:r>
+              <a:rPr lang="en-US" altLang="ko-KR" dirty="0">
+                <a:solidFill>
+                  <a:srgbClr val="808080"/>
+                </a:solidFill>
+                <a:latin typeface="Consolas"/>
+              </a:rPr>
+              <a:t>&lt;/</a:t>
+            </a:r>
+            <a:r>
+              <a:rPr lang="en-US" altLang="ko-KR" dirty="0">
+                <a:solidFill>
+                  <a:srgbClr val="569CD6"/>
+                </a:solidFill>
+                <a:latin typeface="Consolas"/>
+              </a:rPr>
+              <a:t>head</a:t>
+            </a:r>
+            <a:r>
+              <a:rPr lang="en-US" altLang="ko-KR" dirty="0">
+                <a:solidFill>
+                  <a:srgbClr val="808080"/>
+                </a:solidFill>
+                <a:latin typeface="Consolas"/>
+              </a:rPr>
+              <a:t>&gt;</a:t>
+            </a:r>
+            <a:endParaRPr lang="en-US" altLang="ko-KR" dirty="0">
+              <a:solidFill>
+                <a:srgbClr val="D4D4D4"/>
+              </a:solidFill>
+              <a:latin typeface="Consolas"/>
+            </a:endParaRPr>
+          </a:p>
+          <a:p>
+            <a:r>
+              <a:rPr lang="en-US" altLang="ko-KR" dirty="0">
+                <a:solidFill>
+                  <a:srgbClr val="808080"/>
+                </a:solidFill>
+                <a:latin typeface="Consolas"/>
+              </a:rPr>
+              <a:t>&lt;</a:t>
+            </a:r>
+            <a:r>
+              <a:rPr lang="en-US" altLang="ko-KR" dirty="0">
+                <a:solidFill>
+                  <a:srgbClr val="569CD6"/>
+                </a:solidFill>
+                <a:latin typeface="Consolas"/>
+              </a:rPr>
+              <a:t>body</a:t>
+            </a:r>
+            <a:r>
+              <a:rPr lang="en-US" altLang="ko-KR" dirty="0">
+                <a:solidFill>
+                  <a:srgbClr val="808080"/>
+                </a:solidFill>
+                <a:latin typeface="Consolas"/>
+              </a:rPr>
+              <a:t>&gt;</a:t>
+            </a:r>
+            <a:endParaRPr lang="en-US" altLang="ko-KR" dirty="0">
+              <a:solidFill>
+                <a:srgbClr val="D4D4D4"/>
+              </a:solidFill>
+              <a:latin typeface="Consolas"/>
+            </a:endParaRPr>
+          </a:p>
+          <a:p>
+            <a:r>
+              <a:rPr lang="en-US" altLang="ko-KR" dirty="0">
+                <a:solidFill>
+                  <a:srgbClr val="D4D4D4"/>
+                </a:solidFill>
+                <a:latin typeface="Consolas"/>
+              </a:rPr>
+              <a:t>    </a:t>
+            </a:r>
+            <a:r>
+              <a:rPr lang="en-US" altLang="ko-KR" dirty="0">
+                <a:solidFill>
+                  <a:srgbClr val="808080"/>
+                </a:solidFill>
+                <a:latin typeface="Consolas"/>
+              </a:rPr>
+              <a:t>&lt;</a:t>
+            </a:r>
+            <a:r>
+              <a:rPr lang="en-US" altLang="ko-KR" dirty="0">
+                <a:solidFill>
+                  <a:srgbClr val="569CD6"/>
+                </a:solidFill>
+                <a:latin typeface="Consolas"/>
+              </a:rPr>
+              <a:t>h1</a:t>
+            </a:r>
+            <a:r>
+              <a:rPr lang="en-US" altLang="ko-KR" dirty="0">
+                <a:solidFill>
+                  <a:srgbClr val="808080"/>
+                </a:solidFill>
+                <a:latin typeface="Consolas"/>
+              </a:rPr>
+              <a:t>&gt;</a:t>
+            </a:r>
+            <a:r>
+              <a:rPr lang="en-US" altLang="ko-KR" dirty="0">
+                <a:solidFill>
+                  <a:srgbClr val="D4D4D4"/>
+                </a:solidFill>
+                <a:latin typeface="Consolas"/>
+              </a:rPr>
+              <a:t>JavaScript</a:t>
+            </a:r>
+            <a:r>
+              <a:rPr lang="en-US" altLang="ko-KR" dirty="0">
+                <a:solidFill>
+                  <a:srgbClr val="808080"/>
+                </a:solidFill>
+                <a:latin typeface="Consolas"/>
+              </a:rPr>
+              <a:t>&lt;</a:t>
+            </a:r>
+            <a:r>
+              <a:rPr lang="en-US" altLang="ko-KR" dirty="0">
+                <a:solidFill>
+                  <a:srgbClr val="569CD6"/>
+                </a:solidFill>
+                <a:latin typeface="Consolas"/>
+              </a:rPr>
+              <a:t>h1</a:t>
+            </a:r>
+            <a:r>
+              <a:rPr lang="en-US" altLang="ko-KR" dirty="0">
+                <a:solidFill>
+                  <a:srgbClr val="808080"/>
+                </a:solidFill>
+                <a:latin typeface="Consolas"/>
+              </a:rPr>
+              <a:t>&gt;</a:t>
+            </a:r>
+            <a:endParaRPr lang="en-US" altLang="ko-KR" dirty="0">
+              <a:solidFill>
+                <a:srgbClr val="D4D4D4"/>
+              </a:solidFill>
+              <a:latin typeface="Consolas"/>
+            </a:endParaRPr>
+          </a:p>
+          <a:p>
+            <a:r>
+              <a:rPr lang="en-US" altLang="ko-KR" dirty="0">
+                <a:solidFill>
+                  <a:srgbClr val="D4D4D4"/>
+                </a:solidFill>
+                <a:latin typeface="Consolas"/>
+              </a:rPr>
+              <a:t>    </a:t>
+            </a:r>
+            <a:r>
+              <a:rPr lang="en-US" altLang="ko-KR" dirty="0">
+                <a:solidFill>
+                  <a:srgbClr val="808080"/>
+                </a:solidFill>
+                <a:latin typeface="Consolas"/>
+              </a:rPr>
+              <a:t>&lt;</a:t>
+            </a:r>
+            <a:r>
+              <a:rPr lang="en-US" altLang="ko-KR" dirty="0">
+                <a:solidFill>
+                  <a:srgbClr val="569CD6"/>
+                </a:solidFill>
+                <a:latin typeface="Consolas"/>
+              </a:rPr>
+              <a:t>script</a:t>
+            </a:r>
+            <a:r>
+              <a:rPr lang="en-US" altLang="ko-KR" dirty="0">
+                <a:solidFill>
+                  <a:srgbClr val="808080"/>
+                </a:solidFill>
+                <a:latin typeface="Consolas"/>
+              </a:rPr>
+              <a:t>&gt;</a:t>
+            </a:r>
+            <a:endParaRPr lang="en-US" altLang="ko-KR" dirty="0">
+              <a:solidFill>
+                <a:srgbClr val="D4D4D4"/>
+              </a:solidFill>
+              <a:latin typeface="Consolas"/>
+            </a:endParaRPr>
+          </a:p>
+          <a:p>
+            <a:r>
+              <a:rPr lang="en-US" altLang="ko-KR" dirty="0">
+                <a:solidFill>
+                  <a:srgbClr val="D4D4D4"/>
+                </a:solidFill>
+                <a:latin typeface="Consolas"/>
+              </a:rPr>
+              <a:t>        </a:t>
+            </a:r>
+            <a:r>
+              <a:rPr lang="en-US" altLang="ko-KR" dirty="0" err="1">
+                <a:solidFill>
+                  <a:srgbClr val="9CDCFE"/>
+                </a:solidFill>
+                <a:latin typeface="Consolas"/>
+              </a:rPr>
+              <a:t>document</a:t>
+            </a:r>
+            <a:r>
+              <a:rPr lang="en-US" altLang="ko-KR" dirty="0" err="1">
+                <a:solidFill>
+                  <a:srgbClr val="D4D4D4"/>
+                </a:solidFill>
+                <a:latin typeface="Consolas"/>
+              </a:rPr>
+              <a:t>.</a:t>
+            </a:r>
+            <a:r>
+              <a:rPr lang="en-US" altLang="ko-KR" dirty="0" err="1">
+                <a:solidFill>
+                  <a:srgbClr val="DCDCAA"/>
+                </a:solidFill>
+                <a:latin typeface="Consolas"/>
+              </a:rPr>
+              <a:t>write</a:t>
+            </a:r>
+            <a:r>
+              <a:rPr lang="en-US" altLang="ko-KR" dirty="0">
+                <a:solidFill>
+                  <a:srgbClr val="D4D4D4"/>
+                </a:solidFill>
+                <a:latin typeface="Consolas"/>
+              </a:rPr>
+              <a:t>(</a:t>
+            </a:r>
+            <a:r>
+              <a:rPr lang="en-US" altLang="ko-KR" dirty="0">
+                <a:solidFill>
+                  <a:srgbClr val="CE9178"/>
+                </a:solidFill>
+                <a:latin typeface="Consolas"/>
+              </a:rPr>
+              <a:t>'</a:t>
+            </a:r>
+            <a:r>
+              <a:rPr lang="ko-KR" altLang="en-US" dirty="0">
+                <a:solidFill>
+                  <a:srgbClr val="CE9178"/>
+                </a:solidFill>
+                <a:latin typeface="Consolas"/>
+              </a:rPr>
+              <a:t>자바스크립트를 작성합니다</a:t>
+            </a:r>
+            <a:r>
+              <a:rPr lang="en-US" altLang="ko-KR" dirty="0">
+                <a:solidFill>
+                  <a:srgbClr val="CE9178"/>
+                </a:solidFill>
+                <a:latin typeface="Consolas"/>
+              </a:rPr>
+              <a:t>.'</a:t>
+            </a:r>
+            <a:r>
+              <a:rPr lang="en-US" altLang="ko-KR" dirty="0">
+                <a:solidFill>
+                  <a:srgbClr val="D4D4D4"/>
+                </a:solidFill>
+                <a:latin typeface="Consolas"/>
+              </a:rPr>
+              <a:t>);</a:t>
+            </a:r>
+          </a:p>
+          <a:p>
+            <a:r>
+              <a:rPr lang="en-US" altLang="ko-KR" dirty="0">
+                <a:solidFill>
+                  <a:srgbClr val="D4D4D4"/>
+                </a:solidFill>
+                <a:latin typeface="Consolas"/>
+              </a:rPr>
+              <a:t>    </a:t>
+            </a:r>
+            <a:r>
+              <a:rPr lang="en-US" altLang="ko-KR" dirty="0">
+                <a:solidFill>
+                  <a:srgbClr val="808080"/>
+                </a:solidFill>
+                <a:latin typeface="Consolas"/>
+              </a:rPr>
+              <a:t>&lt;/</a:t>
+            </a:r>
+            <a:r>
+              <a:rPr lang="en-US" altLang="ko-KR" dirty="0">
+                <a:solidFill>
+                  <a:srgbClr val="569CD6"/>
+                </a:solidFill>
+                <a:latin typeface="Consolas"/>
+              </a:rPr>
+              <a:t>script</a:t>
+            </a:r>
+            <a:r>
+              <a:rPr lang="en-US" altLang="ko-KR" dirty="0">
+                <a:solidFill>
+                  <a:srgbClr val="808080"/>
+                </a:solidFill>
+                <a:latin typeface="Consolas"/>
+              </a:rPr>
+              <a:t>&gt;</a:t>
+            </a:r>
+            <a:endParaRPr lang="en-US" altLang="ko-KR" dirty="0">
+              <a:solidFill>
+                <a:srgbClr val="D4D4D4"/>
+              </a:solidFill>
+              <a:latin typeface="Consolas"/>
+            </a:endParaRPr>
+          </a:p>
+          <a:p>
+            <a:r>
+              <a:rPr lang="en-US" altLang="ko-KR" dirty="0">
+                <a:solidFill>
+                  <a:srgbClr val="808080"/>
+                </a:solidFill>
+                <a:latin typeface="Consolas"/>
+              </a:rPr>
+              <a:t>&lt;/</a:t>
+            </a:r>
+            <a:r>
+              <a:rPr lang="en-US" altLang="ko-KR" dirty="0">
+                <a:solidFill>
+                  <a:srgbClr val="569CD6"/>
+                </a:solidFill>
+                <a:latin typeface="Consolas"/>
+              </a:rPr>
+              <a:t>body</a:t>
+            </a:r>
+            <a:r>
+              <a:rPr lang="en-US" altLang="ko-KR" dirty="0">
+                <a:solidFill>
+                  <a:srgbClr val="808080"/>
+                </a:solidFill>
+                <a:latin typeface="Consolas"/>
+              </a:rPr>
+              <a:t>&gt;</a:t>
+            </a:r>
+            <a:endParaRPr lang="en-US" altLang="ko-KR" dirty="0">
+              <a:solidFill>
+                <a:srgbClr val="D4D4D4"/>
+              </a:solidFill>
+              <a:latin typeface="Consolas"/>
+            </a:endParaRPr>
+          </a:p>
+          <a:p>
+            <a:r>
+              <a:rPr lang="en-US" altLang="ko-KR" dirty="0">
+                <a:solidFill>
+                  <a:srgbClr val="808080"/>
+                </a:solidFill>
+                <a:latin typeface="Consolas"/>
+              </a:rPr>
+              <a:t>&lt;/</a:t>
+            </a:r>
+            <a:r>
+              <a:rPr lang="en-US" altLang="ko-KR" dirty="0">
+                <a:solidFill>
+                  <a:srgbClr val="569CD6"/>
+                </a:solidFill>
+                <a:latin typeface="Consolas"/>
+              </a:rPr>
+              <a:t>html</a:t>
+            </a:r>
+            <a:r>
+              <a:rPr lang="en-US" altLang="ko-KR" dirty="0">
+                <a:solidFill>
+                  <a:srgbClr val="808080"/>
+                </a:solidFill>
+                <a:latin typeface="Consolas"/>
+              </a:rPr>
+              <a:t>&gt;</a:t>
+            </a:r>
+            <a:endParaRPr lang="en-US" altLang="ko-KR" b="0" dirty="0">
+              <a:solidFill>
+                <a:srgbClr val="D4D4D4"/>
+              </a:solidFill>
+              <a:effectLst/>
+              <a:latin typeface="Consolas"/>
+            </a:endParaRPr>
           </a:p>
         </p:txBody>
       </p:sp>
@@ -3720,7 +4738,7 @@
                                           </p:stCondLst>
                                         </p:cTn>
                                         <p:tgtEl>
-                                          <p:spTgt spid="4"/>
+                                          <p:spTgt spid="7"/>
                                         </p:tgtEl>
                                         <p:attrNameLst>
                                           <p:attrName>style.visibility</p:attrName>
@@ -3734,7 +4752,7 @@
                                       <p:cBhvr>
                                         <p:cTn id="7" dur="500"/>
                                         <p:tgtEl>
-                                          <p:spTgt spid="4"/>
+                                          <p:spTgt spid="7"/>
                                         </p:tgtEl>
                                       </p:cBhvr>
                                     </p:animEffect>
@@ -3769,7 +4787,7 @@
       </p:par>
     </p:tnLst>
     <p:bldLst>
-      <p:bldP spid="4" grpId="0" animBg="1"/>
+      <p:bldP spid="7" grpId="0"/>
     </p:bldLst>
   </p:timing>
 </p:sld>
@@ -3804,70 +4822,31 @@
         </p:nvSpPr>
         <p:spPr>
           <a:xfrm>
-            <a:off x="685800" y="2319015"/>
+            <a:off x="688032" y="404664"/>
             <a:ext cx="7772400" cy="1470025"/>
           </a:xfrm>
         </p:spPr>
         <p:txBody>
-          <a:bodyPr/>
+          <a:bodyPr>
+            <a:normAutofit/>
+          </a:bodyPr>
           <a:lstStyle/>
           <a:p>
             <a:r>
-              <a:rPr lang="en-US" altLang="ko-KR" dirty="0" smtClean="0">
-                <a:latin typeface="배달의민족 주아" pitchFamily="18" charset="-127"/>
-                <a:ea typeface="배달의민족 주아" pitchFamily="18" charset="-127"/>
-              </a:rPr>
-              <a:t>HTML</a:t>
-            </a:r>
-            <a:r>
-              <a:rPr lang="ko-KR" altLang="en-US" dirty="0" smtClean="0">
-                <a:latin typeface="배달의민족 주아" pitchFamily="18" charset="-127"/>
-                <a:ea typeface="배달의민족 주아" pitchFamily="18" charset="-127"/>
-              </a:rPr>
-              <a:t>과 </a:t>
-            </a:r>
-            <a:r>
-              <a:rPr lang="en-US" altLang="ko-KR" dirty="0" smtClean="0">
-                <a:latin typeface="배달의민족 주아" pitchFamily="18" charset="-127"/>
-                <a:ea typeface="배달의민족 주아" pitchFamily="18" charset="-127"/>
-              </a:rPr>
-              <a:t>JavaScript </a:t>
-            </a:r>
-            <a:r>
-              <a:rPr lang="ko-KR" altLang="en-US" dirty="0" smtClean="0">
-                <a:latin typeface="배달의민족 주아" pitchFamily="18" charset="-127"/>
-                <a:ea typeface="배달의민족 주아" pitchFamily="18" charset="-127"/>
-              </a:rPr>
-              <a:t>만남</a:t>
-            </a:r>
-            <a:r>
-              <a:rPr lang="en-US" altLang="ko-KR" dirty="0" smtClean="0">
-                <a:latin typeface="배달의민족 주아" pitchFamily="18" charset="-127"/>
-                <a:ea typeface="배달의민족 주아" pitchFamily="18" charset="-127"/>
-              </a:rPr>
-              <a:t/>
-            </a:r>
-            <a:br>
-              <a:rPr lang="en-US" altLang="ko-KR" dirty="0" smtClean="0">
-                <a:latin typeface="배달의민족 주아" pitchFamily="18" charset="-127"/>
-                <a:ea typeface="배달의민족 주아" pitchFamily="18" charset="-127"/>
-              </a:rPr>
-            </a:br>
-            <a:r>
-              <a:rPr lang="en-US" altLang="ko-KR" dirty="0" smtClean="0">
-                <a:latin typeface="배달의민족 주아" pitchFamily="18" charset="-127"/>
-                <a:ea typeface="배달의민족 주아" pitchFamily="18" charset="-127"/>
-              </a:rPr>
-              <a:t>2. HTML </a:t>
-            </a:r>
-            <a:r>
-              <a:rPr lang="ko-KR" altLang="en-US" dirty="0" smtClean="0">
-                <a:latin typeface="배달의민족 주아" pitchFamily="18" charset="-127"/>
-                <a:ea typeface="배달의민족 주아" pitchFamily="18" charset="-127"/>
-              </a:rPr>
-              <a:t>이벤트 속성</a:t>
-            </a:r>
-            <a:endParaRPr lang="ko-KR" altLang="en-US" dirty="0">
+              <a:rPr lang="en-US" altLang="ko-KR" sz="3600" dirty="0" smtClean="0">
+                <a:latin typeface="배달의민족 주아" pitchFamily="18" charset="-127"/>
+                <a:ea typeface="배달의민족 주아" pitchFamily="18" charset="-127"/>
+              </a:rPr>
+              <a:t>1.2 </a:t>
+            </a:r>
+            <a:r>
+              <a:rPr lang="ko-KR" altLang="en-US" sz="3600" dirty="0" smtClean="0">
+                <a:latin typeface="배달의민족 주아" pitchFamily="18" charset="-127"/>
+                <a:ea typeface="배달의민족 주아" pitchFamily="18" charset="-127"/>
+              </a:rPr>
+              <a:t>외부 자바스크립트 파일</a:t>
+            </a:r>
+            <a:endParaRPr lang="ko-KR" altLang="en-US" sz="3600" dirty="0">
               <a:latin typeface="배달의민족 주아" pitchFamily="18" charset="-127"/>
               <a:ea typeface="배달의민족 주아" pitchFamily="18" charset="-127"/>
             </a:endParaRPr>
@@ -3937,10 +4916,828 @@
           </a:p>
         </p:txBody>
       </p:sp>
+      <p:sp>
+        <p:nvSpPr>
+          <p:cNvPr id="4" name="직사각형 3"/>
+          <p:cNvSpPr/>
+          <p:nvPr/>
+        </p:nvSpPr>
+        <p:spPr>
+          <a:xfrm>
+            <a:off x="107504" y="116632"/>
+            <a:ext cx="2808312" cy="369332"/>
+          </a:xfrm>
+          <a:prstGeom prst="rect">
+            <a:avLst/>
+          </a:prstGeom>
+        </p:spPr>
+        <p:txBody>
+          <a:bodyPr wrap="square">
+            <a:spAutoFit/>
+          </a:bodyPr>
+          <a:lstStyle/>
+          <a:p>
+            <a:r>
+              <a:rPr lang="en-US" altLang="ko-KR" dirty="0">
+                <a:latin typeface="배달의민족 주아" pitchFamily="18" charset="-127"/>
+                <a:ea typeface="배달의민족 주아" pitchFamily="18" charset="-127"/>
+              </a:rPr>
+              <a:t>1. </a:t>
+            </a:r>
+            <a:r>
+              <a:rPr lang="ko-KR" altLang="en-US" dirty="0" smtClean="0">
+                <a:latin typeface="배달의민족 주아" pitchFamily="18" charset="-127"/>
+                <a:ea typeface="배달의민족 주아" pitchFamily="18" charset="-127"/>
+              </a:rPr>
+              <a:t>자바스크립트와 </a:t>
+            </a:r>
+            <a:r>
+              <a:rPr lang="en-US" altLang="ko-KR" dirty="0" smtClean="0">
+                <a:latin typeface="배달의민족 주아" pitchFamily="18" charset="-127"/>
+                <a:ea typeface="배달의민족 주아" pitchFamily="18" charset="-127"/>
+              </a:rPr>
+              <a:t>HTML </a:t>
+            </a:r>
+            <a:r>
+              <a:rPr lang="ko-KR" altLang="en-US" dirty="0" smtClean="0">
+                <a:latin typeface="배달의민족 주아" pitchFamily="18" charset="-127"/>
+                <a:ea typeface="배달의민족 주아" pitchFamily="18" charset="-127"/>
+              </a:rPr>
+              <a:t>연동</a:t>
+            </a:r>
+            <a:endParaRPr lang="ko-KR" altLang="en-US" dirty="0"/>
+          </a:p>
+        </p:txBody>
+      </p:sp>
+      <p:sp>
+        <p:nvSpPr>
+          <p:cNvPr id="5" name="직사각형 4"/>
+          <p:cNvSpPr/>
+          <p:nvPr/>
+        </p:nvSpPr>
+        <p:spPr>
+          <a:xfrm>
+            <a:off x="1187624" y="2643877"/>
+            <a:ext cx="5256584" cy="2585323"/>
+          </a:xfrm>
+          <a:prstGeom prst="rect">
+            <a:avLst/>
+          </a:prstGeom>
+          <a:solidFill>
+            <a:schemeClr val="tx1"/>
+          </a:solidFill>
+          <a:effectLst>
+            <a:softEdge rad="31750"/>
+          </a:effectLst>
+        </p:spPr>
+        <p:txBody>
+          <a:bodyPr wrap="square">
+            <a:spAutoFit/>
+          </a:bodyPr>
+          <a:lstStyle/>
+          <a:p>
+            <a:r>
+              <a:rPr lang="en-US" altLang="ko-KR" dirty="0">
+                <a:solidFill>
+                  <a:srgbClr val="808080"/>
+                </a:solidFill>
+                <a:latin typeface="Consolas"/>
+              </a:rPr>
+              <a:t>&lt;!</a:t>
+            </a:r>
+            <a:r>
+              <a:rPr lang="en-US" altLang="ko-KR" dirty="0">
+                <a:solidFill>
+                  <a:srgbClr val="569CD6"/>
+                </a:solidFill>
+                <a:latin typeface="Consolas"/>
+              </a:rPr>
+              <a:t>DOCTYPE</a:t>
+            </a:r>
+            <a:r>
+              <a:rPr lang="en-US" altLang="ko-KR" dirty="0">
+                <a:solidFill>
+                  <a:srgbClr val="D4D4D4"/>
+                </a:solidFill>
+                <a:latin typeface="Consolas"/>
+              </a:rPr>
+              <a:t> </a:t>
+            </a:r>
+            <a:r>
+              <a:rPr lang="en-US" altLang="ko-KR" dirty="0">
+                <a:solidFill>
+                  <a:srgbClr val="9CDCFE"/>
+                </a:solidFill>
+                <a:latin typeface="Consolas"/>
+              </a:rPr>
+              <a:t>html</a:t>
+            </a:r>
+            <a:r>
+              <a:rPr lang="en-US" altLang="ko-KR" dirty="0">
+                <a:solidFill>
+                  <a:srgbClr val="808080"/>
+                </a:solidFill>
+                <a:latin typeface="Consolas"/>
+              </a:rPr>
+              <a:t>&gt;</a:t>
+            </a:r>
+            <a:endParaRPr lang="en-US" altLang="ko-KR" dirty="0">
+              <a:solidFill>
+                <a:srgbClr val="D4D4D4"/>
+              </a:solidFill>
+              <a:latin typeface="Consolas"/>
+            </a:endParaRPr>
+          </a:p>
+          <a:p>
+            <a:r>
+              <a:rPr lang="en-US" altLang="ko-KR" dirty="0">
+                <a:solidFill>
+                  <a:srgbClr val="808080"/>
+                </a:solidFill>
+                <a:latin typeface="Consolas"/>
+              </a:rPr>
+              <a:t>&lt;</a:t>
+            </a:r>
+            <a:r>
+              <a:rPr lang="en-US" altLang="ko-KR" dirty="0">
+                <a:solidFill>
+                  <a:srgbClr val="569CD6"/>
+                </a:solidFill>
+                <a:latin typeface="Consolas"/>
+              </a:rPr>
+              <a:t>html</a:t>
+            </a:r>
+            <a:r>
+              <a:rPr lang="en-US" altLang="ko-KR" dirty="0">
+                <a:solidFill>
+                  <a:srgbClr val="808080"/>
+                </a:solidFill>
+                <a:latin typeface="Consolas"/>
+              </a:rPr>
+              <a:t>&gt;</a:t>
+            </a:r>
+            <a:endParaRPr lang="en-US" altLang="ko-KR" dirty="0">
+              <a:solidFill>
+                <a:srgbClr val="D4D4D4"/>
+              </a:solidFill>
+              <a:latin typeface="Consolas"/>
+            </a:endParaRPr>
+          </a:p>
+          <a:p>
+            <a:r>
+              <a:rPr lang="en-US" altLang="ko-KR" dirty="0">
+                <a:solidFill>
+                  <a:srgbClr val="808080"/>
+                </a:solidFill>
+                <a:latin typeface="Consolas"/>
+              </a:rPr>
+              <a:t>&lt;</a:t>
+            </a:r>
+            <a:r>
+              <a:rPr lang="en-US" altLang="ko-KR" dirty="0">
+                <a:solidFill>
+                  <a:srgbClr val="569CD6"/>
+                </a:solidFill>
+                <a:latin typeface="Consolas"/>
+              </a:rPr>
+              <a:t>head</a:t>
+            </a:r>
+            <a:r>
+              <a:rPr lang="en-US" altLang="ko-KR" dirty="0">
+                <a:solidFill>
+                  <a:srgbClr val="808080"/>
+                </a:solidFill>
+                <a:latin typeface="Consolas"/>
+              </a:rPr>
+              <a:t>&gt;</a:t>
+            </a:r>
+            <a:endParaRPr lang="en-US" altLang="ko-KR" dirty="0">
+              <a:solidFill>
+                <a:srgbClr val="D4D4D4"/>
+              </a:solidFill>
+              <a:latin typeface="Consolas"/>
+            </a:endParaRPr>
+          </a:p>
+          <a:p>
+            <a:r>
+              <a:rPr lang="en-US" altLang="ko-KR" dirty="0">
+                <a:solidFill>
+                  <a:srgbClr val="D4D4D4"/>
+                </a:solidFill>
+                <a:latin typeface="Consolas"/>
+              </a:rPr>
+              <a:t>    </a:t>
+            </a:r>
+            <a:r>
+              <a:rPr lang="en-US" altLang="ko-KR" dirty="0">
+                <a:solidFill>
+                  <a:srgbClr val="808080"/>
+                </a:solidFill>
+                <a:latin typeface="Consolas"/>
+              </a:rPr>
+              <a:t>&lt;</a:t>
+            </a:r>
+            <a:r>
+              <a:rPr lang="en-US" altLang="ko-KR" dirty="0">
+                <a:solidFill>
+                  <a:srgbClr val="569CD6"/>
+                </a:solidFill>
+                <a:latin typeface="Consolas"/>
+              </a:rPr>
+              <a:t>title</a:t>
+            </a:r>
+            <a:r>
+              <a:rPr lang="en-US" altLang="ko-KR" dirty="0">
+                <a:solidFill>
+                  <a:srgbClr val="808080"/>
+                </a:solidFill>
+                <a:latin typeface="Consolas"/>
+              </a:rPr>
+              <a:t>&gt;</a:t>
+            </a:r>
+            <a:r>
+              <a:rPr lang="ko-KR" altLang="en-US" dirty="0">
+                <a:solidFill>
+                  <a:schemeClr val="bg1">
+                    <a:lumMod val="85000"/>
+                  </a:schemeClr>
+                </a:solidFill>
+                <a:latin typeface="Consolas"/>
+              </a:rPr>
+              <a:t>자바스크립트 연동방법</a:t>
+            </a:r>
+            <a:r>
+              <a:rPr lang="en-US" altLang="ko-KR" dirty="0">
+                <a:solidFill>
+                  <a:srgbClr val="808080"/>
+                </a:solidFill>
+                <a:latin typeface="Consolas"/>
+              </a:rPr>
+              <a:t>&lt;/</a:t>
+            </a:r>
+            <a:r>
+              <a:rPr lang="en-US" altLang="ko-KR" dirty="0">
+                <a:solidFill>
+                  <a:srgbClr val="569CD6"/>
+                </a:solidFill>
+                <a:latin typeface="Consolas"/>
+              </a:rPr>
+              <a:t>title</a:t>
+            </a:r>
+            <a:r>
+              <a:rPr lang="en-US" altLang="ko-KR" dirty="0">
+                <a:solidFill>
+                  <a:srgbClr val="808080"/>
+                </a:solidFill>
+                <a:latin typeface="Consolas"/>
+              </a:rPr>
+              <a:t>&gt;</a:t>
+            </a:r>
+            <a:endParaRPr lang="en-US" altLang="ko-KR" dirty="0">
+              <a:solidFill>
+                <a:srgbClr val="D4D4D4"/>
+              </a:solidFill>
+              <a:latin typeface="Consolas"/>
+            </a:endParaRPr>
+          </a:p>
+          <a:p>
+            <a:r>
+              <a:rPr lang="en-US" altLang="ko-KR" dirty="0">
+                <a:solidFill>
+                  <a:srgbClr val="808080"/>
+                </a:solidFill>
+                <a:latin typeface="Consolas"/>
+              </a:rPr>
+              <a:t>&lt;/</a:t>
+            </a:r>
+            <a:r>
+              <a:rPr lang="en-US" altLang="ko-KR" dirty="0">
+                <a:solidFill>
+                  <a:srgbClr val="569CD6"/>
+                </a:solidFill>
+                <a:latin typeface="Consolas"/>
+              </a:rPr>
+              <a:t>head</a:t>
+            </a:r>
+            <a:r>
+              <a:rPr lang="en-US" altLang="ko-KR" dirty="0">
+                <a:solidFill>
+                  <a:srgbClr val="808080"/>
+                </a:solidFill>
+                <a:latin typeface="Consolas"/>
+              </a:rPr>
+              <a:t>&gt;</a:t>
+            </a:r>
+            <a:endParaRPr lang="en-US" altLang="ko-KR" dirty="0">
+              <a:solidFill>
+                <a:srgbClr val="D4D4D4"/>
+              </a:solidFill>
+              <a:latin typeface="Consolas"/>
+            </a:endParaRPr>
+          </a:p>
+          <a:p>
+            <a:r>
+              <a:rPr lang="en-US" altLang="ko-KR" dirty="0">
+                <a:solidFill>
+                  <a:srgbClr val="808080"/>
+                </a:solidFill>
+                <a:latin typeface="Consolas"/>
+              </a:rPr>
+              <a:t>&lt;</a:t>
+            </a:r>
+            <a:r>
+              <a:rPr lang="en-US" altLang="ko-KR" dirty="0">
+                <a:solidFill>
+                  <a:srgbClr val="569CD6"/>
+                </a:solidFill>
+                <a:latin typeface="Consolas"/>
+              </a:rPr>
+              <a:t>body</a:t>
+            </a:r>
+            <a:r>
+              <a:rPr lang="en-US" altLang="ko-KR" dirty="0">
+                <a:solidFill>
+                  <a:srgbClr val="808080"/>
+                </a:solidFill>
+                <a:latin typeface="Consolas"/>
+              </a:rPr>
+              <a:t>&gt;</a:t>
+            </a:r>
+            <a:endParaRPr lang="en-US" altLang="ko-KR" dirty="0">
+              <a:solidFill>
+                <a:srgbClr val="D4D4D4"/>
+              </a:solidFill>
+              <a:latin typeface="Consolas"/>
+            </a:endParaRPr>
+          </a:p>
+          <a:p>
+            <a:r>
+              <a:rPr lang="en-US" altLang="ko-KR" dirty="0">
+                <a:solidFill>
+                  <a:srgbClr val="D4D4D4"/>
+                </a:solidFill>
+                <a:latin typeface="Consolas"/>
+              </a:rPr>
+              <a:t>    </a:t>
+            </a:r>
+            <a:r>
+              <a:rPr lang="en-US" altLang="ko-KR" dirty="0">
+                <a:solidFill>
+                  <a:srgbClr val="808080"/>
+                </a:solidFill>
+                <a:latin typeface="Consolas"/>
+              </a:rPr>
+              <a:t>&lt;</a:t>
+            </a:r>
+            <a:r>
+              <a:rPr lang="en-US" altLang="ko-KR" dirty="0">
+                <a:solidFill>
+                  <a:srgbClr val="569CD6"/>
+                </a:solidFill>
+                <a:latin typeface="Consolas"/>
+              </a:rPr>
+              <a:t>script</a:t>
+            </a:r>
+            <a:r>
+              <a:rPr lang="en-US" altLang="ko-KR" dirty="0">
+                <a:solidFill>
+                  <a:srgbClr val="D4D4D4"/>
+                </a:solidFill>
+                <a:latin typeface="Consolas"/>
+              </a:rPr>
+              <a:t> </a:t>
+            </a:r>
+            <a:r>
+              <a:rPr lang="en-US" altLang="ko-KR" dirty="0" err="1">
+                <a:solidFill>
+                  <a:srgbClr val="9CDCFE"/>
+                </a:solidFill>
+                <a:latin typeface="Consolas"/>
+              </a:rPr>
+              <a:t>src</a:t>
+            </a:r>
+            <a:r>
+              <a:rPr lang="en-US" altLang="ko-KR" dirty="0">
+                <a:solidFill>
+                  <a:srgbClr val="D4D4D4"/>
+                </a:solidFill>
+                <a:latin typeface="Consolas"/>
+              </a:rPr>
+              <a:t>=</a:t>
+            </a:r>
+            <a:r>
+              <a:rPr lang="en-US" altLang="ko-KR" dirty="0">
+                <a:solidFill>
+                  <a:srgbClr val="CE9178"/>
+                </a:solidFill>
+                <a:latin typeface="Consolas"/>
+              </a:rPr>
+              <a:t>"index.js"</a:t>
+            </a:r>
+            <a:r>
+              <a:rPr lang="en-US" altLang="ko-KR" dirty="0">
+                <a:solidFill>
+                  <a:srgbClr val="808080"/>
+                </a:solidFill>
+                <a:latin typeface="Consolas"/>
+              </a:rPr>
+              <a:t>&gt;&lt;/</a:t>
+            </a:r>
+            <a:r>
+              <a:rPr lang="en-US" altLang="ko-KR" dirty="0">
+                <a:solidFill>
+                  <a:srgbClr val="569CD6"/>
+                </a:solidFill>
+                <a:latin typeface="Consolas"/>
+              </a:rPr>
+              <a:t>script</a:t>
+            </a:r>
+            <a:r>
+              <a:rPr lang="en-US" altLang="ko-KR" dirty="0">
+                <a:solidFill>
+                  <a:srgbClr val="808080"/>
+                </a:solidFill>
+                <a:latin typeface="Consolas"/>
+              </a:rPr>
+              <a:t>&gt;</a:t>
+            </a:r>
+            <a:endParaRPr lang="en-US" altLang="ko-KR" dirty="0">
+              <a:solidFill>
+                <a:srgbClr val="D4D4D4"/>
+              </a:solidFill>
+              <a:latin typeface="Consolas"/>
+            </a:endParaRPr>
+          </a:p>
+          <a:p>
+            <a:r>
+              <a:rPr lang="en-US" altLang="ko-KR" dirty="0">
+                <a:solidFill>
+                  <a:srgbClr val="808080"/>
+                </a:solidFill>
+                <a:latin typeface="Consolas"/>
+              </a:rPr>
+              <a:t>&lt;/</a:t>
+            </a:r>
+            <a:r>
+              <a:rPr lang="en-US" altLang="ko-KR" dirty="0">
+                <a:solidFill>
+                  <a:srgbClr val="569CD6"/>
+                </a:solidFill>
+                <a:latin typeface="Consolas"/>
+              </a:rPr>
+              <a:t>body</a:t>
+            </a:r>
+            <a:r>
+              <a:rPr lang="en-US" altLang="ko-KR" dirty="0">
+                <a:solidFill>
+                  <a:srgbClr val="808080"/>
+                </a:solidFill>
+                <a:latin typeface="Consolas"/>
+              </a:rPr>
+              <a:t>&gt;</a:t>
+            </a:r>
+            <a:endParaRPr lang="en-US" altLang="ko-KR" dirty="0">
+              <a:solidFill>
+                <a:srgbClr val="D4D4D4"/>
+              </a:solidFill>
+              <a:latin typeface="Consolas"/>
+            </a:endParaRPr>
+          </a:p>
+          <a:p>
+            <a:r>
+              <a:rPr lang="en-US" altLang="ko-KR" dirty="0">
+                <a:solidFill>
+                  <a:srgbClr val="808080"/>
+                </a:solidFill>
+                <a:latin typeface="Consolas"/>
+              </a:rPr>
+              <a:t>&lt;/</a:t>
+            </a:r>
+            <a:r>
+              <a:rPr lang="en-US" altLang="ko-KR" dirty="0">
+                <a:solidFill>
+                  <a:srgbClr val="569CD6"/>
+                </a:solidFill>
+                <a:latin typeface="Consolas"/>
+              </a:rPr>
+              <a:t>html</a:t>
+            </a:r>
+            <a:r>
+              <a:rPr lang="en-US" altLang="ko-KR" dirty="0">
+                <a:solidFill>
+                  <a:srgbClr val="808080"/>
+                </a:solidFill>
+                <a:latin typeface="Consolas"/>
+              </a:rPr>
+              <a:t>&gt;</a:t>
+            </a:r>
+            <a:endParaRPr lang="en-US" altLang="ko-KR" b="0" dirty="0">
+              <a:solidFill>
+                <a:srgbClr val="D4D4D4"/>
+              </a:solidFill>
+              <a:effectLst/>
+              <a:latin typeface="Consolas"/>
+            </a:endParaRPr>
+          </a:p>
+        </p:txBody>
+      </p:sp>
+      <p:pic>
+        <p:nvPicPr>
+          <p:cNvPr id="1026" name="Picture 2"/>
+          <p:cNvPicPr>
+            <a:picLocks noChangeAspect="1" noChangeArrowheads="1"/>
+          </p:cNvPicPr>
+          <p:nvPr/>
+        </p:nvPicPr>
+        <p:blipFill>
+          <a:blip r:embed="rId2">
+            <a:extLst>
+              <a:ext uri="{28A0092B-C50C-407E-A947-70E740481C1C}">
+                <a14:useLocalDpi xmlns:a14="http://schemas.microsoft.com/office/drawing/2010/main" val="0"/>
+              </a:ext>
+            </a:extLst>
+          </a:blip>
+          <a:srcRect/>
+          <a:stretch>
+            <a:fillRect/>
+          </a:stretch>
+        </p:blipFill>
+        <p:spPr bwMode="auto">
+          <a:xfrm>
+            <a:off x="1187624" y="1867297"/>
+            <a:ext cx="1095375" cy="409575"/>
+          </a:xfrm>
+          <a:prstGeom prst="rect">
+            <a:avLst/>
+          </a:prstGeom>
+          <a:noFill/>
+          <a:ln>
+            <a:noFill/>
+          </a:ln>
+          <a:effectLst>
+            <a:outerShdw dist="35921" dir="2700000" algn="ctr" rotWithShape="0">
+              <a:schemeClr val="bg2"/>
+            </a:outerShdw>
+            <a:softEdge rad="31750"/>
+          </a:effectLst>
+          <a:extLst>
+            <a:ext uri="{909E8E84-426E-40DD-AFC4-6F175D3DCCD1}">
+              <a14:hiddenFill xmlns:a14="http://schemas.microsoft.com/office/drawing/2010/main">
+                <a:solidFill>
+                  <a:schemeClr val="accent1"/>
+                </a:solidFill>
+              </a14:hiddenFill>
+            </a:ext>
+            <a:ext uri="{91240B29-F687-4F45-9708-019B960494DF}">
+              <a14:hiddenLine xmlns:a14="http://schemas.microsoft.com/office/drawing/2010/main" w="9525">
+                <a:solidFill>
+                  <a:schemeClr val="tx1"/>
+                </a:solidFill>
+                <a:miter lim="800000"/>
+                <a:headEnd/>
+                <a:tailEnd/>
+              </a14:hiddenLine>
+            </a:ext>
+          </a:extLst>
+        </p:spPr>
+      </p:pic>
+      <p:sp>
+        <p:nvSpPr>
+          <p:cNvPr id="10" name="직사각형 9"/>
+          <p:cNvSpPr/>
+          <p:nvPr/>
+        </p:nvSpPr>
+        <p:spPr>
+          <a:xfrm>
+            <a:off x="1187624" y="5589240"/>
+            <a:ext cx="6768752" cy="369332"/>
+          </a:xfrm>
+          <a:prstGeom prst="rect">
+            <a:avLst/>
+          </a:prstGeom>
+          <a:solidFill>
+            <a:schemeClr val="tx1"/>
+          </a:solidFill>
+          <a:effectLst>
+            <a:softEdge rad="31750"/>
+          </a:effectLst>
+        </p:spPr>
+        <p:txBody>
+          <a:bodyPr wrap="square">
+            <a:spAutoFit/>
+          </a:bodyPr>
+          <a:lstStyle/>
+          <a:p>
+            <a:r>
+              <a:rPr lang="en-US" altLang="ko-KR" dirty="0" err="1">
+                <a:solidFill>
+                  <a:srgbClr val="9CDCFE"/>
+                </a:solidFill>
+                <a:latin typeface="Consolas"/>
+              </a:rPr>
+              <a:t>document</a:t>
+            </a:r>
+            <a:r>
+              <a:rPr lang="en-US" altLang="ko-KR" dirty="0" err="1">
+                <a:solidFill>
+                  <a:srgbClr val="D4D4D4"/>
+                </a:solidFill>
+                <a:latin typeface="Consolas"/>
+              </a:rPr>
+              <a:t>.</a:t>
+            </a:r>
+            <a:r>
+              <a:rPr lang="en-US" altLang="ko-KR" dirty="0" err="1">
+                <a:solidFill>
+                  <a:srgbClr val="DCDCAA"/>
+                </a:solidFill>
+                <a:latin typeface="Consolas"/>
+              </a:rPr>
+              <a:t>write</a:t>
+            </a:r>
+            <a:r>
+              <a:rPr lang="en-US" altLang="ko-KR" dirty="0">
+                <a:solidFill>
+                  <a:srgbClr val="D4D4D4"/>
+                </a:solidFill>
+                <a:latin typeface="Consolas"/>
+              </a:rPr>
+              <a:t>(</a:t>
+            </a:r>
+            <a:r>
+              <a:rPr lang="en-US" altLang="ko-KR" dirty="0">
+                <a:solidFill>
+                  <a:srgbClr val="CE9178"/>
+                </a:solidFill>
+                <a:latin typeface="Consolas"/>
+              </a:rPr>
+              <a:t>'</a:t>
+            </a:r>
+            <a:r>
+              <a:rPr lang="ko-KR" altLang="en-US" dirty="0">
+                <a:solidFill>
+                  <a:srgbClr val="CE9178"/>
+                </a:solidFill>
+                <a:latin typeface="Consolas"/>
+              </a:rPr>
+              <a:t>외부 자바스크립트 파일을 이용합니다</a:t>
+            </a:r>
+            <a:r>
+              <a:rPr lang="en-US" altLang="ko-KR" dirty="0">
+                <a:solidFill>
+                  <a:srgbClr val="CE9178"/>
+                </a:solidFill>
+                <a:latin typeface="Consolas"/>
+              </a:rPr>
+              <a:t>.'</a:t>
+            </a:r>
+            <a:r>
+              <a:rPr lang="en-US" altLang="ko-KR" dirty="0">
+                <a:solidFill>
+                  <a:srgbClr val="D4D4D4"/>
+                </a:solidFill>
+                <a:latin typeface="Consolas"/>
+              </a:rPr>
+              <a:t>)</a:t>
+            </a:r>
+            <a:endParaRPr lang="en-US" altLang="ko-KR" b="0" dirty="0">
+              <a:solidFill>
+                <a:srgbClr val="D4D4D4"/>
+              </a:solidFill>
+              <a:effectLst/>
+              <a:latin typeface="Consolas"/>
+            </a:endParaRPr>
+          </a:p>
+        </p:txBody>
+      </p:sp>
+      <p:sp>
+        <p:nvSpPr>
+          <p:cNvPr id="12" name="직사각형 11"/>
+          <p:cNvSpPr/>
+          <p:nvPr/>
+        </p:nvSpPr>
+        <p:spPr>
+          <a:xfrm>
+            <a:off x="1115616" y="1497965"/>
+            <a:ext cx="2808312" cy="369332"/>
+          </a:xfrm>
+          <a:prstGeom prst="rect">
+            <a:avLst/>
+          </a:prstGeom>
+        </p:spPr>
+        <p:txBody>
+          <a:bodyPr wrap="square">
+            <a:spAutoFit/>
+          </a:bodyPr>
+          <a:lstStyle/>
+          <a:p>
+            <a:r>
+              <a:rPr lang="en-US" altLang="ko-KR" dirty="0" smtClean="0">
+                <a:latin typeface="배달의민족 주아" pitchFamily="18" charset="-127"/>
+                <a:ea typeface="배달의민족 주아" pitchFamily="18" charset="-127"/>
+              </a:rPr>
+              <a:t>1) index.js </a:t>
+            </a:r>
+            <a:r>
+              <a:rPr lang="ko-KR" altLang="en-US" dirty="0" smtClean="0">
+                <a:latin typeface="배달의민족 주아" pitchFamily="18" charset="-127"/>
+                <a:ea typeface="배달의민족 주아" pitchFamily="18" charset="-127"/>
+              </a:rPr>
+              <a:t>파일 생성</a:t>
+            </a:r>
+            <a:endParaRPr lang="ko-KR" altLang="en-US" dirty="0"/>
+          </a:p>
+        </p:txBody>
+      </p:sp>
+      <p:sp>
+        <p:nvSpPr>
+          <p:cNvPr id="13" name="직사각형 12"/>
+          <p:cNvSpPr/>
+          <p:nvPr/>
+        </p:nvSpPr>
+        <p:spPr>
+          <a:xfrm>
+            <a:off x="1115616" y="2274545"/>
+            <a:ext cx="2808312" cy="369332"/>
+          </a:xfrm>
+          <a:prstGeom prst="rect">
+            <a:avLst/>
+          </a:prstGeom>
+        </p:spPr>
+        <p:txBody>
+          <a:bodyPr wrap="square">
+            <a:spAutoFit/>
+          </a:bodyPr>
+          <a:lstStyle/>
+          <a:p>
+            <a:r>
+              <a:rPr lang="en-US" altLang="ko-KR" dirty="0" smtClean="0">
+                <a:latin typeface="배달의민족 주아" pitchFamily="18" charset="-127"/>
+                <a:ea typeface="배달의민족 주아" pitchFamily="18" charset="-127"/>
+              </a:rPr>
+              <a:t>2) html </a:t>
+            </a:r>
+            <a:r>
+              <a:rPr lang="ko-KR" altLang="en-US" dirty="0" smtClean="0">
+                <a:latin typeface="배달의민족 주아" pitchFamily="18" charset="-127"/>
+                <a:ea typeface="배달의민족 주아" pitchFamily="18" charset="-127"/>
+              </a:rPr>
+              <a:t>파일 작성</a:t>
+            </a:r>
+            <a:endParaRPr lang="ko-KR" altLang="en-US" dirty="0"/>
+          </a:p>
+        </p:txBody>
+      </p:sp>
+      <p:sp>
+        <p:nvSpPr>
+          <p:cNvPr id="14" name="직사각형 13"/>
+          <p:cNvSpPr/>
+          <p:nvPr/>
+        </p:nvSpPr>
+        <p:spPr>
+          <a:xfrm>
+            <a:off x="1115616" y="5219745"/>
+            <a:ext cx="2808312" cy="369332"/>
+          </a:xfrm>
+          <a:prstGeom prst="rect">
+            <a:avLst/>
+          </a:prstGeom>
+        </p:spPr>
+        <p:txBody>
+          <a:bodyPr wrap="square">
+            <a:spAutoFit/>
+          </a:bodyPr>
+          <a:lstStyle/>
+          <a:p>
+            <a:r>
+              <a:rPr lang="en-US" altLang="ko-KR" dirty="0">
+                <a:latin typeface="배달의민족 주아" pitchFamily="18" charset="-127"/>
+                <a:ea typeface="배달의민족 주아" pitchFamily="18" charset="-127"/>
+              </a:rPr>
+              <a:t>3</a:t>
+            </a:r>
+            <a:r>
+              <a:rPr lang="en-US" altLang="ko-KR" dirty="0" smtClean="0">
+                <a:latin typeface="배달의민족 주아" pitchFamily="18" charset="-127"/>
+                <a:ea typeface="배달의민족 주아" pitchFamily="18" charset="-127"/>
+              </a:rPr>
+              <a:t>) index.js </a:t>
+            </a:r>
+            <a:r>
+              <a:rPr lang="ko-KR" altLang="en-US" dirty="0" smtClean="0">
+                <a:latin typeface="배달의민족 주아" pitchFamily="18" charset="-127"/>
+                <a:ea typeface="배달의민족 주아" pitchFamily="18" charset="-127"/>
+              </a:rPr>
+              <a:t>파일 작성</a:t>
+            </a:r>
+            <a:endParaRPr lang="ko-KR" altLang="en-US" dirty="0"/>
+          </a:p>
+        </p:txBody>
+      </p:sp>
     </p:spTree>
     <p:extLst>
       <p:ext uri="{BB962C8B-B14F-4D97-AF65-F5344CB8AC3E}">
-        <p14:creationId xmlns:p14="http://schemas.microsoft.com/office/powerpoint/2010/main" val="1890520598"/>
+        <p14:creationId xmlns:p14="http://schemas.microsoft.com/office/powerpoint/2010/main" val="614470468"/>
       </p:ext>
     </p:extLst>
   </p:cSld>
@@ -3976,6 +5773,49 @@
       </p:grpSpPr>
       <p:sp>
         <p:nvSpPr>
+          <p:cNvPr id="2" name="제목 1"/>
+          <p:cNvSpPr>
+            <a:spLocks noGrp="1"/>
+          </p:cNvSpPr>
+          <p:nvPr>
+            <p:ph type="ctrTitle"/>
+          </p:nvPr>
+        </p:nvSpPr>
+        <p:spPr>
+          <a:xfrm>
+            <a:off x="685800" y="302791"/>
+            <a:ext cx="7772400" cy="1470025"/>
+          </a:xfrm>
+        </p:spPr>
+        <p:txBody>
+          <a:bodyPr>
+            <a:normAutofit/>
+          </a:bodyPr>
+          <a:lstStyle/>
+          <a:p>
+            <a:r>
+              <a:rPr lang="en-US" altLang="ko-KR" sz="3600" dirty="0" smtClean="0">
+                <a:latin typeface="배달의민족 주아" pitchFamily="18" charset="-127"/>
+                <a:ea typeface="배달의민족 주아" pitchFamily="18" charset="-127"/>
+              </a:rPr>
+              <a:t>1.3 </a:t>
+            </a:r>
+            <a:r>
+              <a:rPr lang="ko-KR" altLang="en-US" sz="3600" dirty="0" smtClean="0">
+                <a:latin typeface="배달의민족 주아" pitchFamily="18" charset="-127"/>
+                <a:ea typeface="배달의민족 주아" pitchFamily="18" charset="-127"/>
+              </a:rPr>
+              <a:t>이벤트 속성</a:t>
+            </a:r>
+            <a:endParaRPr lang="ko-KR" altLang="en-US" sz="3600" dirty="0">
+              <a:latin typeface="배달의민족 주아" pitchFamily="18" charset="-127"/>
+              <a:ea typeface="배달의민족 주아" pitchFamily="18" charset="-127"/>
+            </a:endParaRPr>
+          </a:p>
+        </p:txBody>
+      </p:sp>
+      <p:sp>
+        <p:nvSpPr>
           <p:cNvPr id="3" name="TextBox 2"/>
           <p:cNvSpPr txBox="1"/>
           <p:nvPr/>
@@ -4039,211 +5879,621 @@
       </p:sp>
       <p:sp>
         <p:nvSpPr>
-          <p:cNvPr id="4" name="제목 1"/>
-          <p:cNvSpPr txBox="1">
-            <a:spLocks/>
-          </p:cNvSpPr>
+          <p:cNvPr id="4" name="직사각형 3"/>
+          <p:cNvSpPr/>
           <p:nvPr/>
         </p:nvSpPr>
         <p:spPr>
           <a:xfrm>
-            <a:off x="755576" y="980728"/>
-            <a:ext cx="7772400" cy="1512168"/>
+            <a:off x="107504" y="116632"/>
+            <a:ext cx="2808312" cy="369332"/>
           </a:xfrm>
           <a:prstGeom prst="rect">
             <a:avLst/>
           </a:prstGeom>
-          <a:ln>
-            <a:solidFill>
-              <a:schemeClr val="accent5"/>
-            </a:solidFill>
-          </a:ln>
         </p:spPr>
         <p:txBody>
-          <a:bodyPr vert="horz" lIns="91440" tIns="45720" rIns="91440" bIns="45720" rtlCol="0" anchor="ctr">
-            <a:normAutofit fontScale="70000" lnSpcReduction="20000"/>
+          <a:bodyPr wrap="square">
+            <a:spAutoFit/>
           </a:bodyPr>
-          <a:lstStyle>
-            <a:lvl1pPr algn="ctr" defTabSz="914400" rtl="0" eaLnBrk="1" latinLnBrk="1" hangingPunct="1">
-              <a:spcBef>
-                <a:spcPct val="0"/>
-              </a:spcBef>
-              <a:buNone/>
-              <a:defRPr sz="4400" kern="1200">
-                <a:solidFill>
-                  <a:schemeClr val="tx1"/>
-                </a:solidFill>
-                <a:latin typeface="+mj-lt"/>
-                <a:ea typeface="+mj-ea"/>
-                <a:cs typeface="+mj-cs"/>
-              </a:defRPr>
-            </a:lvl1pPr>
-          </a:lstStyle>
-          <a:p>
-            <a:pPr algn="l"/>
+          <a:lstStyle/>
+          <a:p>
+            <a:r>
+              <a:rPr lang="en-US" altLang="ko-KR" dirty="0">
+                <a:latin typeface="배달의민족 주아" pitchFamily="18" charset="-127"/>
+                <a:ea typeface="배달의민족 주아" pitchFamily="18" charset="-127"/>
+              </a:rPr>
+              <a:t>1. </a:t>
+            </a:r>
+            <a:r>
+              <a:rPr lang="ko-KR" altLang="en-US" dirty="0" smtClean="0">
+                <a:latin typeface="배달의민족 주아" pitchFamily="18" charset="-127"/>
+                <a:ea typeface="배달의민족 주아" pitchFamily="18" charset="-127"/>
+              </a:rPr>
+              <a:t>자바스크립트와 </a:t>
+            </a:r>
             <a:r>
               <a:rPr lang="en-US" altLang="ko-KR" dirty="0" smtClean="0">
                 <a:latin typeface="배달의민족 주아" pitchFamily="18" charset="-127"/>
                 <a:ea typeface="배달의민족 주아" pitchFamily="18" charset="-127"/>
               </a:rPr>
-              <a:t>&lt;body&gt;</a:t>
-            </a:r>
-          </a:p>
-          <a:p>
-            <a:pPr algn="l"/>
-            <a:r>
-              <a:rPr lang="en-US" altLang="ko-KR" dirty="0" smtClean="0">
-                <a:latin typeface="배달의민족 주아" pitchFamily="18" charset="-127"/>
-                <a:ea typeface="배달의민족 주아" pitchFamily="18" charset="-127"/>
-              </a:rPr>
-              <a:t>	&lt;input type=“”button”” value=“”</a:t>
-            </a:r>
-            <a:r>
-              <a:rPr lang="en-US" altLang="ko-KR" dirty="0" err="1" smtClean="0">
-                <a:latin typeface="배달의민족 주아" pitchFamily="18" charset="-127"/>
-                <a:ea typeface="배달의민족 주아" pitchFamily="18" charset="-127"/>
-              </a:rPr>
-              <a:t>sayHi</a:t>
-            </a:r>
-            <a:r>
-              <a:rPr lang="en-US" altLang="ko-KR" dirty="0" smtClean="0">
-                <a:latin typeface="배달의민족 주아" pitchFamily="18" charset="-127"/>
-                <a:ea typeface="배달의민족 주아" pitchFamily="18" charset="-127"/>
-              </a:rPr>
-              <a:t>””&gt;</a:t>
-            </a:r>
-          </a:p>
-          <a:p>
-            <a:pPr algn="l"/>
-            <a:r>
-              <a:rPr lang="en-US" altLang="ko-KR" dirty="0" smtClean="0">
-                <a:latin typeface="배달의민족 주아" pitchFamily="18" charset="-127"/>
-                <a:ea typeface="배달의민족 주아" pitchFamily="18" charset="-127"/>
-              </a:rPr>
-              <a:t>&lt;/body&gt;</a:t>
-            </a:r>
-          </a:p>
-        </p:txBody>
-      </p:sp>
-      <p:sp>
-        <p:nvSpPr>
-          <p:cNvPr id="5" name="제목 1"/>
-          <p:cNvSpPr txBox="1">
-            <a:spLocks/>
-          </p:cNvSpPr>
+              <a:t>HTML </a:t>
+            </a:r>
+            <a:r>
+              <a:rPr lang="ko-KR" altLang="en-US" dirty="0" smtClean="0">
+                <a:latin typeface="배달의민족 주아" pitchFamily="18" charset="-127"/>
+                <a:ea typeface="배달의민족 주아" pitchFamily="18" charset="-127"/>
+              </a:rPr>
+              <a:t>연동</a:t>
+            </a:r>
+            <a:endParaRPr lang="ko-KR" altLang="en-US" dirty="0"/>
+          </a:p>
+        </p:txBody>
+      </p:sp>
+      <p:sp>
+        <p:nvSpPr>
+          <p:cNvPr id="6" name="직사각형 5"/>
+          <p:cNvSpPr/>
           <p:nvPr/>
         </p:nvSpPr>
         <p:spPr>
           <a:xfrm>
-            <a:off x="755576" y="3284984"/>
-            <a:ext cx="7772400" cy="1512168"/>
+            <a:off x="467544" y="1859340"/>
+            <a:ext cx="8208912" cy="2585323"/>
           </a:xfrm>
           <a:prstGeom prst="rect">
             <a:avLst/>
           </a:prstGeom>
-          <a:ln>
-            <a:solidFill>
-              <a:schemeClr val="accent5"/>
-            </a:solidFill>
-          </a:ln>
+          <a:solidFill>
+            <a:schemeClr val="tx1"/>
+          </a:solidFill>
+          <a:effectLst>
+            <a:softEdge rad="31750"/>
+          </a:effectLst>
         </p:spPr>
         <p:txBody>
-          <a:bodyPr vert="horz" lIns="91440" tIns="45720" rIns="91440" bIns="45720" rtlCol="0" anchor="ctr">
-            <a:normAutofit fontScale="62500" lnSpcReduction="20000"/>
+          <a:bodyPr wrap="square">
+            <a:spAutoFit/>
           </a:bodyPr>
-          <a:lstStyle>
-            <a:lvl1pPr algn="ctr" defTabSz="914400" rtl="0" eaLnBrk="1" latinLnBrk="1" hangingPunct="1">
-              <a:spcBef>
-                <a:spcPct val="0"/>
-              </a:spcBef>
-              <a:buNone/>
-              <a:defRPr sz="4400" kern="1200">
-                <a:solidFill>
-                  <a:schemeClr val="tx1"/>
-                </a:solidFill>
-                <a:latin typeface="+mj-lt"/>
-                <a:ea typeface="+mj-ea"/>
-                <a:cs typeface="+mj-cs"/>
-              </a:defRPr>
-            </a:lvl1pPr>
-          </a:lstStyle>
-          <a:p>
-            <a:pPr algn="l"/>
-            <a:r>
-              <a:rPr lang="en-US" altLang="ko-KR" dirty="0" smtClean="0">
-                <a:latin typeface="배달의민족 주아" pitchFamily="18" charset="-127"/>
-                <a:ea typeface="배달의민족 주아" pitchFamily="18" charset="-127"/>
-              </a:rPr>
-              <a:t>&lt;body&gt;</a:t>
-            </a:r>
-          </a:p>
-          <a:p>
-            <a:pPr algn="l"/>
-            <a:r>
-              <a:rPr lang="en-US" altLang="ko-KR" dirty="0" smtClean="0">
-                <a:latin typeface="배달의민족 주아" pitchFamily="18" charset="-127"/>
-                <a:ea typeface="배달의민족 주아" pitchFamily="18" charset="-127"/>
-              </a:rPr>
-              <a:t>	&lt;input type=“”button”” value=“”</a:t>
-            </a:r>
-            <a:r>
-              <a:rPr lang="en-US" altLang="ko-KR" dirty="0" err="1" smtClean="0">
-                <a:latin typeface="배달의민족 주아" pitchFamily="18" charset="-127"/>
-                <a:ea typeface="배달의민족 주아" pitchFamily="18" charset="-127"/>
+          <a:lstStyle/>
+          <a:p>
+            <a:r>
+              <a:rPr lang="en-US" altLang="ko-KR" dirty="0">
+                <a:solidFill>
+                  <a:srgbClr val="808080"/>
+                </a:solidFill>
+                <a:latin typeface="Consolas"/>
+              </a:rPr>
+              <a:t>&lt;!</a:t>
+            </a:r>
+            <a:r>
+              <a:rPr lang="en-US" altLang="ko-KR" dirty="0">
+                <a:solidFill>
+                  <a:srgbClr val="569CD6"/>
+                </a:solidFill>
+                <a:latin typeface="Consolas"/>
+              </a:rPr>
+              <a:t>DOCTYPE</a:t>
+            </a:r>
+            <a:r>
+              <a:rPr lang="en-US" altLang="ko-KR" dirty="0">
+                <a:solidFill>
+                  <a:srgbClr val="D4D4D4"/>
+                </a:solidFill>
+                <a:latin typeface="Consolas"/>
+              </a:rPr>
+              <a:t> </a:t>
+            </a:r>
+            <a:r>
+              <a:rPr lang="en-US" altLang="ko-KR" dirty="0">
+                <a:solidFill>
+                  <a:srgbClr val="9CDCFE"/>
+                </a:solidFill>
+                <a:latin typeface="Consolas"/>
+              </a:rPr>
+              <a:t>html</a:t>
+            </a:r>
+            <a:r>
+              <a:rPr lang="en-US" altLang="ko-KR" dirty="0">
+                <a:solidFill>
+                  <a:srgbClr val="808080"/>
+                </a:solidFill>
+                <a:latin typeface="Consolas"/>
+              </a:rPr>
+              <a:t>&gt;</a:t>
+            </a:r>
+            <a:endParaRPr lang="en-US" altLang="ko-KR" dirty="0">
+              <a:solidFill>
+                <a:srgbClr val="D4D4D4"/>
+              </a:solidFill>
+              <a:latin typeface="Consolas"/>
+            </a:endParaRPr>
+          </a:p>
+          <a:p>
+            <a:r>
+              <a:rPr lang="en-US" altLang="ko-KR" dirty="0">
+                <a:solidFill>
+                  <a:srgbClr val="808080"/>
+                </a:solidFill>
+                <a:latin typeface="Consolas"/>
+              </a:rPr>
+              <a:t>&lt;</a:t>
+            </a:r>
+            <a:r>
+              <a:rPr lang="en-US" altLang="ko-KR" dirty="0">
+                <a:solidFill>
+                  <a:srgbClr val="569CD6"/>
+                </a:solidFill>
+                <a:latin typeface="Consolas"/>
+              </a:rPr>
+              <a:t>html</a:t>
+            </a:r>
+            <a:r>
+              <a:rPr lang="en-US" altLang="ko-KR" dirty="0">
+                <a:solidFill>
+                  <a:srgbClr val="808080"/>
+                </a:solidFill>
+                <a:latin typeface="Consolas"/>
+              </a:rPr>
+              <a:t>&gt;</a:t>
+            </a:r>
+            <a:endParaRPr lang="en-US" altLang="ko-KR" dirty="0">
+              <a:solidFill>
+                <a:srgbClr val="D4D4D4"/>
+              </a:solidFill>
+              <a:latin typeface="Consolas"/>
+            </a:endParaRPr>
+          </a:p>
+          <a:p>
+            <a:r>
+              <a:rPr lang="en-US" altLang="ko-KR" dirty="0">
+                <a:solidFill>
+                  <a:srgbClr val="808080"/>
+                </a:solidFill>
+                <a:latin typeface="Consolas"/>
+              </a:rPr>
+              <a:t>&lt;</a:t>
+            </a:r>
+            <a:r>
+              <a:rPr lang="en-US" altLang="ko-KR" dirty="0">
+                <a:solidFill>
+                  <a:srgbClr val="569CD6"/>
+                </a:solidFill>
+                <a:latin typeface="Consolas"/>
+              </a:rPr>
+              <a:t>head</a:t>
+            </a:r>
+            <a:r>
+              <a:rPr lang="en-US" altLang="ko-KR" dirty="0">
+                <a:solidFill>
+                  <a:srgbClr val="808080"/>
+                </a:solidFill>
+                <a:latin typeface="Consolas"/>
+              </a:rPr>
+              <a:t>&gt;</a:t>
+            </a:r>
+            <a:endParaRPr lang="en-US" altLang="ko-KR" dirty="0">
+              <a:solidFill>
+                <a:srgbClr val="D4D4D4"/>
+              </a:solidFill>
+              <a:latin typeface="Consolas"/>
+            </a:endParaRPr>
+          </a:p>
+          <a:p>
+            <a:r>
+              <a:rPr lang="en-US" altLang="ko-KR" dirty="0">
+                <a:solidFill>
+                  <a:srgbClr val="D4D4D4"/>
+                </a:solidFill>
+                <a:latin typeface="Consolas"/>
+              </a:rPr>
+              <a:t>    </a:t>
+            </a:r>
+            <a:r>
+              <a:rPr lang="en-US" altLang="ko-KR" dirty="0">
+                <a:solidFill>
+                  <a:srgbClr val="808080"/>
+                </a:solidFill>
+                <a:latin typeface="Consolas"/>
+              </a:rPr>
+              <a:t>&lt;</a:t>
+            </a:r>
+            <a:r>
+              <a:rPr lang="en-US" altLang="ko-KR" dirty="0">
+                <a:solidFill>
+                  <a:srgbClr val="569CD6"/>
+                </a:solidFill>
+                <a:latin typeface="Consolas"/>
+              </a:rPr>
+              <a:t>title</a:t>
+            </a:r>
+            <a:r>
+              <a:rPr lang="en-US" altLang="ko-KR" dirty="0">
+                <a:solidFill>
+                  <a:srgbClr val="808080"/>
+                </a:solidFill>
+                <a:latin typeface="Consolas"/>
+              </a:rPr>
+              <a:t>&gt;</a:t>
+            </a:r>
+            <a:r>
+              <a:rPr lang="ko-KR" altLang="en-US" dirty="0">
+                <a:solidFill>
+                  <a:srgbClr val="D4D4D4"/>
+                </a:solidFill>
+                <a:latin typeface="Consolas"/>
+              </a:rPr>
+              <a:t>자바스크립트 연동방법</a:t>
+            </a:r>
+            <a:r>
+              <a:rPr lang="en-US" altLang="ko-KR" dirty="0">
+                <a:solidFill>
+                  <a:srgbClr val="808080"/>
+                </a:solidFill>
+                <a:latin typeface="Consolas"/>
+              </a:rPr>
+              <a:t>&lt;/</a:t>
+            </a:r>
+            <a:r>
+              <a:rPr lang="en-US" altLang="ko-KR" dirty="0">
+                <a:solidFill>
+                  <a:srgbClr val="569CD6"/>
+                </a:solidFill>
+                <a:latin typeface="Consolas"/>
+              </a:rPr>
+              <a:t>title</a:t>
+            </a:r>
+            <a:r>
+              <a:rPr lang="en-US" altLang="ko-KR" dirty="0">
+                <a:solidFill>
+                  <a:srgbClr val="808080"/>
+                </a:solidFill>
+                <a:latin typeface="Consolas"/>
+              </a:rPr>
+              <a:t>&gt;</a:t>
+            </a:r>
+            <a:endParaRPr lang="en-US" altLang="ko-KR" dirty="0">
+              <a:solidFill>
+                <a:srgbClr val="D4D4D4"/>
+              </a:solidFill>
+              <a:latin typeface="Consolas"/>
+            </a:endParaRPr>
+          </a:p>
+          <a:p>
+            <a:r>
+              <a:rPr lang="en-US" altLang="ko-KR" dirty="0">
+                <a:solidFill>
+                  <a:srgbClr val="808080"/>
+                </a:solidFill>
+                <a:latin typeface="Consolas"/>
+              </a:rPr>
+              <a:t>&lt;/</a:t>
+            </a:r>
+            <a:r>
+              <a:rPr lang="en-US" altLang="ko-KR" dirty="0">
+                <a:solidFill>
+                  <a:srgbClr val="569CD6"/>
+                </a:solidFill>
+                <a:latin typeface="Consolas"/>
+              </a:rPr>
+              <a:t>head</a:t>
+            </a:r>
+            <a:r>
+              <a:rPr lang="en-US" altLang="ko-KR" dirty="0">
+                <a:solidFill>
+                  <a:srgbClr val="808080"/>
+                </a:solidFill>
+                <a:latin typeface="Consolas"/>
+              </a:rPr>
+              <a:t>&gt;</a:t>
+            </a:r>
+            <a:endParaRPr lang="en-US" altLang="ko-KR" dirty="0">
+              <a:solidFill>
+                <a:srgbClr val="D4D4D4"/>
+              </a:solidFill>
+              <a:latin typeface="Consolas"/>
+            </a:endParaRPr>
+          </a:p>
+          <a:p>
+            <a:r>
+              <a:rPr lang="en-US" altLang="ko-KR" dirty="0">
+                <a:solidFill>
+                  <a:srgbClr val="808080"/>
+                </a:solidFill>
+                <a:latin typeface="Consolas"/>
+              </a:rPr>
+              <a:t>&lt;</a:t>
+            </a:r>
+            <a:r>
+              <a:rPr lang="en-US" altLang="ko-KR" dirty="0">
+                <a:solidFill>
+                  <a:srgbClr val="569CD6"/>
+                </a:solidFill>
+                <a:latin typeface="Consolas"/>
+              </a:rPr>
+              <a:t>body</a:t>
+            </a:r>
+            <a:r>
+              <a:rPr lang="en-US" altLang="ko-KR" dirty="0">
+                <a:solidFill>
+                  <a:srgbClr val="808080"/>
+                </a:solidFill>
+                <a:latin typeface="Consolas"/>
+              </a:rPr>
+              <a:t>&gt;</a:t>
+            </a:r>
+            <a:endParaRPr lang="en-US" altLang="ko-KR" dirty="0">
+              <a:solidFill>
+                <a:srgbClr val="D4D4D4"/>
+              </a:solidFill>
+              <a:latin typeface="Consolas"/>
+            </a:endParaRPr>
+          </a:p>
+          <a:p>
+            <a:r>
+              <a:rPr lang="en-US" altLang="ko-KR" dirty="0">
+                <a:solidFill>
+                  <a:srgbClr val="D4D4D4"/>
+                </a:solidFill>
+                <a:latin typeface="Consolas"/>
+              </a:rPr>
+              <a:t>    </a:t>
+            </a:r>
+            <a:r>
+              <a:rPr lang="en-US" altLang="ko-KR" dirty="0">
+                <a:solidFill>
+                  <a:srgbClr val="808080"/>
+                </a:solidFill>
+                <a:latin typeface="Consolas"/>
+              </a:rPr>
+              <a:t>&lt;</a:t>
+            </a:r>
+            <a:r>
+              <a:rPr lang="en-US" altLang="ko-KR" dirty="0">
+                <a:solidFill>
+                  <a:srgbClr val="569CD6"/>
+                </a:solidFill>
+                <a:latin typeface="Consolas"/>
+              </a:rPr>
+              <a:t>input</a:t>
+            </a:r>
+            <a:r>
+              <a:rPr lang="en-US" altLang="ko-KR" dirty="0">
+                <a:solidFill>
+                  <a:srgbClr val="D4D4D4"/>
+                </a:solidFill>
+                <a:latin typeface="Consolas"/>
+              </a:rPr>
+              <a:t> </a:t>
+            </a:r>
+            <a:r>
+              <a:rPr lang="en-US" altLang="ko-KR" dirty="0">
+                <a:solidFill>
+                  <a:srgbClr val="9CDCFE"/>
+                </a:solidFill>
+                <a:latin typeface="Consolas"/>
+              </a:rPr>
+              <a:t>type</a:t>
+            </a:r>
+            <a:r>
+              <a:rPr lang="en-US" altLang="ko-KR" dirty="0">
+                <a:solidFill>
+                  <a:srgbClr val="D4D4D4"/>
+                </a:solidFill>
+                <a:latin typeface="Consolas"/>
+              </a:rPr>
+              <a:t>=</a:t>
+            </a:r>
+            <a:r>
+              <a:rPr lang="en-US" altLang="ko-KR" dirty="0">
+                <a:solidFill>
+                  <a:srgbClr val="CE9178"/>
+                </a:solidFill>
+                <a:latin typeface="Consolas"/>
+              </a:rPr>
+              <a:t>"button"</a:t>
+            </a:r>
+            <a:r>
+              <a:rPr lang="en-US" altLang="ko-KR" dirty="0">
+                <a:solidFill>
+                  <a:srgbClr val="D4D4D4"/>
+                </a:solidFill>
+                <a:latin typeface="Consolas"/>
+              </a:rPr>
+              <a:t> </a:t>
+            </a:r>
+            <a:r>
+              <a:rPr lang="en-US" altLang="ko-KR" dirty="0">
+                <a:solidFill>
+                  <a:srgbClr val="9CDCFE"/>
+                </a:solidFill>
+                <a:latin typeface="Consolas"/>
+              </a:rPr>
+              <a:t>value</a:t>
+            </a:r>
+            <a:r>
+              <a:rPr lang="en-US" altLang="ko-KR" dirty="0">
+                <a:solidFill>
+                  <a:srgbClr val="D4D4D4"/>
+                </a:solidFill>
+                <a:latin typeface="Consolas"/>
+              </a:rPr>
+              <a:t>=</a:t>
+            </a:r>
+            <a:r>
+              <a:rPr lang="en-US" altLang="ko-KR" dirty="0">
+                <a:solidFill>
+                  <a:srgbClr val="CE9178"/>
+                </a:solidFill>
+                <a:latin typeface="Consolas"/>
+              </a:rPr>
+              <a:t>"</a:t>
+            </a:r>
+            <a:r>
+              <a:rPr lang="en-US" altLang="ko-KR" dirty="0" err="1">
+                <a:solidFill>
+                  <a:srgbClr val="CE9178"/>
+                </a:solidFill>
+                <a:latin typeface="Consolas"/>
               </a:rPr>
               <a:t>sayHi</a:t>
             </a:r>
             <a:r>
-              <a:rPr lang="en-US" altLang="ko-KR" dirty="0" smtClean="0">
-                <a:latin typeface="배달의민족 주아" pitchFamily="18" charset="-127"/>
-                <a:ea typeface="배달의민족 주아" pitchFamily="18" charset="-127"/>
-              </a:rPr>
-              <a:t>”” 	</a:t>
-            </a:r>
-            <a:r>
-              <a:rPr lang="en-US" altLang="ko-KR" dirty="0" err="1" smtClean="0">
-                <a:solidFill>
-                  <a:schemeClr val="accent5"/>
-                </a:solidFill>
-                <a:latin typeface="배달의민족 주아" pitchFamily="18" charset="-127"/>
-                <a:ea typeface="배달의민족 주아" pitchFamily="18" charset="-127"/>
+              <a:rPr lang="en-US" altLang="ko-KR" dirty="0">
+                <a:solidFill>
+                  <a:srgbClr val="CE9178"/>
+                </a:solidFill>
+                <a:latin typeface="Consolas"/>
+              </a:rPr>
+              <a:t>"</a:t>
+            </a:r>
+            <a:r>
+              <a:rPr lang="en-US" altLang="ko-KR" dirty="0">
+                <a:solidFill>
+                  <a:srgbClr val="D4D4D4"/>
+                </a:solidFill>
+                <a:latin typeface="Consolas"/>
+              </a:rPr>
+              <a:t> </a:t>
+            </a:r>
+            <a:r>
+              <a:rPr lang="en-US" altLang="ko-KR" dirty="0" err="1">
+                <a:solidFill>
+                  <a:srgbClr val="9CDCFE"/>
+                </a:solidFill>
+                <a:latin typeface="Consolas"/>
               </a:rPr>
               <a:t>onclick</a:t>
             </a:r>
             <a:r>
-              <a:rPr lang="en-US" altLang="ko-KR" dirty="0" smtClean="0">
-                <a:solidFill>
-                  <a:schemeClr val="accent5"/>
-                </a:solidFill>
-                <a:latin typeface="배달의민족 주아" pitchFamily="18" charset="-127"/>
-                <a:ea typeface="배달의민족 주아" pitchFamily="18" charset="-127"/>
-              </a:rPr>
-              <a:t>=“”alert(“Hi”)””</a:t>
-            </a:r>
-            <a:r>
-              <a:rPr lang="en-US" altLang="ko-KR" dirty="0" smtClean="0">
-                <a:latin typeface="배달의민족 주아" pitchFamily="18" charset="-127"/>
-                <a:ea typeface="배달의민족 주아" pitchFamily="18" charset="-127"/>
+              <a:rPr lang="en-US" altLang="ko-KR" dirty="0">
+                <a:solidFill>
+                  <a:srgbClr val="D4D4D4"/>
+                </a:solidFill>
+                <a:latin typeface="Consolas"/>
+              </a:rPr>
+              <a:t>=</a:t>
+            </a:r>
+            <a:r>
+              <a:rPr lang="en-US" altLang="ko-KR" dirty="0">
+                <a:solidFill>
+                  <a:srgbClr val="CE9178"/>
+                </a:solidFill>
+                <a:latin typeface="Consolas"/>
+              </a:rPr>
+              <a:t>"</a:t>
+            </a:r>
+            <a:r>
+              <a:rPr lang="en-US" altLang="ko-KR" dirty="0">
+                <a:solidFill>
+                  <a:srgbClr val="DCDCAA"/>
+                </a:solidFill>
+                <a:latin typeface="Consolas"/>
+              </a:rPr>
+              <a:t>alert</a:t>
+            </a:r>
+            <a:r>
+              <a:rPr lang="en-US" altLang="ko-KR" dirty="0">
+                <a:solidFill>
+                  <a:srgbClr val="CE9178"/>
+                </a:solidFill>
+                <a:latin typeface="Consolas"/>
+              </a:rPr>
+              <a:t>('Hi');"</a:t>
+            </a:r>
+            <a:r>
+              <a:rPr lang="en-US" altLang="ko-KR" dirty="0">
+                <a:solidFill>
+                  <a:srgbClr val="808080"/>
+                </a:solidFill>
+                <a:latin typeface="Consolas"/>
               </a:rPr>
               <a:t>&gt;</a:t>
             </a:r>
-          </a:p>
-          <a:p>
-            <a:pPr algn="l"/>
-            <a:r>
-              <a:rPr lang="en-US" altLang="ko-KR" dirty="0" smtClean="0">
-                <a:latin typeface="배달의민족 주아" pitchFamily="18" charset="-127"/>
-                <a:ea typeface="배달의민족 주아" pitchFamily="18" charset="-127"/>
-              </a:rPr>
-              <a:t>&lt;/body&gt;</a:t>
-            </a:r>
+            <a:endParaRPr lang="en-US" altLang="ko-KR" dirty="0">
+              <a:solidFill>
+                <a:srgbClr val="D4D4D4"/>
+              </a:solidFill>
+              <a:latin typeface="Consolas"/>
+            </a:endParaRPr>
+          </a:p>
+          <a:p>
+            <a:r>
+              <a:rPr lang="en-US" altLang="ko-KR" dirty="0">
+                <a:solidFill>
+                  <a:srgbClr val="808080"/>
+                </a:solidFill>
+                <a:latin typeface="Consolas"/>
+              </a:rPr>
+              <a:t>&lt;/</a:t>
+            </a:r>
+            <a:r>
+              <a:rPr lang="en-US" altLang="ko-KR" dirty="0">
+                <a:solidFill>
+                  <a:srgbClr val="569CD6"/>
+                </a:solidFill>
+                <a:latin typeface="Consolas"/>
+              </a:rPr>
+              <a:t>body</a:t>
+            </a:r>
+            <a:r>
+              <a:rPr lang="en-US" altLang="ko-KR" dirty="0">
+                <a:solidFill>
+                  <a:srgbClr val="808080"/>
+                </a:solidFill>
+                <a:latin typeface="Consolas"/>
+              </a:rPr>
+              <a:t>&gt;</a:t>
+            </a:r>
+            <a:endParaRPr lang="en-US" altLang="ko-KR" dirty="0">
+              <a:solidFill>
+                <a:srgbClr val="D4D4D4"/>
+              </a:solidFill>
+              <a:latin typeface="Consolas"/>
+            </a:endParaRPr>
+          </a:p>
+          <a:p>
+            <a:r>
+              <a:rPr lang="en-US" altLang="ko-KR" dirty="0">
+                <a:solidFill>
+                  <a:srgbClr val="808080"/>
+                </a:solidFill>
+                <a:latin typeface="Consolas"/>
+              </a:rPr>
+              <a:t>&lt;/</a:t>
+            </a:r>
+            <a:r>
+              <a:rPr lang="en-US" altLang="ko-KR" dirty="0">
+                <a:solidFill>
+                  <a:srgbClr val="569CD6"/>
+                </a:solidFill>
+                <a:latin typeface="Consolas"/>
+              </a:rPr>
+              <a:t>html</a:t>
+            </a:r>
+            <a:r>
+              <a:rPr lang="en-US" altLang="ko-KR" dirty="0">
+                <a:solidFill>
+                  <a:srgbClr val="808080"/>
+                </a:solidFill>
+                <a:latin typeface="Consolas"/>
+              </a:rPr>
+              <a:t>&gt;</a:t>
+            </a:r>
+            <a:endParaRPr lang="en-US" altLang="ko-KR" b="0" dirty="0">
+              <a:solidFill>
+                <a:srgbClr val="D4D4D4"/>
+              </a:solidFill>
+              <a:effectLst/>
+              <a:latin typeface="Consolas"/>
+            </a:endParaRPr>
           </a:p>
         </p:txBody>
       </p:sp>
     </p:spTree>
     <p:extLst>
       <p:ext uri="{BB962C8B-B14F-4D97-AF65-F5344CB8AC3E}">
-        <p14:creationId xmlns:p14="http://schemas.microsoft.com/office/powerpoint/2010/main" val="2036755299"/>
+        <p14:creationId xmlns:p14="http://schemas.microsoft.com/office/powerpoint/2010/main" val="2200571315"/>
       </p:ext>
     </p:extLst>
   </p:cSld>
@@ -4253,142 +6503,9 @@
   <p:timing>
     <p:tnLst>
       <p:par>
-        <p:cTn id="1" dur="indefinite" restart="never" nodeType="tmRoot">
-          <p:childTnLst>
-            <p:seq concurrent="1" nextAc="seek">
-              <p:cTn id="2" dur="indefinite" nodeType="mainSeq">
-                <p:childTnLst>
-                  <p:par>
-                    <p:cTn id="3" fill="hold">
-                      <p:stCondLst>
-                        <p:cond delay="indefinite"/>
-                      </p:stCondLst>
-                      <p:childTnLst>
-                        <p:par>
-                          <p:cTn id="4" fill="hold">
-                            <p:stCondLst>
-                              <p:cond delay="0"/>
-                            </p:stCondLst>
-                            <p:childTnLst>
-                              <p:par>
-                                <p:cTn id="5" presetID="10" presetClass="entr" presetSubtype="0" fill="hold" grpId="0" nodeType="clickEffect">
-                                  <p:stCondLst>
-                                    <p:cond delay="0"/>
-                                  </p:stCondLst>
-                                  <p:childTnLst>
-                                    <p:set>
-                                      <p:cBhvr>
-                                        <p:cTn id="6" dur="1" fill="hold">
-                                          <p:stCondLst>
-                                            <p:cond delay="0"/>
-                                          </p:stCondLst>
-                                        </p:cTn>
-                                        <p:tgtEl>
-                                          <p:spTgt spid="4"/>
-                                        </p:tgtEl>
-                                        <p:attrNameLst>
-                                          <p:attrName>style.visibility</p:attrName>
-                                        </p:attrNameLst>
-                                      </p:cBhvr>
-                                      <p:to>
-                                        <p:strVal val="visible"/>
-                                      </p:to>
-                                    </p:set>
-                                    <p:animEffect transition="in" filter="fade">
-                                      <p:cBhvr>
-                                        <p:cTn id="7" dur="500"/>
-                                        <p:tgtEl>
-                                          <p:spTgt spid="4"/>
-                                        </p:tgtEl>
-                                      </p:cBhvr>
-                                    </p:animEffect>
-                                  </p:childTnLst>
-                                </p:cTn>
-                              </p:par>
-                            </p:childTnLst>
-                          </p:cTn>
-                        </p:par>
-                      </p:childTnLst>
-                    </p:cTn>
-                  </p:par>
-                  <p:par>
-                    <p:cTn id="8" fill="hold">
-                      <p:stCondLst>
-                        <p:cond delay="indefinite"/>
-                      </p:stCondLst>
-                      <p:childTnLst>
-                        <p:par>
-                          <p:cTn id="9" fill="hold">
-                            <p:stCondLst>
-                              <p:cond delay="0"/>
-                            </p:stCondLst>
-                            <p:childTnLst>
-                              <p:par>
-                                <p:cTn id="10" presetID="10" presetClass="entr" presetSubtype="0" fill="hold" grpId="0" nodeType="clickEffect">
-                                  <p:stCondLst>
-                                    <p:cond delay="0"/>
-                                  </p:stCondLst>
-                                  <p:childTnLst>
-                                    <p:set>
-                                      <p:cBhvr>
-                                        <p:cTn id="11" dur="1" fill="hold">
-                                          <p:stCondLst>
-                                            <p:cond delay="0"/>
-                                          </p:stCondLst>
-                                        </p:cTn>
-                                        <p:tgtEl>
-                                          <p:spTgt spid="5"/>
-                                        </p:tgtEl>
-                                        <p:attrNameLst>
-                                          <p:attrName>style.visibility</p:attrName>
-                                        </p:attrNameLst>
-                                      </p:cBhvr>
-                                      <p:to>
-                                        <p:strVal val="visible"/>
-                                      </p:to>
-                                    </p:set>
-                                    <p:animEffect transition="in" filter="fade">
-                                      <p:cBhvr>
-                                        <p:cTn id="12" dur="500"/>
-                                        <p:tgtEl>
-                                          <p:spTgt spid="5"/>
-                                        </p:tgtEl>
-                                      </p:cBhvr>
-                                    </p:animEffect>
-                                  </p:childTnLst>
-                                </p:cTn>
-                              </p:par>
-                            </p:childTnLst>
-                          </p:cTn>
-                        </p:par>
-                      </p:childTnLst>
-                    </p:cTn>
-                  </p:par>
-                </p:childTnLst>
-              </p:cTn>
-              <p:prevCondLst>
-                <p:cond evt="onPrev" delay="0">
-                  <p:tgtEl>
-                    <p:sldTgt/>
-                  </p:tgtEl>
-                </p:cond>
-              </p:prevCondLst>
-              <p:nextCondLst>
-                <p:cond evt="onNext" delay="0">
-                  <p:tgtEl>
-                    <p:sldTgt/>
-                  </p:tgtEl>
-                </p:cond>
-              </p:nextCondLst>
-            </p:seq>
-          </p:childTnLst>
-        </p:cTn>
+        <p:cTn id="1" dur="indefinite" restart="never" nodeType="tmRoot"/>
       </p:par>
     </p:tnLst>
-    <p:bldLst>
-      <p:bldP spid="4" grpId="0" animBg="1"/>
-      <p:bldP spid="5" grpId="0" animBg="1"/>
-    </p:bldLst>
   </p:timing>
 </p:sld>
 </file>
@@ -4435,62 +6552,7 @@
                 <a:latin typeface="배달의민족 주아" pitchFamily="18" charset="-127"/>
                 <a:ea typeface="배달의민족 주아" pitchFamily="18" charset="-127"/>
               </a:rPr>
-              <a:t>HTML</a:t>
-            </a:r>
-            <a:r>
-              <a:rPr lang="ko-KR" altLang="en-US" dirty="0" smtClean="0">
-                <a:latin typeface="배달의민족 주아" pitchFamily="18" charset="-127"/>
-                <a:ea typeface="배달의민족 주아" pitchFamily="18" charset="-127"/>
-              </a:rPr>
-              <a:t>과 </a:t>
-            </a:r>
-            <a:r>
-              <a:rPr lang="en-US" altLang="ko-KR" dirty="0" smtClean="0">
-                <a:latin typeface="배달의민족 주아" pitchFamily="18" charset="-127"/>
-                <a:ea typeface="배달의민족 주아" pitchFamily="18" charset="-127"/>
-              </a:rPr>
-              <a:t>JavaScript </a:t>
-            </a:r>
-            <a:r>
-              <a:rPr lang="ko-KR" altLang="en-US" dirty="0" smtClean="0">
-                <a:latin typeface="배달의민족 주아" pitchFamily="18" charset="-127"/>
-                <a:ea typeface="배달의민족 주아" pitchFamily="18" charset="-127"/>
-              </a:rPr>
-              <a:t>만남</a:t>
-            </a:r>
-            <a:r>
-              <a:rPr lang="en-US" altLang="ko-KR" dirty="0" smtClean="0">
-                <a:latin typeface="배달의민족 주아" pitchFamily="18" charset="-127"/>
-                <a:ea typeface="배달의민족 주아" pitchFamily="18" charset="-127"/>
-              </a:rPr>
-              <a:t/>
-            </a:r>
-            <a:br>
-              <a:rPr lang="en-US" altLang="ko-KR" dirty="0" smtClean="0">
-                <a:latin typeface="배달의민족 주아" pitchFamily="18" charset="-127"/>
-                <a:ea typeface="배달의민족 주아" pitchFamily="18" charset="-127"/>
-              </a:rPr>
-            </a:br>
-            <a:r>
-              <a:rPr lang="en-US" altLang="ko-KR" dirty="0" smtClean="0">
-                <a:latin typeface="배달의민족 주아" pitchFamily="18" charset="-127"/>
-                <a:ea typeface="배달의민족 주아" pitchFamily="18" charset="-127"/>
-              </a:rPr>
-              <a:t>3. </a:t>
-            </a:r>
-            <a:r>
-              <a:rPr lang="ko-KR" altLang="en-US" dirty="0" smtClean="0">
-                <a:latin typeface="배달의민족 주아" pitchFamily="18" charset="-127"/>
-                <a:ea typeface="배달의민족 주아" pitchFamily="18" charset="-127"/>
-              </a:rPr>
-              <a:t>콘솔</a:t>
-            </a:r>
-            <a:r>
-              <a:rPr lang="en-US" altLang="ko-KR" dirty="0" smtClean="0">
-                <a:latin typeface="배달의민족 주아" pitchFamily="18" charset="-127"/>
-                <a:ea typeface="배달의민족 주아" pitchFamily="18" charset="-127"/>
-              </a:rPr>
-              <a:t>(console)</a:t>
+              <a:t>console</a:t>
             </a:r>
             <a:endParaRPr lang="ko-KR" altLang="en-US" dirty="0">
               <a:latin typeface="배달의민족 주아" pitchFamily="18" charset="-127"/>
@@ -4562,10 +6624,70 @@
           </a:p>
         </p:txBody>
       </p:sp>
+      <p:sp>
+        <p:nvSpPr>
+          <p:cNvPr id="4" name="직사각형 3"/>
+          <p:cNvSpPr/>
+          <p:nvPr/>
+        </p:nvSpPr>
+        <p:spPr>
+          <a:xfrm>
+            <a:off x="107504" y="116632"/>
+            <a:ext cx="2808312" cy="369332"/>
+          </a:xfrm>
+          <a:prstGeom prst="rect">
+            <a:avLst/>
+          </a:prstGeom>
+        </p:spPr>
+        <p:txBody>
+          <a:bodyPr wrap="square">
+            <a:spAutoFit/>
+          </a:bodyPr>
+          <a:lstStyle/>
+          <a:p>
+            <a:r>
+              <a:rPr lang="en-US" altLang="ko-KR" dirty="0">
+                <a:latin typeface="배달의민족 주아" pitchFamily="18" charset="-127"/>
+                <a:ea typeface="배달의민족 주아" pitchFamily="18" charset="-127"/>
+              </a:rPr>
+              <a:t>2</a:t>
+            </a:r>
+            <a:r>
+              <a:rPr lang="en-US" altLang="ko-KR" dirty="0" smtClean="0">
+                <a:latin typeface="배달의민족 주아" pitchFamily="18" charset="-127"/>
+                <a:ea typeface="배달의민족 주아" pitchFamily="18" charset="-127"/>
+              </a:rPr>
+              <a:t>. </a:t>
+            </a:r>
+            <a:r>
+              <a:rPr lang="ko-KR" altLang="en-US" dirty="0" err="1" smtClean="0">
+                <a:latin typeface="배달의민족 주아" pitchFamily="18" charset="-127"/>
+                <a:ea typeface="배달의민족 주아" pitchFamily="18" charset="-127"/>
+              </a:rPr>
+              <a:t>구글</a:t>
+            </a:r>
+            <a:r>
+              <a:rPr lang="ko-KR" altLang="en-US" dirty="0" smtClean="0">
+                <a:latin typeface="배달의민족 주아" pitchFamily="18" charset="-127"/>
+                <a:ea typeface="배달의민족 주아" pitchFamily="18" charset="-127"/>
+              </a:rPr>
+              <a:t> 개발자 도구 </a:t>
+            </a:r>
+            <a:r>
+              <a:rPr lang="en-US" altLang="ko-KR" dirty="0" smtClean="0">
+                <a:latin typeface="배달의민족 주아" pitchFamily="18" charset="-127"/>
+                <a:ea typeface="배달의민족 주아" pitchFamily="18" charset="-127"/>
+              </a:rPr>
+              <a:t>- console</a:t>
+            </a:r>
+            <a:endParaRPr lang="ko-KR" altLang="en-US" dirty="0"/>
+          </a:p>
+        </p:txBody>
+      </p:sp>
     </p:spTree>
     <p:extLst>
       <p:ext uri="{BB962C8B-B14F-4D97-AF65-F5344CB8AC3E}">
-        <p14:creationId xmlns:p14="http://schemas.microsoft.com/office/powerpoint/2010/main" val="933340591"/>
+        <p14:creationId xmlns:p14="http://schemas.microsoft.com/office/powerpoint/2010/main" val="4281715543"/>
       </p:ext>
     </p:extLst>
   </p:cSld>
@@ -4738,64 +6860,72 @@
         </p:nvSpPr>
         <p:spPr>
           <a:xfrm>
-            <a:off x="3275856" y="2996952"/>
-            <a:ext cx="5542384" cy="1181993"/>
+            <a:off x="576672" y="4479255"/>
+            <a:ext cx="7990656" cy="1181993"/>
           </a:xfrm>
         </p:spPr>
         <p:txBody>
           <a:bodyPr>
-            <a:normAutofit fontScale="90000"/>
+            <a:noAutofit/>
           </a:bodyPr>
           <a:lstStyle/>
           <a:p>
             <a:r>
-              <a:rPr lang="en-US" altLang="ko-KR" dirty="0" smtClean="0">
-                <a:latin typeface="배달의민족 주아" pitchFamily="18" charset="-127"/>
-                <a:ea typeface="배달의민족 주아" pitchFamily="18" charset="-127"/>
-              </a:rPr>
-              <a:t>&gt; alert(3+5)</a:t>
+              <a:rPr lang="en-US" altLang="ko-KR" sz="2800" dirty="0" smtClean="0">
+                <a:latin typeface="배달의민족 주아" pitchFamily="18" charset="-127"/>
+                <a:ea typeface="배달의민족 주아" pitchFamily="18" charset="-127"/>
+              </a:rPr>
+              <a:t>1. console.log() </a:t>
+            </a:r>
+            <a:r>
+              <a:rPr lang="ko-KR" altLang="en-US" sz="2800" dirty="0" smtClean="0">
+                <a:latin typeface="배달의민족 주아" pitchFamily="18" charset="-127"/>
+                <a:ea typeface="배달의민족 주아" pitchFamily="18" charset="-127"/>
+              </a:rPr>
+              <a:t>로 출력한 내용이 표시된다</a:t>
+            </a:r>
+            <a:r>
+              <a:rPr lang="en-US" altLang="ko-KR" sz="2800" dirty="0" smtClean="0">
+                <a:latin typeface="배달의민족 주아" pitchFamily="18" charset="-127"/>
+                <a:ea typeface="배달의민족 주아" pitchFamily="18" charset="-127"/>
+              </a:rPr>
+              <a:t>. </a:t>
             </a:r>
             <a:br>
-              <a:rPr lang="en-US" altLang="ko-KR" dirty="0" smtClean="0">
+              <a:rPr lang="en-US" altLang="ko-KR" sz="2800" dirty="0" smtClean="0">
                 <a:latin typeface="배달의민족 주아" pitchFamily="18" charset="-127"/>
                 <a:ea typeface="배달의민족 주아" pitchFamily="18" charset="-127"/>
               </a:rPr>
             </a:br>
             <a:r>
-              <a:rPr lang="en-US" altLang="ko-KR" dirty="0" smtClean="0">
-                <a:latin typeface="배달의민족 주아" pitchFamily="18" charset="-127"/>
-                <a:ea typeface="배달의민족 주아" pitchFamily="18" charset="-127"/>
-              </a:rPr>
-              <a:t>&gt; alert(“</a:t>
-            </a:r>
-            <a:r>
-              <a:rPr lang="en-US" altLang="ko-KR" smtClean="0">
-                <a:latin typeface="배달의민족 주아" pitchFamily="18" charset="-127"/>
-                <a:ea typeface="배달의민족 주아" pitchFamily="18" charset="-127"/>
-              </a:rPr>
-              <a:t>Hi</a:t>
-            </a:r>
-            <a:r>
-              <a:rPr lang="en-US" altLang="ko-KR" smtClean="0">
-                <a:latin typeface="배달의민족 주아" pitchFamily="18" charset="-127"/>
-                <a:ea typeface="배달의민족 주아" pitchFamily="18" charset="-127"/>
-              </a:rPr>
-              <a:t>”)</a:t>
-            </a:r>
-            <a:br>
-              <a:rPr lang="en-US" altLang="ko-KR" smtClean="0">
-                <a:latin typeface="배달의민족 주아" pitchFamily="18" charset="-127"/>
-                <a:ea typeface="배달의민족 주아" pitchFamily="18" charset="-127"/>
-              </a:rPr>
-            </a:br>
-            <a:r>
-              <a:rPr lang="ko-KR" altLang="en-US" dirty="0" smtClean="0">
-                <a:latin typeface="배달의민족 주아" pitchFamily="18" charset="-127"/>
-                <a:ea typeface="배달의민족 주아" pitchFamily="18" charset="-127"/>
-              </a:rPr>
-              <a:t>입력해보기</a:t>
-            </a:r>
-            <a:endParaRPr lang="ko-KR" altLang="en-US" dirty="0">
+              <a:rPr lang="en-US" altLang="ko-KR" sz="2800" dirty="0" smtClean="0">
+                <a:latin typeface="배달의민족 주아" pitchFamily="18" charset="-127"/>
+                <a:ea typeface="배달의민족 주아" pitchFamily="18" charset="-127"/>
+              </a:rPr>
+              <a:t>2. </a:t>
+            </a:r>
+            <a:r>
+              <a:rPr lang="ko-KR" altLang="en-US" sz="2800" dirty="0" smtClean="0">
+                <a:latin typeface="배달의민족 주아" pitchFamily="18" charset="-127"/>
+                <a:ea typeface="배달의민족 주아" pitchFamily="18" charset="-127"/>
+              </a:rPr>
+              <a:t>자바스크립트 코드를 작성하고 결과를 확인할 수 있다</a:t>
+            </a:r>
+            <a:r>
+              <a:rPr lang="en-US" altLang="ko-KR" sz="2800" dirty="0" smtClean="0">
+                <a:latin typeface="배달의민족 주아" pitchFamily="18" charset="-127"/>
+                <a:ea typeface="배달의민족 주아" pitchFamily="18" charset="-127"/>
+              </a:rPr>
+              <a:t>. </a:t>
+            </a:r>
+            <a:r>
+              <a:rPr lang="ko-KR" altLang="en-US" sz="2800" dirty="0" smtClean="0">
+                <a:latin typeface="배달의민족 주아" pitchFamily="18" charset="-127"/>
+                <a:ea typeface="배달의민족 주아" pitchFamily="18" charset="-127"/>
+              </a:rPr>
+              <a:t> </a:t>
+            </a:r>
+            <a:endParaRPr lang="ko-KR" altLang="en-US" sz="2800" dirty="0">
               <a:latin typeface="배달의민족 주아" pitchFamily="18" charset="-127"/>
               <a:ea typeface="배달의민족 주아" pitchFamily="18" charset="-127"/>
             </a:endParaRPr>
